--- a/Query2SQL.pptx
+++ b/Query2SQL.pptx
@@ -137,6 +137,11 @@
       </a:defRPr>
     </a:lvl9pPr>
   </p:defaultTextStyle>
+  <p:extLst>
+    <p:ext uri="{EFAFB233-063F-42B5-8137-9DF3F51BA10A}">
+      <p15:sldGuideLst xmlns:p15="http://schemas.microsoft.com/office/powerpoint/2012/main"/>
+    </p:ext>
+  </p:extLst>
 </p:presentation>
 </file>
 
@@ -222,7 +227,7 @@
           <a:p>
             <a:fld id="{08ECD31F-0DDB-453B-9860-2656243CE1A1}" type="datetimeFigureOut">
               <a:rPr lang="en-US" smtClean="0"/>
-              <a:t>9/21/2022</a:t>
+              <a:t>9/23/2022</a:t>
             </a:fld>
             <a:endParaRPr lang="en-US"/>
           </a:p>
@@ -720,7 +725,7 @@
           <a:p>
             <a:fld id="{E44EE0E6-E68E-443C-B5F4-5068DAD6E55A}" type="datetimeFigureOut">
               <a:rPr lang="en-US" smtClean="0"/>
-              <a:t>9/21/2022</a:t>
+              <a:t>9/23/2022</a:t>
             </a:fld>
             <a:endParaRPr lang="en-US"/>
           </a:p>
@@ -918,7 +923,7 @@
           <a:p>
             <a:fld id="{E44EE0E6-E68E-443C-B5F4-5068DAD6E55A}" type="datetimeFigureOut">
               <a:rPr lang="en-US" smtClean="0"/>
-              <a:t>9/21/2022</a:t>
+              <a:t>9/23/2022</a:t>
             </a:fld>
             <a:endParaRPr lang="en-US"/>
           </a:p>
@@ -1126,7 +1131,7 @@
           <a:p>
             <a:fld id="{E44EE0E6-E68E-443C-B5F4-5068DAD6E55A}" type="datetimeFigureOut">
               <a:rPr lang="en-US" smtClean="0"/>
-              <a:t>9/21/2022</a:t>
+              <a:t>9/23/2022</a:t>
             </a:fld>
             <a:endParaRPr lang="en-US"/>
           </a:p>
@@ -1324,7 +1329,7 @@
           <a:p>
             <a:fld id="{E44EE0E6-E68E-443C-B5F4-5068DAD6E55A}" type="datetimeFigureOut">
               <a:rPr lang="en-US" smtClean="0"/>
-              <a:t>9/21/2022</a:t>
+              <a:t>9/23/2022</a:t>
             </a:fld>
             <a:endParaRPr lang="en-US"/>
           </a:p>
@@ -1599,7 +1604,7 @@
           <a:p>
             <a:fld id="{E44EE0E6-E68E-443C-B5F4-5068DAD6E55A}" type="datetimeFigureOut">
               <a:rPr lang="en-US" smtClean="0"/>
-              <a:t>9/21/2022</a:t>
+              <a:t>9/23/2022</a:t>
             </a:fld>
             <a:endParaRPr lang="en-US"/>
           </a:p>
@@ -1864,7 +1869,7 @@
           <a:p>
             <a:fld id="{E44EE0E6-E68E-443C-B5F4-5068DAD6E55A}" type="datetimeFigureOut">
               <a:rPr lang="en-US" smtClean="0"/>
-              <a:t>9/21/2022</a:t>
+              <a:t>9/23/2022</a:t>
             </a:fld>
             <a:endParaRPr lang="en-US"/>
           </a:p>
@@ -2276,7 +2281,7 @@
           <a:p>
             <a:fld id="{E44EE0E6-E68E-443C-B5F4-5068DAD6E55A}" type="datetimeFigureOut">
               <a:rPr lang="en-US" smtClean="0"/>
-              <a:t>9/21/2022</a:t>
+              <a:t>9/23/2022</a:t>
             </a:fld>
             <a:endParaRPr lang="en-US"/>
           </a:p>
@@ -2417,7 +2422,7 @@
           <a:p>
             <a:fld id="{E44EE0E6-E68E-443C-B5F4-5068DAD6E55A}" type="datetimeFigureOut">
               <a:rPr lang="en-US" smtClean="0"/>
-              <a:t>9/21/2022</a:t>
+              <a:t>9/23/2022</a:t>
             </a:fld>
             <a:endParaRPr lang="en-US"/>
           </a:p>
@@ -2530,7 +2535,7 @@
           <a:p>
             <a:fld id="{E44EE0E6-E68E-443C-B5F4-5068DAD6E55A}" type="datetimeFigureOut">
               <a:rPr lang="en-US" smtClean="0"/>
-              <a:t>9/21/2022</a:t>
+              <a:t>9/23/2022</a:t>
             </a:fld>
             <a:endParaRPr lang="en-US"/>
           </a:p>
@@ -2841,7 +2846,7 @@
           <a:p>
             <a:fld id="{E44EE0E6-E68E-443C-B5F4-5068DAD6E55A}" type="datetimeFigureOut">
               <a:rPr lang="en-US" smtClean="0"/>
-              <a:t>9/21/2022</a:t>
+              <a:t>9/23/2022</a:t>
             </a:fld>
             <a:endParaRPr lang="en-US"/>
           </a:p>
@@ -3129,7 +3134,7 @@
           <a:p>
             <a:fld id="{E44EE0E6-E68E-443C-B5F4-5068DAD6E55A}" type="datetimeFigureOut">
               <a:rPr lang="en-US" smtClean="0"/>
-              <a:t>9/21/2022</a:t>
+              <a:t>9/23/2022</a:t>
             </a:fld>
             <a:endParaRPr lang="en-US"/>
           </a:p>
@@ -3370,7 +3375,7 @@
           <a:p>
             <a:fld id="{E44EE0E6-E68E-443C-B5F4-5068DAD6E55A}" type="datetimeFigureOut">
               <a:rPr lang="en-US" smtClean="0"/>
-              <a:t>9/21/2022</a:t>
+              <a:t>9/23/2022</a:t>
             </a:fld>
             <a:endParaRPr lang="en-US"/>
           </a:p>
@@ -7779,25 +7784,75 @@
           <a:lstStyle/>
           <a:p>
             <a:r>
+              <a:rPr lang="ru-RU" dirty="0">
+                <a:latin typeface="-apple-system"/>
+              </a:rPr>
+              <a:t>Е</a:t>
+            </a:r>
+            <a:r>
               <a:rPr lang="ru-RU" b="0" i="0" dirty="0">
                 <a:effectLst/>
                 <a:latin typeface="-apple-system"/>
               </a:rPr>
-              <a:t>есть таблица. Мы хотим предоставить пользователю возможность составлять выражения в своём синтаксисе так, чтобы они </a:t>
-            </a:r>
-            <a:r>
-              <a:rPr lang="ru-RU" b="0" i="0" dirty="0" err="1">
-                <a:effectLst/>
+              <a:t>сть схема данных и ее наполнение. Мы хотим предоставить пользователю возможность составлять выражения в своём синтаксисе так, чтобы они вычислялись в базе данных</a:t>
+            </a:r>
+            <a:r>
+              <a:rPr lang="en-US" dirty="0">
                 <a:latin typeface="-apple-system"/>
               </a:rPr>
-              <a:t>вычисллялись</a:t>
-            </a:r>
-            <a:r>
-              <a:rPr lang="ru-RU" b="0" i="0" dirty="0">
-                <a:effectLst/>
+              <a:t>.</a:t>
+            </a:r>
+            <a:endParaRPr lang="ru-RU" dirty="0">
+              <a:latin typeface="-apple-system"/>
+            </a:endParaRPr>
+          </a:p>
+          <a:p>
+            <a:endParaRPr lang="ru-RU" dirty="0">
+              <a:latin typeface="-apple-system"/>
+            </a:endParaRPr>
+          </a:p>
+          <a:p>
+            <a:r>
+              <a:rPr lang="en-US" dirty="0">
                 <a:latin typeface="-apple-system"/>
               </a:rPr>
-              <a:t> в базе данных</a:t>
+              <a:t>col(start) &lt; col(end) </a:t>
+            </a:r>
+            <a:r>
+              <a:rPr lang="ru-RU" dirty="0">
+                <a:latin typeface="-apple-system"/>
+              </a:rPr>
+              <a:t> или </a:t>
+            </a:r>
+            <a:r>
+              <a:rPr lang="en-US" dirty="0">
+                <a:latin typeface="-apple-system"/>
+              </a:rPr>
+              <a:t>col(</a:t>
+            </a:r>
+            <a:r>
+              <a:rPr lang="en-US" dirty="0" err="1">
+                <a:latin typeface="-apple-system"/>
+              </a:rPr>
+              <a:t>startFact</a:t>
+            </a:r>
+            <a:r>
+              <a:rPr lang="en-US" dirty="0">
+                <a:latin typeface="-apple-system"/>
+              </a:rPr>
+              <a:t>) + col(duration) &lt; col(</a:t>
+            </a:r>
+            <a:r>
+              <a:rPr lang="en-US" dirty="0" err="1">
+                <a:latin typeface="-apple-system"/>
+              </a:rPr>
+              <a:t>endPlan</a:t>
+            </a:r>
+            <a:r>
+              <a:rPr lang="en-US" dirty="0">
+                <a:latin typeface="-apple-system"/>
+              </a:rPr>
+              <a:t>)</a:t>
             </a:r>
             <a:endParaRPr lang="en-US" dirty="0"/>
           </a:p>
@@ -8386,9 +8441,57 @@
           <a:p>
             <a:r>
               <a:rPr lang="ru-RU" dirty="0"/>
-              <a:t>можно ли попробовать составлять SQL самому. Сделать разбор синтаксиса и генерировать SQL. Звучит довольно сложно (сделать разбор выражения сложно само по себе плюс).</a:t>
-            </a:r>
-            <a:endParaRPr lang="en-US" dirty="0"/>
+              <a:t>можно ли попробовать составлять SQL самому. Сделать разбор синтаксиса и генерировать SQL. Звучит довольно сложно (сделать разбор выражения сложно само по себе).</a:t>
+            </a:r>
+            <a:r>
+              <a:rPr lang="en-US" dirty="0"/>
+              <a:t> </a:t>
+            </a:r>
+            <a:endParaRPr lang="ru-RU" dirty="0"/>
+          </a:p>
+          <a:p>
+            <a:r>
+              <a:rPr lang="ru-RU" dirty="0"/>
+              <a:t>Плюсы</a:t>
+            </a:r>
+          </a:p>
+          <a:p>
+            <a:pPr lvl="1"/>
+            <a:r>
+              <a:rPr lang="ru-RU" dirty="0"/>
+              <a:t>полное управление</a:t>
+            </a:r>
+          </a:p>
+          <a:p>
+            <a:pPr lvl="1"/>
+            <a:r>
+              <a:rPr lang="ru-RU" dirty="0"/>
+              <a:t>только то, что нужно</a:t>
+            </a:r>
+          </a:p>
+          <a:p>
+            <a:r>
+              <a:rPr lang="ru-RU" dirty="0"/>
+              <a:t>Минусы</a:t>
+            </a:r>
+          </a:p>
+          <a:p>
+            <a:pPr lvl="1"/>
+            <a:r>
+              <a:rPr lang="ru-RU" dirty="0"/>
+              <a:t>всю работу нужно проделать с нуля</a:t>
+            </a:r>
+          </a:p>
+          <a:p>
+            <a:pPr lvl="1"/>
+            <a:r>
+              <a:rPr lang="ru-RU" dirty="0"/>
+              <a:t>сложно маштабировать (точнее предугадать где заложить маштабирование)</a:t>
+            </a:r>
+          </a:p>
+          <a:p>
+            <a:pPr lvl="1"/>
+            <a:endParaRPr lang="ru-RU" dirty="0"/>
           </a:p>
         </p:txBody>
       </p:sp>
@@ -8571,7 +8674,14 @@
           <a:bodyPr/>
           <a:lstStyle/>
           <a:p>
-            <a:endParaRPr lang="en-US"/>
+            <a:r>
+              <a:rPr lang="ru-RU" dirty="0"/>
+              <a:t>Формирование </a:t>
+            </a:r>
+            <a:r>
+              <a:rPr lang="en-US" dirty="0"/>
+              <a:t>SQL</a:t>
+            </a:r>
           </a:p>
         </p:txBody>
       </p:sp>
@@ -8663,7 +8773,14 @@
           <a:bodyPr/>
           <a:lstStyle/>
           <a:p>
-            <a:endParaRPr lang="en-US"/>
+            <a:r>
+              <a:rPr lang="ru-RU" dirty="0"/>
+              <a:t>Используем </a:t>
+            </a:r>
+            <a:r>
+              <a:rPr lang="en-US" dirty="0"/>
+              <a:t>EF</a:t>
+            </a:r>
           </a:p>
         </p:txBody>
       </p:sp>
@@ -8701,10 +8818,17 @@
               <a:t> с описанием схемы данных и добавляем туда наше выражение. А потом генерируем SQL при помощи </a:t>
             </a:r>
             <a:r>
-              <a:rPr lang="ru-RU" dirty="0" err="1"/>
+              <a:rPr lang="en-US" dirty="0"/>
+              <a:t>To</a:t>
+            </a:r>
+            <a:r>
+              <a:rPr lang="ru-RU" dirty="0"/>
               <a:t>QueryString</a:t>
             </a:r>
-            <a:endParaRPr lang="en-US" dirty="0"/>
+            <a:r>
+              <a:rPr lang="en-US" dirty="0"/>
+              <a:t>()</a:t>
+            </a:r>
           </a:p>
         </p:txBody>
       </p:sp>

--- a/Query2SQL.pptx
+++ b/Query2SQL.pptx
@@ -5,40 +5,42 @@
     <p:sldMasterId id="2147483648" r:id="rId1"/>
   </p:sldMasterIdLst>
   <p:notesMasterIdLst>
-    <p:notesMasterId r:id="rId33"/>
+    <p:notesMasterId r:id="rId35"/>
   </p:notesMasterIdLst>
   <p:sldIdLst>
-    <p:sldId id="256" r:id="rId2"/>
-    <p:sldId id="257" r:id="rId3"/>
+    <p:sldId id="257" r:id="rId2"/>
+    <p:sldId id="256" r:id="rId3"/>
     <p:sldId id="258" r:id="rId4"/>
     <p:sldId id="262" r:id="rId5"/>
     <p:sldId id="263" r:id="rId6"/>
-    <p:sldId id="264" r:id="rId7"/>
-    <p:sldId id="265" r:id="rId8"/>
-    <p:sldId id="266" r:id="rId9"/>
-    <p:sldId id="267" r:id="rId10"/>
-    <p:sldId id="284" r:id="rId11"/>
-    <p:sldId id="285" r:id="rId12"/>
-    <p:sldId id="286" r:id="rId13"/>
-    <p:sldId id="271" r:id="rId14"/>
-    <p:sldId id="270" r:id="rId15"/>
-    <p:sldId id="272" r:id="rId16"/>
-    <p:sldId id="273" r:id="rId17"/>
-    <p:sldId id="274" r:id="rId18"/>
-    <p:sldId id="275" r:id="rId19"/>
-    <p:sldId id="276" r:id="rId20"/>
-    <p:sldId id="269" r:id="rId21"/>
-    <p:sldId id="268" r:id="rId22"/>
-    <p:sldId id="277" r:id="rId23"/>
-    <p:sldId id="278" r:id="rId24"/>
-    <p:sldId id="279" r:id="rId25"/>
-    <p:sldId id="280" r:id="rId26"/>
-    <p:sldId id="281" r:id="rId27"/>
-    <p:sldId id="282" r:id="rId28"/>
-    <p:sldId id="259" r:id="rId29"/>
-    <p:sldId id="283" r:id="rId30"/>
-    <p:sldId id="260" r:id="rId31"/>
-    <p:sldId id="261" r:id="rId32"/>
+    <p:sldId id="287" r:id="rId7"/>
+    <p:sldId id="264" r:id="rId8"/>
+    <p:sldId id="265" r:id="rId9"/>
+    <p:sldId id="266" r:id="rId10"/>
+    <p:sldId id="267" r:id="rId11"/>
+    <p:sldId id="284" r:id="rId12"/>
+    <p:sldId id="285" r:id="rId13"/>
+    <p:sldId id="286" r:id="rId14"/>
+    <p:sldId id="271" r:id="rId15"/>
+    <p:sldId id="270" r:id="rId16"/>
+    <p:sldId id="272" r:id="rId17"/>
+    <p:sldId id="273" r:id="rId18"/>
+    <p:sldId id="274" r:id="rId19"/>
+    <p:sldId id="275" r:id="rId20"/>
+    <p:sldId id="276" r:id="rId21"/>
+    <p:sldId id="269" r:id="rId22"/>
+    <p:sldId id="268" r:id="rId23"/>
+    <p:sldId id="277" r:id="rId24"/>
+    <p:sldId id="278" r:id="rId25"/>
+    <p:sldId id="288" r:id="rId26"/>
+    <p:sldId id="289" r:id="rId27"/>
+    <p:sldId id="279" r:id="rId28"/>
+    <p:sldId id="280" r:id="rId29"/>
+    <p:sldId id="281" r:id="rId30"/>
+    <p:sldId id="259" r:id="rId31"/>
+    <p:sldId id="283" r:id="rId32"/>
+    <p:sldId id="260" r:id="rId33"/>
+    <p:sldId id="261" r:id="rId34"/>
   </p:sldIdLst>
   <p:sldSz cx="12192000" cy="6858000"/>
   <p:notesSz cx="6858000" cy="9144000"/>
@@ -559,7 +561,7 @@
           <a:p>
             <a:fld id="{0AFADAC1-E3F8-4320-BB8F-2905272A2A46}" type="slidenum">
               <a:rPr lang="en-US" smtClean="0"/>
-              <a:t>1</a:t>
+              <a:t>2</a:t>
             </a:fld>
             <a:endParaRPr lang="en-US"/>
           </a:p>
@@ -3797,7 +3799,7 @@
           <p:cNvPr id="2" name="Title 1">
             <a:extLst>
               <a:ext uri="{FF2B5EF4-FFF2-40B4-BE49-F238E27FC236}">
-                <a16:creationId xmlns:a16="http://schemas.microsoft.com/office/drawing/2014/main" id="{BB1976A5-DA0A-FA1C-2AE0-739794F85E4A}"/>
+                <a16:creationId xmlns:a16="http://schemas.microsoft.com/office/drawing/2014/main" id="{D7F45A50-2C97-C5BF-CFFA-8DD0DA6E37FE}"/>
               </a:ext>
             </a:extLst>
           </p:cNvPr>
@@ -3805,22 +3807,17 @@
             <a:spLocks noGrp="1"/>
           </p:cNvSpPr>
           <p:nvPr>
-            <p:ph type="ctrTitle"/>
+            <p:ph type="title"/>
           </p:nvPr>
         </p:nvSpPr>
         <p:spPr/>
         <p:txBody>
-          <a:bodyPr>
-            <a:normAutofit fontScale="90000"/>
-          </a:bodyPr>
+          <a:bodyPr/>
           <a:lstStyle/>
           <a:p>
             <a:r>
-              <a:rPr lang="ru-RU" b="1" i="0" dirty="0">
-                <a:effectLst/>
-                <a:latin typeface="-apple-system"/>
-              </a:rPr>
-              <a:t>Инструменты преобразования бизнес выражений к SQL запросам</a:t>
+              <a:rPr lang="ru-RU" dirty="0"/>
+              <a:t>Обо мне</a:t>
             </a:r>
             <a:endParaRPr lang="en-US" dirty="0"/>
           </a:p>
@@ -3828,10 +3825,10 @@
       </p:sp>
       <p:sp>
         <p:nvSpPr>
-          <p:cNvPr id="3" name="Subtitle 2">
+          <p:cNvPr id="3" name="Content Placeholder 2">
             <a:extLst>
               <a:ext uri="{FF2B5EF4-FFF2-40B4-BE49-F238E27FC236}">
-                <a16:creationId xmlns:a16="http://schemas.microsoft.com/office/drawing/2014/main" id="{E1294AD8-DC1C-723D-21F2-16B3D92C4D8F}"/>
+                <a16:creationId xmlns:a16="http://schemas.microsoft.com/office/drawing/2014/main" id="{5BC321E3-0605-6A5A-B701-5E02CA376810}"/>
               </a:ext>
             </a:extLst>
           </p:cNvPr>
@@ -3839,7 +3836,7 @@
             <a:spLocks noGrp="1"/>
           </p:cNvSpPr>
           <p:nvPr>
-            <p:ph type="subTitle" idx="1"/>
+            <p:ph idx="1"/>
           </p:nvPr>
         </p:nvSpPr>
         <p:spPr/>
@@ -3849,7 +3846,25 @@
           <a:p>
             <a:r>
               <a:rPr lang="ru-RU" dirty="0"/>
-              <a:t>_</a:t>
+              <a:t>Обо мне я это просто я. Иногда говорят, что докладчик не нуждается в представлении, т.к. его все хорошо знают. В данном случае все наоборот - представление ещё рано</a:t>
+            </a:r>
+          </a:p>
+          <a:p>
+            <a:r>
+              <a:rPr lang="en-US" dirty="0"/>
+              <a:t>@guriy_Samarin</a:t>
+            </a:r>
+          </a:p>
+          <a:p>
+            <a:r>
+              <a:rPr lang="en-US" dirty="0"/>
+              <a:t>guriysamarin</a:t>
+            </a:r>
+          </a:p>
+          <a:p>
+            <a:r>
+              <a:rPr lang="en-US" dirty="0"/>
+              <a:t>Sa1Gur</a:t>
             </a:r>
           </a:p>
         </p:txBody>
@@ -3857,7 +3872,7 @@
     </p:spTree>
     <p:extLst>
       <p:ext uri="{BB962C8B-B14F-4D97-AF65-F5344CB8AC3E}">
-        <p14:creationId xmlns:p14="http://schemas.microsoft.com/office/powerpoint/2010/main" val="3775655034"/>
+        <p14:creationId xmlns:p14="http://schemas.microsoft.com/office/powerpoint/2010/main" val="3284499325"/>
       </p:ext>
     </p:extLst>
   </p:cSld>
@@ -3868,6 +3883,90 @@
 </file>
 
 <file path=ppt/slides/slide10.xml><?xml version="1.0" encoding="utf-8"?>
+<p:sld xmlns:a="http://schemas.openxmlformats.org/drawingml/2006/main" xmlns:r="http://schemas.openxmlformats.org/officeDocument/2006/relationships" xmlns:p="http://schemas.openxmlformats.org/presentationml/2006/main">
+  <p:cSld>
+    <p:spTree>
+      <p:nvGrpSpPr>
+        <p:cNvPr id="1" name=""/>
+        <p:cNvGrpSpPr/>
+        <p:nvPr/>
+      </p:nvGrpSpPr>
+      <p:grpSpPr>
+        <a:xfrm>
+          <a:off x="0" y="0"/>
+          <a:ext cx="0" cy="0"/>
+          <a:chOff x="0" y="0"/>
+          <a:chExt cx="0" cy="0"/>
+        </a:xfrm>
+      </p:grpSpPr>
+      <p:sp>
+        <p:nvSpPr>
+          <p:cNvPr id="2" name="Title 1">
+            <a:extLst>
+              <a:ext uri="{FF2B5EF4-FFF2-40B4-BE49-F238E27FC236}">
+                <a16:creationId xmlns:a16="http://schemas.microsoft.com/office/drawing/2014/main" id="{6034650D-3CFA-19E1-8E36-8860725C7B0D}"/>
+              </a:ext>
+            </a:extLst>
+          </p:cNvPr>
+          <p:cNvSpPr>
+            <a:spLocks noGrp="1"/>
+          </p:cNvSpPr>
+          <p:nvPr>
+            <p:ph type="title"/>
+          </p:nvPr>
+        </p:nvSpPr>
+        <p:spPr/>
+        <p:txBody>
+          <a:bodyPr/>
+          <a:lstStyle/>
+          <a:p>
+            <a:r>
+              <a:rPr lang="ru-RU" dirty="0"/>
+              <a:t>Пример, выражения такое и такое</a:t>
+            </a:r>
+            <a:endParaRPr lang="en-US" dirty="0"/>
+          </a:p>
+        </p:txBody>
+      </p:sp>
+      <p:sp>
+        <p:nvSpPr>
+          <p:cNvPr id="3" name="Content Placeholder 2">
+            <a:extLst>
+              <a:ext uri="{FF2B5EF4-FFF2-40B4-BE49-F238E27FC236}">
+                <a16:creationId xmlns:a16="http://schemas.microsoft.com/office/drawing/2014/main" id="{BC3C5C74-2C32-DCE4-0744-80C36D5D165E}"/>
+              </a:ext>
+            </a:extLst>
+          </p:cNvPr>
+          <p:cNvSpPr>
+            <a:spLocks noGrp="1"/>
+          </p:cNvSpPr>
+          <p:nvPr>
+            <p:ph idx="1"/>
+          </p:nvPr>
+        </p:nvSpPr>
+        <p:spPr/>
+        <p:txBody>
+          <a:bodyPr/>
+          <a:lstStyle/>
+          <a:p>
+            <a:endParaRPr lang="en-US" dirty="0"/>
+          </a:p>
+        </p:txBody>
+      </p:sp>
+    </p:spTree>
+    <p:extLst>
+      <p:ext uri="{BB962C8B-B14F-4D97-AF65-F5344CB8AC3E}">
+        <p14:creationId xmlns:p14="http://schemas.microsoft.com/office/powerpoint/2010/main" val="2489473424"/>
+      </p:ext>
+    </p:extLst>
+  </p:cSld>
+  <p:clrMapOvr>
+    <a:masterClrMapping/>
+  </p:clrMapOvr>
+</p:sld>
+</file>
+
+<file path=ppt/slides/slide11.xml><?xml version="1.0" encoding="utf-8"?>
 <p:sld xmlns:a="http://schemas.openxmlformats.org/drawingml/2006/main" xmlns:r="http://schemas.openxmlformats.org/officeDocument/2006/relationships" xmlns:p="http://schemas.openxmlformats.org/presentationml/2006/main">
   <p:cSld>
     <p:spTree>
@@ -4387,7 +4486,7 @@
 </p:sld>
 </file>
 
-<file path=ppt/slides/slide11.xml><?xml version="1.0" encoding="utf-8"?>
+<file path=ppt/slides/slide12.xml><?xml version="1.0" encoding="utf-8"?>
 <p:sld xmlns:a="http://schemas.openxmlformats.org/drawingml/2006/main" xmlns:r="http://schemas.openxmlformats.org/officeDocument/2006/relationships" xmlns:p="http://schemas.openxmlformats.org/presentationml/2006/main">
   <p:cSld>
     <p:spTree>
@@ -4463,7 +4562,7 @@
           <a:p>
             <a:r>
               <a:rPr lang="en-US" dirty="0"/>
-              <a:t>-- @__CalculatedAt_0='2020-08-14T19:03:35.0000000Z' (Nullable = true) (</a:t>
+              <a:t>-- @__Constant_0='2020-08-14T19:03:35.0000000Z' (Nullable = true) (</a:t>
             </a:r>
             <a:r>
               <a:rPr lang="en-US" dirty="0" err="1"/>
@@ -4485,7 +4584,7 @@
           <a:p>
             <a:r>
               <a:rPr lang="en-US" dirty="0"/>
-              <a:t>SELECT _.id AS "Id", _.col2643 &gt; @__CalculatedAt_0 AS "Value"</a:t>
+              <a:t>SELECT _.id AS "Id", _.col2643 &gt; @__ Constant _0 AS "Value"</a:t>
             </a:r>
           </a:p>
           <a:p>
@@ -4534,7 +4633,7 @@
 </p:sld>
 </file>
 
-<file path=ppt/slides/slide12.xml><?xml version="1.0" encoding="utf-8"?>
+<file path=ppt/slides/slide13.xml><?xml version="1.0" encoding="utf-8"?>
 <p:sld xmlns:a="http://schemas.openxmlformats.org/drawingml/2006/main" xmlns:r="http://schemas.openxmlformats.org/officeDocument/2006/relationships" xmlns:p="http://schemas.openxmlformats.org/presentationml/2006/main">
   <p:cSld>
     <p:spTree>
@@ -4657,7 +4756,7 @@
 </p:sld>
 </file>
 
-<file path=ppt/slides/slide13.xml><?xml version="1.0" encoding="utf-8"?>
+<file path=ppt/slides/slide14.xml><?xml version="1.0" encoding="utf-8"?>
 <p:sld xmlns:a="http://schemas.openxmlformats.org/drawingml/2006/main" xmlns:r="http://schemas.openxmlformats.org/officeDocument/2006/relationships" xmlns:p="http://schemas.openxmlformats.org/presentationml/2006/main">
   <p:cSld>
     <p:spTree>
@@ -4741,7 +4840,7 @@
 </p:sld>
 </file>
 
-<file path=ppt/slides/slide14.xml><?xml version="1.0" encoding="utf-8"?>
+<file path=ppt/slides/slide15.xml><?xml version="1.0" encoding="utf-8"?>
 <p:sld xmlns:a="http://schemas.openxmlformats.org/drawingml/2006/main" xmlns:r="http://schemas.openxmlformats.org/officeDocument/2006/relationships" xmlns:p="http://schemas.openxmlformats.org/presentationml/2006/main">
   <p:cSld>
     <p:spTree>
@@ -5148,7 +5247,7 @@
 </p:sld>
 </file>
 
-<file path=ppt/slides/slide15.xml><?xml version="1.0" encoding="utf-8"?>
+<file path=ppt/slides/slide16.xml><?xml version="1.0" encoding="utf-8"?>
 <p:sld xmlns:a="http://schemas.openxmlformats.org/drawingml/2006/main" xmlns:r="http://schemas.openxmlformats.org/officeDocument/2006/relationships" xmlns:p="http://schemas.openxmlformats.org/presentationml/2006/main">
   <p:cSld>
     <p:spTree>
@@ -5742,7 +5841,7 @@
 </p:sld>
 </file>
 
-<file path=ppt/slides/slide16.xml><?xml version="1.0" encoding="utf-8"?>
+<file path=ppt/slides/slide17.xml><?xml version="1.0" encoding="utf-8"?>
 <p:sld xmlns:a="http://schemas.openxmlformats.org/drawingml/2006/main" xmlns:r="http://schemas.openxmlformats.org/officeDocument/2006/relationships" xmlns:p="http://schemas.openxmlformats.org/presentationml/2006/main">
   <p:cSld>
     <p:spTree>
@@ -5832,7 +5931,7 @@
 </p:sld>
 </file>
 
-<file path=ppt/slides/slide17.xml><?xml version="1.0" encoding="utf-8"?>
+<file path=ppt/slides/slide18.xml><?xml version="1.0" encoding="utf-8"?>
 <p:sld xmlns:a="http://schemas.openxmlformats.org/drawingml/2006/main" xmlns:r="http://schemas.openxmlformats.org/officeDocument/2006/relationships" xmlns:p="http://schemas.openxmlformats.org/presentationml/2006/main">
   <p:cSld>
     <p:spTree>
@@ -5929,7 +6028,7 @@
 </p:sld>
 </file>
 
-<file path=ppt/slides/slide18.xml><?xml version="1.0" encoding="utf-8"?>
+<file path=ppt/slides/slide19.xml><?xml version="1.0" encoding="utf-8"?>
 <p:sld xmlns:a="http://schemas.openxmlformats.org/drawingml/2006/main" xmlns:r="http://schemas.openxmlformats.org/officeDocument/2006/relationships" xmlns:p="http://schemas.openxmlformats.org/presentationml/2006/main">
   <p:cSld>
     <p:spTree>
@@ -6033,7 +6132,99 @@
 </p:sld>
 </file>
 
-<file path=ppt/slides/slide19.xml><?xml version="1.0" encoding="utf-8"?>
+<file path=ppt/slides/slide2.xml><?xml version="1.0" encoding="utf-8"?>
+<p:sld xmlns:a="http://schemas.openxmlformats.org/drawingml/2006/main" xmlns:r="http://schemas.openxmlformats.org/officeDocument/2006/relationships" xmlns:p="http://schemas.openxmlformats.org/presentationml/2006/main">
+  <p:cSld>
+    <p:spTree>
+      <p:nvGrpSpPr>
+        <p:cNvPr id="1" name=""/>
+        <p:cNvGrpSpPr/>
+        <p:nvPr/>
+      </p:nvGrpSpPr>
+      <p:grpSpPr>
+        <a:xfrm>
+          <a:off x="0" y="0"/>
+          <a:ext cx="0" cy="0"/>
+          <a:chOff x="0" y="0"/>
+          <a:chExt cx="0" cy="0"/>
+        </a:xfrm>
+      </p:grpSpPr>
+      <p:sp>
+        <p:nvSpPr>
+          <p:cNvPr id="2" name="Title 1">
+            <a:extLst>
+              <a:ext uri="{FF2B5EF4-FFF2-40B4-BE49-F238E27FC236}">
+                <a16:creationId xmlns:a16="http://schemas.microsoft.com/office/drawing/2014/main" id="{BB1976A5-DA0A-FA1C-2AE0-739794F85E4A}"/>
+              </a:ext>
+            </a:extLst>
+          </p:cNvPr>
+          <p:cNvSpPr>
+            <a:spLocks noGrp="1"/>
+          </p:cNvSpPr>
+          <p:nvPr>
+            <p:ph type="ctrTitle"/>
+          </p:nvPr>
+        </p:nvSpPr>
+        <p:spPr/>
+        <p:txBody>
+          <a:bodyPr>
+            <a:normAutofit fontScale="90000"/>
+          </a:bodyPr>
+          <a:lstStyle/>
+          <a:p>
+            <a:r>
+              <a:rPr lang="ru-RU" b="1" i="0" dirty="0">
+                <a:effectLst/>
+                <a:latin typeface="-apple-system"/>
+              </a:rPr>
+              <a:t>Инструменты преобразования бизнес выражений к SQL запросам</a:t>
+            </a:r>
+            <a:endParaRPr lang="en-US" dirty="0"/>
+          </a:p>
+        </p:txBody>
+      </p:sp>
+      <p:sp>
+        <p:nvSpPr>
+          <p:cNvPr id="3" name="Subtitle 2">
+            <a:extLst>
+              <a:ext uri="{FF2B5EF4-FFF2-40B4-BE49-F238E27FC236}">
+                <a16:creationId xmlns:a16="http://schemas.microsoft.com/office/drawing/2014/main" id="{E1294AD8-DC1C-723D-21F2-16B3D92C4D8F}"/>
+              </a:ext>
+            </a:extLst>
+          </p:cNvPr>
+          <p:cNvSpPr>
+            <a:spLocks noGrp="1"/>
+          </p:cNvSpPr>
+          <p:nvPr>
+            <p:ph type="subTitle" idx="1"/>
+          </p:nvPr>
+        </p:nvSpPr>
+        <p:spPr/>
+        <p:txBody>
+          <a:bodyPr/>
+          <a:lstStyle/>
+          <a:p>
+            <a:r>
+              <a:rPr lang="ru-RU" dirty="0"/>
+              <a:t>_</a:t>
+            </a:r>
+          </a:p>
+        </p:txBody>
+      </p:sp>
+    </p:spTree>
+    <p:extLst>
+      <p:ext uri="{BB962C8B-B14F-4D97-AF65-F5344CB8AC3E}">
+        <p14:creationId xmlns:p14="http://schemas.microsoft.com/office/powerpoint/2010/main" val="3775655034"/>
+      </p:ext>
+    </p:extLst>
+  </p:cSld>
+  <p:clrMapOvr>
+    <a:masterClrMapping/>
+  </p:clrMapOvr>
+</p:sld>
+</file>
+
+<file path=ppt/slides/slide20.xml><?xml version="1.0" encoding="utf-8"?>
 <p:sld xmlns:a="http://schemas.openxmlformats.org/drawingml/2006/main" xmlns:r="http://schemas.openxmlformats.org/officeDocument/2006/relationships" xmlns:p="http://schemas.openxmlformats.org/presentationml/2006/main">
   <p:cSld>
     <p:spTree>
@@ -6352,112 +6543,7 @@
 </p:sld>
 </file>
 
-<file path=ppt/slides/slide2.xml><?xml version="1.0" encoding="utf-8"?>
-<p:sld xmlns:a="http://schemas.openxmlformats.org/drawingml/2006/main" xmlns:r="http://schemas.openxmlformats.org/officeDocument/2006/relationships" xmlns:p="http://schemas.openxmlformats.org/presentationml/2006/main">
-  <p:cSld>
-    <p:spTree>
-      <p:nvGrpSpPr>
-        <p:cNvPr id="1" name=""/>
-        <p:cNvGrpSpPr/>
-        <p:nvPr/>
-      </p:nvGrpSpPr>
-      <p:grpSpPr>
-        <a:xfrm>
-          <a:off x="0" y="0"/>
-          <a:ext cx="0" cy="0"/>
-          <a:chOff x="0" y="0"/>
-          <a:chExt cx="0" cy="0"/>
-        </a:xfrm>
-      </p:grpSpPr>
-      <p:sp>
-        <p:nvSpPr>
-          <p:cNvPr id="2" name="Title 1">
-            <a:extLst>
-              <a:ext uri="{FF2B5EF4-FFF2-40B4-BE49-F238E27FC236}">
-                <a16:creationId xmlns:a16="http://schemas.microsoft.com/office/drawing/2014/main" id="{D7F45A50-2C97-C5BF-CFFA-8DD0DA6E37FE}"/>
-              </a:ext>
-            </a:extLst>
-          </p:cNvPr>
-          <p:cNvSpPr>
-            <a:spLocks noGrp="1"/>
-          </p:cNvSpPr>
-          <p:nvPr>
-            <p:ph type="title"/>
-          </p:nvPr>
-        </p:nvSpPr>
-        <p:spPr/>
-        <p:txBody>
-          <a:bodyPr/>
-          <a:lstStyle/>
-          <a:p>
-            <a:r>
-              <a:rPr lang="ru-RU" dirty="0"/>
-              <a:t>Обо мне</a:t>
-            </a:r>
-            <a:endParaRPr lang="en-US" dirty="0"/>
-          </a:p>
-        </p:txBody>
-      </p:sp>
-      <p:sp>
-        <p:nvSpPr>
-          <p:cNvPr id="3" name="Content Placeholder 2">
-            <a:extLst>
-              <a:ext uri="{FF2B5EF4-FFF2-40B4-BE49-F238E27FC236}">
-                <a16:creationId xmlns:a16="http://schemas.microsoft.com/office/drawing/2014/main" id="{5BC321E3-0605-6A5A-B701-5E02CA376810}"/>
-              </a:ext>
-            </a:extLst>
-          </p:cNvPr>
-          <p:cNvSpPr>
-            <a:spLocks noGrp="1"/>
-          </p:cNvSpPr>
-          <p:nvPr>
-            <p:ph idx="1"/>
-          </p:nvPr>
-        </p:nvSpPr>
-        <p:spPr/>
-        <p:txBody>
-          <a:bodyPr/>
-          <a:lstStyle/>
-          <a:p>
-            <a:r>
-              <a:rPr lang="ru-RU" dirty="0"/>
-              <a:t>Обо мне я это просто я. Иногда говорят, что докладчик не нуждается в представлении, т.к. его все хорошо знают. В данном случае все наоборот - представление ещё рано</a:t>
-            </a:r>
-          </a:p>
-          <a:p>
-            <a:r>
-              <a:rPr lang="en-US" dirty="0"/>
-              <a:t>@guriy_Samarin</a:t>
-            </a:r>
-          </a:p>
-          <a:p>
-            <a:r>
-              <a:rPr lang="en-US" dirty="0"/>
-              <a:t>guriysamarin</a:t>
-            </a:r>
-          </a:p>
-          <a:p>
-            <a:r>
-              <a:rPr lang="en-US" dirty="0"/>
-              <a:t>Sa1Gur</a:t>
-            </a:r>
-          </a:p>
-        </p:txBody>
-      </p:sp>
-    </p:spTree>
-    <p:extLst>
-      <p:ext uri="{BB962C8B-B14F-4D97-AF65-F5344CB8AC3E}">
-        <p14:creationId xmlns:p14="http://schemas.microsoft.com/office/powerpoint/2010/main" val="3284499325"/>
-      </p:ext>
-    </p:extLst>
-  </p:cSld>
-  <p:clrMapOvr>
-    <a:masterClrMapping/>
-  </p:clrMapOvr>
-</p:sld>
-</file>
-
-<file path=ppt/slides/slide20.xml><?xml version="1.0" encoding="utf-8"?>
+<file path=ppt/slides/slide21.xml><?xml version="1.0" encoding="utf-8"?>
 <p:sld xmlns:a="http://schemas.openxmlformats.org/drawingml/2006/main" xmlns:r="http://schemas.openxmlformats.org/officeDocument/2006/relationships" xmlns:p="http://schemas.openxmlformats.org/presentationml/2006/main">
   <p:cSld>
     <p:spTree>
@@ -6567,7 +6653,7 @@
 </p:sld>
 </file>
 
-<file path=ppt/slides/slide21.xml><?xml version="1.0" encoding="utf-8"?>
+<file path=ppt/slides/slide22.xml><?xml version="1.0" encoding="utf-8"?>
 <p:sld xmlns:a="http://schemas.openxmlformats.org/drawingml/2006/main" xmlns:r="http://schemas.openxmlformats.org/officeDocument/2006/relationships" xmlns:p="http://schemas.openxmlformats.org/presentationml/2006/main">
   <p:cSld>
     <p:spTree>
@@ -6659,7 +6745,7 @@
 </p:sld>
 </file>
 
-<file path=ppt/slides/slide22.xml><?xml version="1.0" encoding="utf-8"?>
+<file path=ppt/slides/slide23.xml><?xml version="1.0" encoding="utf-8"?>
 <p:sld xmlns:a="http://schemas.openxmlformats.org/drawingml/2006/main" xmlns:r="http://schemas.openxmlformats.org/officeDocument/2006/relationships" xmlns:p="http://schemas.openxmlformats.org/presentationml/2006/main">
   <p:cSld>
     <p:spTree>
@@ -6730,7 +6816,70 @@
           <a:bodyPr/>
           <a:lstStyle/>
           <a:p>
-            <a:endParaRPr lang="en-US" dirty="0"/>
+            <a:r>
+              <a:rPr lang="en-US" dirty="0"/>
+              <a:t>var </a:t>
+            </a:r>
+            <a:r>
+              <a:rPr lang="en-US" dirty="0" err="1"/>
+              <a:t>sql</a:t>
+            </a:r>
+            <a:r>
+              <a:rPr lang="en-US" dirty="0"/>
+              <a:t> = query</a:t>
+            </a:r>
+          </a:p>
+          <a:p>
+            <a:r>
+              <a:rPr lang="en-US" dirty="0"/>
+              <a:t>            .Where(_ =&gt; </a:t>
+            </a:r>
+            <a:r>
+              <a:rPr lang="en-US" dirty="0" err="1"/>
+              <a:t>ctx.Set</a:t>
+            </a:r>
+            <a:r>
+              <a:rPr lang="en-US" dirty="0"/>
+              <a:t>&lt;</a:t>
+            </a:r>
+            <a:r>
+              <a:rPr lang="en-US" dirty="0" err="1"/>
+              <a:t>UnknownTableRecord</a:t>
+            </a:r>
+            <a:r>
+              <a:rPr lang="en-US" dirty="0"/>
+              <a:t>&gt;().Any(y =&gt; </a:t>
+            </a:r>
+            <a:r>
+              <a:rPr lang="en-US" dirty="0" err="1"/>
+              <a:t>y.Id</a:t>
+            </a:r>
+            <a:r>
+              <a:rPr lang="en-US" dirty="0"/>
+              <a:t> == </a:t>
+            </a:r>
+            <a:r>
+              <a:rPr lang="en-US" dirty="0" err="1"/>
+              <a:t>y.Id</a:t>
+            </a:r>
+            <a:r>
+              <a:rPr lang="en-US" dirty="0"/>
+              <a:t>))</a:t>
+            </a:r>
+          </a:p>
+          <a:p>
+            <a:r>
+              <a:rPr lang="en-US" dirty="0"/>
+              <a:t>            .</a:t>
+            </a:r>
+            <a:r>
+              <a:rPr lang="en-US" dirty="0" err="1"/>
+              <a:t>ToQueryString</a:t>
+            </a:r>
+            <a:r>
+              <a:rPr lang="en-US" dirty="0"/>
+              <a:t>()</a:t>
+            </a:r>
           </a:p>
         </p:txBody>
       </p:sp>
@@ -6747,7 +6896,7 @@
 </p:sld>
 </file>
 
-<file path=ppt/slides/slide23.xml><?xml version="1.0" encoding="utf-8"?>
+<file path=ppt/slides/slide24.xml><?xml version="1.0" encoding="utf-8"?>
 <p:sld xmlns:a="http://schemas.openxmlformats.org/drawingml/2006/main" xmlns:r="http://schemas.openxmlformats.org/officeDocument/2006/relationships" xmlns:p="http://schemas.openxmlformats.org/presentationml/2006/main">
   <p:cSld>
     <p:spTree>
@@ -6821,9 +6970,1198 @@
         </p:nvSpPr>
         <p:spPr/>
         <p:txBody>
-          <a:bodyPr/>
+          <a:bodyPr>
+            <a:normAutofit fontScale="55000" lnSpcReduction="20000"/>
+          </a:bodyPr>
           <a:lstStyle/>
           <a:p>
+            <a:r>
+              <a:rPr lang="en-US" sz="1800" dirty="0">
+                <a:solidFill>
+                  <a:srgbClr val="0000FF"/>
+                </a:solidFill>
+                <a:latin typeface="Cascadia Mono" panose="020B0609020000020004" pitchFamily="49" charset="0"/>
+              </a:rPr>
+              <a:t>public</a:t>
+            </a:r>
+            <a:r>
+              <a:rPr lang="en-US" sz="1800" dirty="0">
+                <a:solidFill>
+                  <a:srgbClr val="000000"/>
+                </a:solidFill>
+                <a:latin typeface="Cascadia Mono" panose="020B0609020000020004" pitchFamily="49" charset="0"/>
+              </a:rPr>
+              <a:t> </a:t>
+            </a:r>
+            <a:r>
+              <a:rPr lang="en-US" sz="1800" dirty="0">
+                <a:solidFill>
+                  <a:srgbClr val="0000FF"/>
+                </a:solidFill>
+                <a:latin typeface="Cascadia Mono" panose="020B0609020000020004" pitchFamily="49" charset="0"/>
+              </a:rPr>
+              <a:t>class</a:t>
+            </a:r>
+            <a:r>
+              <a:rPr lang="en-US" sz="1800" dirty="0">
+                <a:solidFill>
+                  <a:srgbClr val="000000"/>
+                </a:solidFill>
+                <a:latin typeface="Cascadia Mono" panose="020B0609020000020004" pitchFamily="49" charset="0"/>
+              </a:rPr>
+              <a:t> </a:t>
+            </a:r>
+            <a:r>
+              <a:rPr lang="en-US" sz="1800" dirty="0" err="1">
+                <a:solidFill>
+                  <a:srgbClr val="2B91AF"/>
+                </a:solidFill>
+                <a:latin typeface="Cascadia Mono" panose="020B0609020000020004" pitchFamily="49" charset="0"/>
+              </a:rPr>
+              <a:t>CustomFunctionRewriter</a:t>
+            </a:r>
+            <a:r>
+              <a:rPr lang="en-US" sz="1800" dirty="0">
+                <a:solidFill>
+                  <a:srgbClr val="000000"/>
+                </a:solidFill>
+                <a:latin typeface="Cascadia Mono" panose="020B0609020000020004" pitchFamily="49" charset="0"/>
+              </a:rPr>
+              <a:t> : </a:t>
+            </a:r>
+            <a:r>
+              <a:rPr lang="en-US" sz="1800" dirty="0" err="1">
+                <a:solidFill>
+                  <a:srgbClr val="000000"/>
+                </a:solidFill>
+                <a:latin typeface="Cascadia Mono" panose="020B0609020000020004" pitchFamily="49" charset="0"/>
+              </a:rPr>
+              <a:t>ExpressionVisitor</a:t>
+            </a:r>
+            <a:endParaRPr lang="en-US" sz="1800" dirty="0">
+              <a:solidFill>
+                <a:srgbClr val="000000"/>
+              </a:solidFill>
+              <a:latin typeface="Cascadia Mono" panose="020B0609020000020004" pitchFamily="49" charset="0"/>
+            </a:endParaRPr>
+          </a:p>
+          <a:p>
+            <a:r>
+              <a:rPr lang="en-US" sz="1800" dirty="0">
+                <a:solidFill>
+                  <a:srgbClr val="000000"/>
+                </a:solidFill>
+                <a:latin typeface="Cascadia Mono" panose="020B0609020000020004" pitchFamily="49" charset="0"/>
+              </a:rPr>
+              <a:t>{</a:t>
+            </a:r>
+          </a:p>
+          <a:p>
+            <a:r>
+              <a:rPr lang="en-US" sz="1800" dirty="0">
+                <a:solidFill>
+                  <a:srgbClr val="000000"/>
+                </a:solidFill>
+                <a:latin typeface="Cascadia Mono" panose="020B0609020000020004" pitchFamily="49" charset="0"/>
+              </a:rPr>
+              <a:t>    </a:t>
+            </a:r>
+            <a:r>
+              <a:rPr lang="en-US" sz="1800" dirty="0">
+                <a:solidFill>
+                  <a:srgbClr val="0000FF"/>
+                </a:solidFill>
+                <a:latin typeface="Cascadia Mono" panose="020B0609020000020004" pitchFamily="49" charset="0"/>
+              </a:rPr>
+              <a:t>static</a:t>
+            </a:r>
+            <a:r>
+              <a:rPr lang="en-US" sz="1800" dirty="0">
+                <a:solidFill>
+                  <a:srgbClr val="000000"/>
+                </a:solidFill>
+                <a:latin typeface="Cascadia Mono" panose="020B0609020000020004" pitchFamily="49" charset="0"/>
+              </a:rPr>
+              <a:t> </a:t>
+            </a:r>
+            <a:r>
+              <a:rPr lang="en-US" sz="1800" dirty="0" err="1">
+                <a:solidFill>
+                  <a:srgbClr val="0000FF"/>
+                </a:solidFill>
+                <a:latin typeface="Cascadia Mono" panose="020B0609020000020004" pitchFamily="49" charset="0"/>
+              </a:rPr>
+              <a:t>readonly</a:t>
+            </a:r>
+            <a:r>
+              <a:rPr lang="en-US" sz="1800" dirty="0">
+                <a:solidFill>
+                  <a:srgbClr val="000000"/>
+                </a:solidFill>
+                <a:latin typeface="Cascadia Mono" panose="020B0609020000020004" pitchFamily="49" charset="0"/>
+              </a:rPr>
+              <a:t> </a:t>
+            </a:r>
+            <a:r>
+              <a:rPr lang="en-US" sz="1800" dirty="0" err="1">
+                <a:solidFill>
+                  <a:srgbClr val="000000"/>
+                </a:solidFill>
+                <a:latin typeface="Cascadia Mono" panose="020B0609020000020004" pitchFamily="49" charset="0"/>
+              </a:rPr>
+              <a:t>MethodInfo</a:t>
+            </a:r>
+            <a:r>
+              <a:rPr lang="en-US" sz="1800" dirty="0">
+                <a:solidFill>
+                  <a:srgbClr val="000000"/>
+                </a:solidFill>
+                <a:latin typeface="Cascadia Mono" panose="020B0609020000020004" pitchFamily="49" charset="0"/>
+              </a:rPr>
+              <a:t>? </a:t>
+            </a:r>
+            <a:r>
+              <a:rPr lang="en-US" sz="1800" dirty="0" err="1">
+                <a:solidFill>
+                  <a:srgbClr val="000000"/>
+                </a:solidFill>
+                <a:latin typeface="Cascadia Mono" panose="020B0609020000020004" pitchFamily="49" charset="0"/>
+              </a:rPr>
+              <a:t>AnyNull</a:t>
+            </a:r>
+            <a:r>
+              <a:rPr lang="en-US" sz="1800" dirty="0">
+                <a:solidFill>
+                  <a:srgbClr val="000000"/>
+                </a:solidFill>
+                <a:latin typeface="Cascadia Mono" panose="020B0609020000020004" pitchFamily="49" charset="0"/>
+              </a:rPr>
+              <a:t> =</a:t>
+            </a:r>
+          </a:p>
+          <a:p>
+            <a:r>
+              <a:rPr lang="en-US" sz="1800" dirty="0">
+                <a:solidFill>
+                  <a:srgbClr val="000000"/>
+                </a:solidFill>
+                <a:latin typeface="Cascadia Mono" panose="020B0609020000020004" pitchFamily="49" charset="0"/>
+              </a:rPr>
+              <a:t>        </a:t>
+            </a:r>
+            <a:r>
+              <a:rPr lang="en-US" sz="1800" dirty="0" err="1">
+                <a:solidFill>
+                  <a:srgbClr val="0000FF"/>
+                </a:solidFill>
+                <a:latin typeface="Cascadia Mono" panose="020B0609020000020004" pitchFamily="49" charset="0"/>
+              </a:rPr>
+              <a:t>typeof</a:t>
+            </a:r>
+            <a:r>
+              <a:rPr lang="en-US" sz="1800" dirty="0">
+                <a:solidFill>
+                  <a:srgbClr val="000000"/>
+                </a:solidFill>
+                <a:latin typeface="Cascadia Mono" panose="020B0609020000020004" pitchFamily="49" charset="0"/>
+              </a:rPr>
+              <a:t>(</a:t>
+            </a:r>
+            <a:r>
+              <a:rPr lang="en-US" sz="1800" dirty="0" err="1">
+                <a:solidFill>
+                  <a:srgbClr val="000000"/>
+                </a:solidFill>
+                <a:latin typeface="Cascadia Mono" panose="020B0609020000020004" pitchFamily="49" charset="0"/>
+              </a:rPr>
+              <a:t>CustomFunctionExtensions</a:t>
+            </a:r>
+            <a:r>
+              <a:rPr lang="en-US" sz="1800" dirty="0">
+                <a:solidFill>
+                  <a:srgbClr val="000000"/>
+                </a:solidFill>
+                <a:latin typeface="Cascadia Mono" panose="020B0609020000020004" pitchFamily="49" charset="0"/>
+              </a:rPr>
+              <a:t>).</a:t>
+            </a:r>
+            <a:r>
+              <a:rPr lang="en-US" sz="1800" dirty="0" err="1">
+                <a:solidFill>
+                  <a:srgbClr val="000000"/>
+                </a:solidFill>
+                <a:latin typeface="Cascadia Mono" panose="020B0609020000020004" pitchFamily="49" charset="0"/>
+              </a:rPr>
+              <a:t>GetMethod</a:t>
+            </a:r>
+            <a:r>
+              <a:rPr lang="en-US" sz="1800" dirty="0">
+                <a:solidFill>
+                  <a:srgbClr val="000000"/>
+                </a:solidFill>
+                <a:latin typeface="Cascadia Mono" panose="020B0609020000020004" pitchFamily="49" charset="0"/>
+              </a:rPr>
+              <a:t>(</a:t>
+            </a:r>
+            <a:r>
+              <a:rPr lang="en-US" sz="1800" dirty="0" err="1">
+                <a:solidFill>
+                  <a:srgbClr val="000000"/>
+                </a:solidFill>
+                <a:latin typeface="Cascadia Mono" panose="020B0609020000020004" pitchFamily="49" charset="0"/>
+              </a:rPr>
+              <a:t>nameof</a:t>
+            </a:r>
+            <a:r>
+              <a:rPr lang="en-US" sz="1800" dirty="0">
+                <a:solidFill>
+                  <a:srgbClr val="000000"/>
+                </a:solidFill>
+                <a:latin typeface="Cascadia Mono" panose="020B0609020000020004" pitchFamily="49" charset="0"/>
+              </a:rPr>
+              <a:t>(</a:t>
+            </a:r>
+            <a:r>
+              <a:rPr lang="en-US" sz="1800" dirty="0" err="1">
+                <a:solidFill>
+                  <a:srgbClr val="000000"/>
+                </a:solidFill>
+                <a:latin typeface="Cascadia Mono" panose="020B0609020000020004" pitchFamily="49" charset="0"/>
+              </a:rPr>
+              <a:t>CustomFunctionExtensions.any_null</a:t>
+            </a:r>
+            <a:r>
+              <a:rPr lang="en-US" sz="1800" dirty="0">
+                <a:solidFill>
+                  <a:srgbClr val="000000"/>
+                </a:solidFill>
+                <a:latin typeface="Cascadia Mono" panose="020B0609020000020004" pitchFamily="49" charset="0"/>
+              </a:rPr>
+              <a:t>), </a:t>
+            </a:r>
+            <a:r>
+              <a:rPr lang="en-US" sz="1800" dirty="0" err="1">
+                <a:solidFill>
+                  <a:srgbClr val="000000"/>
+                </a:solidFill>
+                <a:latin typeface="Cascadia Mono" panose="020B0609020000020004" pitchFamily="49" charset="0"/>
+              </a:rPr>
+              <a:t>BindingFlags.Static</a:t>
+            </a:r>
+            <a:r>
+              <a:rPr lang="en-US" sz="1800" dirty="0">
+                <a:solidFill>
+                  <a:srgbClr val="000000"/>
+                </a:solidFill>
+                <a:latin typeface="Cascadia Mono" panose="020B0609020000020004" pitchFamily="49" charset="0"/>
+              </a:rPr>
+              <a:t> | </a:t>
+            </a:r>
+            <a:r>
+              <a:rPr lang="en-US" sz="1800" dirty="0" err="1">
+                <a:solidFill>
+                  <a:srgbClr val="000000"/>
+                </a:solidFill>
+                <a:latin typeface="Cascadia Mono" panose="020B0609020000020004" pitchFamily="49" charset="0"/>
+              </a:rPr>
+              <a:t>BindingFlags.Public</a:t>
+            </a:r>
+            <a:r>
+              <a:rPr lang="en-US" sz="1800" dirty="0">
+                <a:solidFill>
+                  <a:srgbClr val="000000"/>
+                </a:solidFill>
+                <a:latin typeface="Cascadia Mono" panose="020B0609020000020004" pitchFamily="49" charset="0"/>
+              </a:rPr>
+              <a:t>);</a:t>
+            </a:r>
+          </a:p>
+          <a:p>
+            <a:endParaRPr lang="en-US" sz="1800" dirty="0">
+              <a:solidFill>
+                <a:srgbClr val="000000"/>
+              </a:solidFill>
+              <a:latin typeface="Cascadia Mono" panose="020B0609020000020004" pitchFamily="49" charset="0"/>
+            </a:endParaRPr>
+          </a:p>
+          <a:p>
+            <a:r>
+              <a:rPr lang="en-US" sz="1800" dirty="0">
+                <a:solidFill>
+                  <a:srgbClr val="000000"/>
+                </a:solidFill>
+                <a:latin typeface="Cascadia Mono" panose="020B0609020000020004" pitchFamily="49" charset="0"/>
+              </a:rPr>
+              <a:t>    </a:t>
+            </a:r>
+            <a:r>
+              <a:rPr lang="en-US" sz="1800" dirty="0">
+                <a:solidFill>
+                  <a:srgbClr val="0000FF"/>
+                </a:solidFill>
+                <a:latin typeface="Cascadia Mono" panose="020B0609020000020004" pitchFamily="49" charset="0"/>
+              </a:rPr>
+              <a:t>static</a:t>
+            </a:r>
+            <a:r>
+              <a:rPr lang="en-US" sz="1800" dirty="0">
+                <a:solidFill>
+                  <a:srgbClr val="000000"/>
+                </a:solidFill>
+                <a:latin typeface="Cascadia Mono" panose="020B0609020000020004" pitchFamily="49" charset="0"/>
+              </a:rPr>
+              <a:t> </a:t>
+            </a:r>
+            <a:r>
+              <a:rPr lang="en-US" sz="1800" dirty="0" err="1">
+                <a:solidFill>
+                  <a:srgbClr val="0000FF"/>
+                </a:solidFill>
+                <a:latin typeface="Cascadia Mono" panose="020B0609020000020004" pitchFamily="49" charset="0"/>
+              </a:rPr>
+              <a:t>readonly</a:t>
+            </a:r>
+            <a:r>
+              <a:rPr lang="en-US" sz="1800" dirty="0">
+                <a:solidFill>
+                  <a:srgbClr val="000000"/>
+                </a:solidFill>
+                <a:latin typeface="Cascadia Mono" panose="020B0609020000020004" pitchFamily="49" charset="0"/>
+              </a:rPr>
+              <a:t> </a:t>
+            </a:r>
+            <a:r>
+              <a:rPr lang="en-US" sz="1800" dirty="0" err="1">
+                <a:solidFill>
+                  <a:srgbClr val="000000"/>
+                </a:solidFill>
+                <a:latin typeface="Cascadia Mono" panose="020B0609020000020004" pitchFamily="49" charset="0"/>
+              </a:rPr>
+              <a:t>MethodInfo</a:t>
+            </a:r>
+            <a:r>
+              <a:rPr lang="en-US" sz="1800" dirty="0">
+                <a:solidFill>
+                  <a:srgbClr val="000000"/>
+                </a:solidFill>
+                <a:latin typeface="Cascadia Mono" panose="020B0609020000020004" pitchFamily="49" charset="0"/>
+              </a:rPr>
+              <a:t>? Eq =</a:t>
+            </a:r>
+          </a:p>
+          <a:p>
+            <a:r>
+              <a:rPr lang="en-US" sz="1800" dirty="0">
+                <a:solidFill>
+                  <a:srgbClr val="000000"/>
+                </a:solidFill>
+                <a:latin typeface="Cascadia Mono" panose="020B0609020000020004" pitchFamily="49" charset="0"/>
+              </a:rPr>
+              <a:t>        </a:t>
+            </a:r>
+            <a:r>
+              <a:rPr lang="en-US" sz="1800" dirty="0" err="1">
+                <a:solidFill>
+                  <a:srgbClr val="0000FF"/>
+                </a:solidFill>
+                <a:latin typeface="Cascadia Mono" panose="020B0609020000020004" pitchFamily="49" charset="0"/>
+              </a:rPr>
+              <a:t>typeof</a:t>
+            </a:r>
+            <a:r>
+              <a:rPr lang="en-US" sz="1800" dirty="0">
+                <a:solidFill>
+                  <a:srgbClr val="000000"/>
+                </a:solidFill>
+                <a:latin typeface="Cascadia Mono" panose="020B0609020000020004" pitchFamily="49" charset="0"/>
+              </a:rPr>
+              <a:t>(</a:t>
+            </a:r>
+            <a:r>
+              <a:rPr lang="en-US" sz="1800" dirty="0" err="1">
+                <a:solidFill>
+                  <a:srgbClr val="000000"/>
+                </a:solidFill>
+                <a:latin typeface="Cascadia Mono" panose="020B0609020000020004" pitchFamily="49" charset="0"/>
+              </a:rPr>
+              <a:t>CustomFunctionExtensions</a:t>
+            </a:r>
+            <a:r>
+              <a:rPr lang="en-US" sz="1800" dirty="0">
+                <a:solidFill>
+                  <a:srgbClr val="000000"/>
+                </a:solidFill>
+                <a:latin typeface="Cascadia Mono" panose="020B0609020000020004" pitchFamily="49" charset="0"/>
+              </a:rPr>
+              <a:t>).</a:t>
+            </a:r>
+            <a:r>
+              <a:rPr lang="en-US" sz="1800" dirty="0" err="1">
+                <a:solidFill>
+                  <a:srgbClr val="000000"/>
+                </a:solidFill>
+                <a:latin typeface="Cascadia Mono" panose="020B0609020000020004" pitchFamily="49" charset="0"/>
+              </a:rPr>
+              <a:t>GetMethod</a:t>
+            </a:r>
+            <a:r>
+              <a:rPr lang="en-US" sz="1800" dirty="0">
+                <a:solidFill>
+                  <a:srgbClr val="000000"/>
+                </a:solidFill>
+                <a:latin typeface="Cascadia Mono" panose="020B0609020000020004" pitchFamily="49" charset="0"/>
+              </a:rPr>
+              <a:t>(</a:t>
+            </a:r>
+            <a:r>
+              <a:rPr lang="en-US" sz="1800" dirty="0" err="1">
+                <a:solidFill>
+                  <a:srgbClr val="000000"/>
+                </a:solidFill>
+                <a:latin typeface="Cascadia Mono" panose="020B0609020000020004" pitchFamily="49" charset="0"/>
+              </a:rPr>
+              <a:t>nameof</a:t>
+            </a:r>
+            <a:r>
+              <a:rPr lang="en-US" sz="1800" dirty="0">
+                <a:solidFill>
+                  <a:srgbClr val="000000"/>
+                </a:solidFill>
+                <a:latin typeface="Cascadia Mono" panose="020B0609020000020004" pitchFamily="49" charset="0"/>
+              </a:rPr>
+              <a:t>(</a:t>
+            </a:r>
+            <a:r>
+              <a:rPr lang="en-US" sz="1800" dirty="0" err="1">
+                <a:solidFill>
+                  <a:srgbClr val="000000"/>
+                </a:solidFill>
+                <a:latin typeface="Cascadia Mono" panose="020B0609020000020004" pitchFamily="49" charset="0"/>
+              </a:rPr>
+              <a:t>CustomFunctionExtensions.eq</a:t>
+            </a:r>
+            <a:r>
+              <a:rPr lang="en-US" sz="1800" dirty="0">
+                <a:solidFill>
+                  <a:srgbClr val="000000"/>
+                </a:solidFill>
+                <a:latin typeface="Cascadia Mono" panose="020B0609020000020004" pitchFamily="49" charset="0"/>
+              </a:rPr>
+              <a:t>), </a:t>
+            </a:r>
+            <a:r>
+              <a:rPr lang="en-US" sz="1800" dirty="0" err="1">
+                <a:solidFill>
+                  <a:srgbClr val="000000"/>
+                </a:solidFill>
+                <a:latin typeface="Cascadia Mono" panose="020B0609020000020004" pitchFamily="49" charset="0"/>
+              </a:rPr>
+              <a:t>BindingFlags.Static</a:t>
+            </a:r>
+            <a:r>
+              <a:rPr lang="en-US" sz="1800" dirty="0">
+                <a:solidFill>
+                  <a:srgbClr val="000000"/>
+                </a:solidFill>
+                <a:latin typeface="Cascadia Mono" panose="020B0609020000020004" pitchFamily="49" charset="0"/>
+              </a:rPr>
+              <a:t> | </a:t>
+            </a:r>
+            <a:r>
+              <a:rPr lang="en-US" sz="1800" dirty="0" err="1">
+                <a:solidFill>
+                  <a:srgbClr val="000000"/>
+                </a:solidFill>
+                <a:latin typeface="Cascadia Mono" panose="020B0609020000020004" pitchFamily="49" charset="0"/>
+              </a:rPr>
+              <a:t>BindingFlags.Public</a:t>
+            </a:r>
+            <a:r>
+              <a:rPr lang="en-US" sz="1800" dirty="0">
+                <a:solidFill>
+                  <a:srgbClr val="000000"/>
+                </a:solidFill>
+                <a:latin typeface="Cascadia Mono" panose="020B0609020000020004" pitchFamily="49" charset="0"/>
+              </a:rPr>
+              <a:t>);</a:t>
+            </a:r>
+          </a:p>
+          <a:p>
+            <a:endParaRPr lang="en-US" sz="1800" dirty="0">
+              <a:solidFill>
+                <a:srgbClr val="000000"/>
+              </a:solidFill>
+              <a:latin typeface="Cascadia Mono" panose="020B0609020000020004" pitchFamily="49" charset="0"/>
+            </a:endParaRPr>
+          </a:p>
+          <a:p>
+            <a:r>
+              <a:rPr lang="en-US" sz="1800" dirty="0">
+                <a:solidFill>
+                  <a:srgbClr val="000000"/>
+                </a:solidFill>
+                <a:latin typeface="Cascadia Mono" panose="020B0609020000020004" pitchFamily="49" charset="0"/>
+              </a:rPr>
+              <a:t>    </a:t>
+            </a:r>
+            <a:r>
+              <a:rPr lang="en-US" sz="1800" dirty="0">
+                <a:solidFill>
+                  <a:srgbClr val="0000FF"/>
+                </a:solidFill>
+                <a:latin typeface="Cascadia Mono" panose="020B0609020000020004" pitchFamily="49" charset="0"/>
+              </a:rPr>
+              <a:t>static</a:t>
+            </a:r>
+            <a:r>
+              <a:rPr lang="en-US" sz="1800" dirty="0">
+                <a:solidFill>
+                  <a:srgbClr val="000000"/>
+                </a:solidFill>
+                <a:latin typeface="Cascadia Mono" panose="020B0609020000020004" pitchFamily="49" charset="0"/>
+              </a:rPr>
+              <a:t> </a:t>
+            </a:r>
+            <a:r>
+              <a:rPr lang="en-US" sz="1800" dirty="0" err="1">
+                <a:solidFill>
+                  <a:srgbClr val="0000FF"/>
+                </a:solidFill>
+                <a:latin typeface="Cascadia Mono" panose="020B0609020000020004" pitchFamily="49" charset="0"/>
+              </a:rPr>
+              <a:t>readonly</a:t>
+            </a:r>
+            <a:r>
+              <a:rPr lang="en-US" sz="1800" dirty="0">
+                <a:solidFill>
+                  <a:srgbClr val="000000"/>
+                </a:solidFill>
+                <a:latin typeface="Cascadia Mono" panose="020B0609020000020004" pitchFamily="49" charset="0"/>
+              </a:rPr>
+              <a:t> </a:t>
+            </a:r>
+            <a:r>
+              <a:rPr lang="en-US" sz="1800" dirty="0" err="1">
+                <a:solidFill>
+                  <a:srgbClr val="000000"/>
+                </a:solidFill>
+                <a:latin typeface="Cascadia Mono" panose="020B0609020000020004" pitchFamily="49" charset="0"/>
+              </a:rPr>
+              <a:t>MethodInfo</a:t>
+            </a:r>
+            <a:r>
+              <a:rPr lang="en-US" sz="1800" dirty="0">
+                <a:solidFill>
+                  <a:srgbClr val="000000"/>
+                </a:solidFill>
+                <a:latin typeface="Cascadia Mono" panose="020B0609020000020004" pitchFamily="49" charset="0"/>
+              </a:rPr>
+              <a:t>? </a:t>
+            </a:r>
+            <a:r>
+              <a:rPr lang="en-US" sz="1800" dirty="0" err="1">
+                <a:solidFill>
+                  <a:srgbClr val="000000"/>
+                </a:solidFill>
+                <a:latin typeface="Cascadia Mono" panose="020B0609020000020004" pitchFamily="49" charset="0"/>
+              </a:rPr>
+              <a:t>NotEq</a:t>
+            </a:r>
+            <a:r>
+              <a:rPr lang="en-US" sz="1800" dirty="0">
+                <a:solidFill>
+                  <a:srgbClr val="000000"/>
+                </a:solidFill>
+                <a:latin typeface="Cascadia Mono" panose="020B0609020000020004" pitchFamily="49" charset="0"/>
+              </a:rPr>
+              <a:t> =</a:t>
+            </a:r>
+          </a:p>
+          <a:p>
+            <a:r>
+              <a:rPr lang="en-US" sz="1800" dirty="0">
+                <a:solidFill>
+                  <a:srgbClr val="000000"/>
+                </a:solidFill>
+                <a:latin typeface="Cascadia Mono" panose="020B0609020000020004" pitchFamily="49" charset="0"/>
+              </a:rPr>
+              <a:t>        </a:t>
+            </a:r>
+            <a:r>
+              <a:rPr lang="en-US" sz="1800" dirty="0" err="1">
+                <a:solidFill>
+                  <a:srgbClr val="0000FF"/>
+                </a:solidFill>
+                <a:latin typeface="Cascadia Mono" panose="020B0609020000020004" pitchFamily="49" charset="0"/>
+              </a:rPr>
+              <a:t>typeof</a:t>
+            </a:r>
+            <a:r>
+              <a:rPr lang="en-US" sz="1800" dirty="0">
+                <a:solidFill>
+                  <a:srgbClr val="000000"/>
+                </a:solidFill>
+                <a:latin typeface="Cascadia Mono" panose="020B0609020000020004" pitchFamily="49" charset="0"/>
+              </a:rPr>
+              <a:t>(</a:t>
+            </a:r>
+            <a:r>
+              <a:rPr lang="en-US" sz="1800" dirty="0" err="1">
+                <a:solidFill>
+                  <a:srgbClr val="000000"/>
+                </a:solidFill>
+                <a:latin typeface="Cascadia Mono" panose="020B0609020000020004" pitchFamily="49" charset="0"/>
+              </a:rPr>
+              <a:t>CustomFunctionExtensions</a:t>
+            </a:r>
+            <a:r>
+              <a:rPr lang="en-US" sz="1800" dirty="0">
+                <a:solidFill>
+                  <a:srgbClr val="000000"/>
+                </a:solidFill>
+                <a:latin typeface="Cascadia Mono" panose="020B0609020000020004" pitchFamily="49" charset="0"/>
+              </a:rPr>
+              <a:t>).</a:t>
+            </a:r>
+            <a:r>
+              <a:rPr lang="en-US" sz="1800" dirty="0" err="1">
+                <a:solidFill>
+                  <a:srgbClr val="000000"/>
+                </a:solidFill>
+                <a:latin typeface="Cascadia Mono" panose="020B0609020000020004" pitchFamily="49" charset="0"/>
+              </a:rPr>
+              <a:t>GetMethod</a:t>
+            </a:r>
+            <a:r>
+              <a:rPr lang="en-US" sz="1800" dirty="0">
+                <a:solidFill>
+                  <a:srgbClr val="000000"/>
+                </a:solidFill>
+                <a:latin typeface="Cascadia Mono" panose="020B0609020000020004" pitchFamily="49" charset="0"/>
+              </a:rPr>
+              <a:t>(</a:t>
+            </a:r>
+            <a:r>
+              <a:rPr lang="en-US" sz="1800" dirty="0" err="1">
+                <a:solidFill>
+                  <a:srgbClr val="000000"/>
+                </a:solidFill>
+                <a:latin typeface="Cascadia Mono" panose="020B0609020000020004" pitchFamily="49" charset="0"/>
+              </a:rPr>
+              <a:t>nameof</a:t>
+            </a:r>
+            <a:r>
+              <a:rPr lang="en-US" sz="1800" dirty="0">
+                <a:solidFill>
+                  <a:srgbClr val="000000"/>
+                </a:solidFill>
+                <a:latin typeface="Cascadia Mono" panose="020B0609020000020004" pitchFamily="49" charset="0"/>
+              </a:rPr>
+              <a:t>(</a:t>
+            </a:r>
+            <a:r>
+              <a:rPr lang="en-US" sz="1800" dirty="0" err="1">
+                <a:solidFill>
+                  <a:srgbClr val="000000"/>
+                </a:solidFill>
+                <a:latin typeface="Cascadia Mono" panose="020B0609020000020004" pitchFamily="49" charset="0"/>
+              </a:rPr>
+              <a:t>CustomFunctionExtensions.not_eq</a:t>
+            </a:r>
+            <a:r>
+              <a:rPr lang="en-US" sz="1800" dirty="0">
+                <a:solidFill>
+                  <a:srgbClr val="000000"/>
+                </a:solidFill>
+                <a:latin typeface="Cascadia Mono" panose="020B0609020000020004" pitchFamily="49" charset="0"/>
+              </a:rPr>
+              <a:t>), </a:t>
+            </a:r>
+            <a:r>
+              <a:rPr lang="en-US" sz="1800" dirty="0" err="1">
+                <a:solidFill>
+                  <a:srgbClr val="000000"/>
+                </a:solidFill>
+                <a:latin typeface="Cascadia Mono" panose="020B0609020000020004" pitchFamily="49" charset="0"/>
+              </a:rPr>
+              <a:t>BindingFlags.Static</a:t>
+            </a:r>
+            <a:r>
+              <a:rPr lang="en-US" sz="1800" dirty="0">
+                <a:solidFill>
+                  <a:srgbClr val="000000"/>
+                </a:solidFill>
+                <a:latin typeface="Cascadia Mono" panose="020B0609020000020004" pitchFamily="49" charset="0"/>
+              </a:rPr>
+              <a:t> | </a:t>
+            </a:r>
+            <a:r>
+              <a:rPr lang="en-US" sz="1800" dirty="0" err="1">
+                <a:solidFill>
+                  <a:srgbClr val="000000"/>
+                </a:solidFill>
+                <a:latin typeface="Cascadia Mono" panose="020B0609020000020004" pitchFamily="49" charset="0"/>
+              </a:rPr>
+              <a:t>BindingFlags.Public</a:t>
+            </a:r>
+            <a:r>
+              <a:rPr lang="en-US" sz="1800" dirty="0">
+                <a:solidFill>
+                  <a:srgbClr val="000000"/>
+                </a:solidFill>
+                <a:latin typeface="Cascadia Mono" panose="020B0609020000020004" pitchFamily="49" charset="0"/>
+              </a:rPr>
+              <a:t>);</a:t>
+            </a:r>
+          </a:p>
+          <a:p>
+            <a:endParaRPr lang="en-US" sz="1800" dirty="0">
+              <a:solidFill>
+                <a:srgbClr val="000000"/>
+              </a:solidFill>
+              <a:latin typeface="Cascadia Mono" panose="020B0609020000020004" pitchFamily="49" charset="0"/>
+            </a:endParaRPr>
+          </a:p>
+          <a:p>
+            <a:r>
+              <a:rPr lang="en-US" sz="1800" dirty="0">
+                <a:solidFill>
+                  <a:srgbClr val="000000"/>
+                </a:solidFill>
+                <a:latin typeface="Cascadia Mono" panose="020B0609020000020004" pitchFamily="49" charset="0"/>
+              </a:rPr>
+              <a:t>    </a:t>
+            </a:r>
+            <a:r>
+              <a:rPr lang="en-US" sz="1800" dirty="0">
+                <a:solidFill>
+                  <a:srgbClr val="0000FF"/>
+                </a:solidFill>
+                <a:latin typeface="Cascadia Mono" panose="020B0609020000020004" pitchFamily="49" charset="0"/>
+              </a:rPr>
+              <a:t>static</a:t>
+            </a:r>
+            <a:r>
+              <a:rPr lang="en-US" sz="1800" dirty="0">
+                <a:solidFill>
+                  <a:srgbClr val="000000"/>
+                </a:solidFill>
+                <a:latin typeface="Cascadia Mono" panose="020B0609020000020004" pitchFamily="49" charset="0"/>
+              </a:rPr>
+              <a:t> </a:t>
+            </a:r>
+            <a:r>
+              <a:rPr lang="en-US" sz="1800" dirty="0" err="1">
+                <a:solidFill>
+                  <a:srgbClr val="0000FF"/>
+                </a:solidFill>
+                <a:latin typeface="Cascadia Mono" panose="020B0609020000020004" pitchFamily="49" charset="0"/>
+              </a:rPr>
+              <a:t>readonly</a:t>
+            </a:r>
+            <a:r>
+              <a:rPr lang="en-US" sz="1800" dirty="0">
+                <a:solidFill>
+                  <a:srgbClr val="000000"/>
+                </a:solidFill>
+                <a:latin typeface="Cascadia Mono" panose="020B0609020000020004" pitchFamily="49" charset="0"/>
+              </a:rPr>
+              <a:t> </a:t>
+            </a:r>
+            <a:r>
+              <a:rPr lang="en-US" sz="1800" dirty="0" err="1">
+                <a:solidFill>
+                  <a:srgbClr val="000000"/>
+                </a:solidFill>
+                <a:latin typeface="Cascadia Mono" panose="020B0609020000020004" pitchFamily="49" charset="0"/>
+              </a:rPr>
+              <a:t>MethodInfo</a:t>
+            </a:r>
+            <a:r>
+              <a:rPr lang="en-US" sz="1800" dirty="0">
+                <a:solidFill>
+                  <a:srgbClr val="000000"/>
+                </a:solidFill>
+                <a:latin typeface="Cascadia Mono" panose="020B0609020000020004" pitchFamily="49" charset="0"/>
+              </a:rPr>
+              <a:t>? </a:t>
+            </a:r>
+            <a:r>
+              <a:rPr lang="en-US" sz="1800" dirty="0" err="1">
+                <a:solidFill>
+                  <a:srgbClr val="000000"/>
+                </a:solidFill>
+                <a:latin typeface="Cascadia Mono" panose="020B0609020000020004" pitchFamily="49" charset="0"/>
+              </a:rPr>
+              <a:t>DateOrNull</a:t>
+            </a:r>
+            <a:r>
+              <a:rPr lang="en-US" sz="1800" dirty="0">
+                <a:solidFill>
+                  <a:srgbClr val="000000"/>
+                </a:solidFill>
+                <a:latin typeface="Cascadia Mono" panose="020B0609020000020004" pitchFamily="49" charset="0"/>
+              </a:rPr>
+              <a:t> =</a:t>
+            </a:r>
+          </a:p>
+          <a:p>
+            <a:r>
+              <a:rPr lang="en-US" sz="1800" dirty="0">
+                <a:solidFill>
+                  <a:srgbClr val="000000"/>
+                </a:solidFill>
+                <a:latin typeface="Cascadia Mono" panose="020B0609020000020004" pitchFamily="49" charset="0"/>
+              </a:rPr>
+              <a:t>        </a:t>
+            </a:r>
+            <a:r>
+              <a:rPr lang="en-US" sz="1800" dirty="0" err="1">
+                <a:solidFill>
+                  <a:srgbClr val="0000FF"/>
+                </a:solidFill>
+                <a:latin typeface="Cascadia Mono" panose="020B0609020000020004" pitchFamily="49" charset="0"/>
+              </a:rPr>
+              <a:t>typeof</a:t>
+            </a:r>
+            <a:r>
+              <a:rPr lang="en-US" sz="1800" dirty="0">
+                <a:solidFill>
+                  <a:srgbClr val="000000"/>
+                </a:solidFill>
+                <a:latin typeface="Cascadia Mono" panose="020B0609020000020004" pitchFamily="49" charset="0"/>
+              </a:rPr>
+              <a:t>(</a:t>
+            </a:r>
+            <a:r>
+              <a:rPr lang="en-US" sz="1800" dirty="0" err="1">
+                <a:solidFill>
+                  <a:srgbClr val="000000"/>
+                </a:solidFill>
+                <a:latin typeface="Cascadia Mono" panose="020B0609020000020004" pitchFamily="49" charset="0"/>
+              </a:rPr>
+              <a:t>CustomFunctionExtensions</a:t>
+            </a:r>
+            <a:r>
+              <a:rPr lang="en-US" sz="1800" dirty="0">
+                <a:solidFill>
+                  <a:srgbClr val="000000"/>
+                </a:solidFill>
+                <a:latin typeface="Cascadia Mono" panose="020B0609020000020004" pitchFamily="49" charset="0"/>
+              </a:rPr>
+              <a:t>).</a:t>
+            </a:r>
+            <a:r>
+              <a:rPr lang="en-US" sz="1800" dirty="0" err="1">
+                <a:solidFill>
+                  <a:srgbClr val="000000"/>
+                </a:solidFill>
+                <a:latin typeface="Cascadia Mono" panose="020B0609020000020004" pitchFamily="49" charset="0"/>
+              </a:rPr>
+              <a:t>GetMethod</a:t>
+            </a:r>
+            <a:r>
+              <a:rPr lang="en-US" sz="1800" dirty="0">
+                <a:solidFill>
+                  <a:srgbClr val="000000"/>
+                </a:solidFill>
+                <a:latin typeface="Cascadia Mono" panose="020B0609020000020004" pitchFamily="49" charset="0"/>
+              </a:rPr>
+              <a:t>(</a:t>
+            </a:r>
+            <a:r>
+              <a:rPr lang="en-US" sz="1800" dirty="0" err="1">
+                <a:solidFill>
+                  <a:srgbClr val="000000"/>
+                </a:solidFill>
+                <a:latin typeface="Cascadia Mono" panose="020B0609020000020004" pitchFamily="49" charset="0"/>
+              </a:rPr>
+              <a:t>nameof</a:t>
+            </a:r>
+            <a:r>
+              <a:rPr lang="en-US" sz="1800" dirty="0">
+                <a:solidFill>
+                  <a:srgbClr val="000000"/>
+                </a:solidFill>
+                <a:latin typeface="Cascadia Mono" panose="020B0609020000020004" pitchFamily="49" charset="0"/>
+              </a:rPr>
+              <a:t>(</a:t>
+            </a:r>
+            <a:r>
+              <a:rPr lang="en-US" sz="1800" dirty="0" err="1">
+                <a:solidFill>
+                  <a:srgbClr val="000000"/>
+                </a:solidFill>
+                <a:latin typeface="Cascadia Mono" panose="020B0609020000020004" pitchFamily="49" charset="0"/>
+              </a:rPr>
+              <a:t>CustomFunctionExtensions.date_or_null</a:t>
+            </a:r>
+            <a:r>
+              <a:rPr lang="en-US" sz="1800" dirty="0">
+                <a:solidFill>
+                  <a:srgbClr val="000000"/>
+                </a:solidFill>
+                <a:latin typeface="Cascadia Mono" panose="020B0609020000020004" pitchFamily="49" charset="0"/>
+              </a:rPr>
+              <a:t>), </a:t>
+            </a:r>
+            <a:r>
+              <a:rPr lang="en-US" sz="1800" dirty="0" err="1">
+                <a:solidFill>
+                  <a:srgbClr val="000000"/>
+                </a:solidFill>
+                <a:latin typeface="Cascadia Mono" panose="020B0609020000020004" pitchFamily="49" charset="0"/>
+              </a:rPr>
+              <a:t>BindingFlags.Static</a:t>
+            </a:r>
+            <a:r>
+              <a:rPr lang="en-US" sz="1800" dirty="0">
+                <a:solidFill>
+                  <a:srgbClr val="000000"/>
+                </a:solidFill>
+                <a:latin typeface="Cascadia Mono" panose="020B0609020000020004" pitchFamily="49" charset="0"/>
+              </a:rPr>
+              <a:t> | </a:t>
+            </a:r>
+            <a:r>
+              <a:rPr lang="en-US" sz="1800" dirty="0" err="1">
+                <a:solidFill>
+                  <a:srgbClr val="000000"/>
+                </a:solidFill>
+                <a:latin typeface="Cascadia Mono" panose="020B0609020000020004" pitchFamily="49" charset="0"/>
+              </a:rPr>
+              <a:t>BindingFlags.Public</a:t>
+            </a:r>
+            <a:r>
+              <a:rPr lang="en-US" sz="1800" dirty="0">
+                <a:solidFill>
+                  <a:srgbClr val="000000"/>
+                </a:solidFill>
+                <a:latin typeface="Cascadia Mono" panose="020B0609020000020004" pitchFamily="49" charset="0"/>
+              </a:rPr>
+              <a:t>);</a:t>
+            </a:r>
+          </a:p>
+          <a:p>
+            <a:endParaRPr lang="en-US" sz="1800" dirty="0">
+              <a:solidFill>
+                <a:srgbClr val="000000"/>
+              </a:solidFill>
+              <a:latin typeface="Cascadia Mono" panose="020B0609020000020004" pitchFamily="49" charset="0"/>
+            </a:endParaRPr>
+          </a:p>
+          <a:p>
+            <a:r>
+              <a:rPr lang="en-US" sz="1800" dirty="0">
+                <a:solidFill>
+                  <a:srgbClr val="000000"/>
+                </a:solidFill>
+                <a:latin typeface="Cascadia Mono" panose="020B0609020000020004" pitchFamily="49" charset="0"/>
+              </a:rPr>
+              <a:t>    </a:t>
+            </a:r>
+            <a:r>
+              <a:rPr lang="en-US" sz="1800" dirty="0">
+                <a:solidFill>
+                  <a:srgbClr val="0000FF"/>
+                </a:solidFill>
+                <a:latin typeface="Cascadia Mono" panose="020B0609020000020004" pitchFamily="49" charset="0"/>
+              </a:rPr>
+              <a:t>static</a:t>
+            </a:r>
+            <a:r>
+              <a:rPr lang="en-US" sz="1800" dirty="0">
+                <a:solidFill>
+                  <a:srgbClr val="000000"/>
+                </a:solidFill>
+                <a:latin typeface="Cascadia Mono" panose="020B0609020000020004" pitchFamily="49" charset="0"/>
+              </a:rPr>
+              <a:t> </a:t>
+            </a:r>
+            <a:r>
+              <a:rPr lang="en-US" sz="1800" dirty="0" err="1">
+                <a:solidFill>
+                  <a:srgbClr val="0000FF"/>
+                </a:solidFill>
+                <a:latin typeface="Cascadia Mono" panose="020B0609020000020004" pitchFamily="49" charset="0"/>
+              </a:rPr>
+              <a:t>readonly</a:t>
+            </a:r>
+            <a:r>
+              <a:rPr lang="en-US" sz="1800" dirty="0">
+                <a:solidFill>
+                  <a:srgbClr val="000000"/>
+                </a:solidFill>
+                <a:latin typeface="Cascadia Mono" panose="020B0609020000020004" pitchFamily="49" charset="0"/>
+              </a:rPr>
+              <a:t> </a:t>
+            </a:r>
+            <a:r>
+              <a:rPr lang="en-US" sz="1800" dirty="0" err="1">
+                <a:solidFill>
+                  <a:srgbClr val="000000"/>
+                </a:solidFill>
+                <a:latin typeface="Cascadia Mono" panose="020B0609020000020004" pitchFamily="49" charset="0"/>
+              </a:rPr>
+              <a:t>MethodInfo</a:t>
+            </a:r>
+            <a:r>
+              <a:rPr lang="en-US" sz="1800" dirty="0">
+                <a:solidFill>
+                  <a:srgbClr val="000000"/>
+                </a:solidFill>
+                <a:latin typeface="Cascadia Mono" panose="020B0609020000020004" pitchFamily="49" charset="0"/>
+              </a:rPr>
+              <a:t>? Today =</a:t>
+            </a:r>
+          </a:p>
+          <a:p>
+            <a:r>
+              <a:rPr lang="en-US" sz="1800" dirty="0">
+                <a:solidFill>
+                  <a:srgbClr val="000000"/>
+                </a:solidFill>
+                <a:latin typeface="Cascadia Mono" panose="020B0609020000020004" pitchFamily="49" charset="0"/>
+              </a:rPr>
+              <a:t>        </a:t>
+            </a:r>
+            <a:r>
+              <a:rPr lang="en-US" sz="1800" dirty="0" err="1">
+                <a:solidFill>
+                  <a:srgbClr val="0000FF"/>
+                </a:solidFill>
+                <a:latin typeface="Cascadia Mono" panose="020B0609020000020004" pitchFamily="49" charset="0"/>
+              </a:rPr>
+              <a:t>typeof</a:t>
+            </a:r>
+            <a:r>
+              <a:rPr lang="en-US" sz="1800" dirty="0">
+                <a:solidFill>
+                  <a:srgbClr val="000000"/>
+                </a:solidFill>
+                <a:latin typeface="Cascadia Mono" panose="020B0609020000020004" pitchFamily="49" charset="0"/>
+              </a:rPr>
+              <a:t>(</a:t>
+            </a:r>
+            <a:r>
+              <a:rPr lang="en-US" sz="1800" dirty="0" err="1">
+                <a:solidFill>
+                  <a:srgbClr val="000000"/>
+                </a:solidFill>
+                <a:latin typeface="Cascadia Mono" panose="020B0609020000020004" pitchFamily="49" charset="0"/>
+              </a:rPr>
+              <a:t>CustomFunctionExtensions</a:t>
+            </a:r>
+            <a:r>
+              <a:rPr lang="en-US" sz="1800" dirty="0">
+                <a:solidFill>
+                  <a:srgbClr val="000000"/>
+                </a:solidFill>
+                <a:latin typeface="Cascadia Mono" panose="020B0609020000020004" pitchFamily="49" charset="0"/>
+              </a:rPr>
+              <a:t>).</a:t>
+            </a:r>
+            <a:r>
+              <a:rPr lang="en-US" sz="1800" dirty="0" err="1">
+                <a:solidFill>
+                  <a:srgbClr val="000000"/>
+                </a:solidFill>
+                <a:latin typeface="Cascadia Mono" panose="020B0609020000020004" pitchFamily="49" charset="0"/>
+              </a:rPr>
+              <a:t>GetMethod</a:t>
+            </a:r>
+            <a:r>
+              <a:rPr lang="en-US" sz="1800" dirty="0">
+                <a:solidFill>
+                  <a:srgbClr val="000000"/>
+                </a:solidFill>
+                <a:latin typeface="Cascadia Mono" panose="020B0609020000020004" pitchFamily="49" charset="0"/>
+              </a:rPr>
+              <a:t>(</a:t>
+            </a:r>
+            <a:r>
+              <a:rPr lang="en-US" sz="1800" dirty="0" err="1">
+                <a:solidFill>
+                  <a:srgbClr val="000000"/>
+                </a:solidFill>
+                <a:latin typeface="Cascadia Mono" panose="020B0609020000020004" pitchFamily="49" charset="0"/>
+              </a:rPr>
+              <a:t>nameof</a:t>
+            </a:r>
+            <a:r>
+              <a:rPr lang="en-US" sz="1800" dirty="0">
+                <a:solidFill>
+                  <a:srgbClr val="000000"/>
+                </a:solidFill>
+                <a:latin typeface="Cascadia Mono" panose="020B0609020000020004" pitchFamily="49" charset="0"/>
+              </a:rPr>
+              <a:t>(</a:t>
+            </a:r>
+            <a:r>
+              <a:rPr lang="en-US" sz="1800" dirty="0" err="1">
+                <a:solidFill>
+                  <a:srgbClr val="000000"/>
+                </a:solidFill>
+                <a:latin typeface="Cascadia Mono" panose="020B0609020000020004" pitchFamily="49" charset="0"/>
+              </a:rPr>
+              <a:t>CustomFunctionExtensions.today</a:t>
+            </a:r>
+            <a:r>
+              <a:rPr lang="en-US" sz="1800" dirty="0">
+                <a:solidFill>
+                  <a:srgbClr val="000000"/>
+                </a:solidFill>
+                <a:latin typeface="Cascadia Mono" panose="020B0609020000020004" pitchFamily="49" charset="0"/>
+              </a:rPr>
+              <a:t>), </a:t>
+            </a:r>
+            <a:r>
+              <a:rPr lang="en-US" sz="1800" dirty="0" err="1">
+                <a:solidFill>
+                  <a:srgbClr val="000000"/>
+                </a:solidFill>
+                <a:latin typeface="Cascadia Mono" panose="020B0609020000020004" pitchFamily="49" charset="0"/>
+              </a:rPr>
+              <a:t>BindingFlags.Static</a:t>
+            </a:r>
+            <a:r>
+              <a:rPr lang="en-US" sz="1800" dirty="0">
+                <a:solidFill>
+                  <a:srgbClr val="000000"/>
+                </a:solidFill>
+                <a:latin typeface="Cascadia Mono" panose="020B0609020000020004" pitchFamily="49" charset="0"/>
+              </a:rPr>
+              <a:t> | </a:t>
+            </a:r>
+            <a:r>
+              <a:rPr lang="en-US" sz="1800" dirty="0" err="1">
+                <a:solidFill>
+                  <a:srgbClr val="000000"/>
+                </a:solidFill>
+                <a:latin typeface="Cascadia Mono" panose="020B0609020000020004" pitchFamily="49" charset="0"/>
+              </a:rPr>
+              <a:t>BindingFlags.Public</a:t>
+            </a:r>
+            <a:r>
+              <a:rPr lang="en-US" sz="1800" dirty="0">
+                <a:solidFill>
+                  <a:srgbClr val="000000"/>
+                </a:solidFill>
+                <a:latin typeface="Cascadia Mono" panose="020B0609020000020004" pitchFamily="49" charset="0"/>
+              </a:rPr>
+              <a:t>);</a:t>
+            </a:r>
+          </a:p>
+          <a:p>
+            <a:r>
+              <a:rPr lang="en-US" sz="1800" dirty="0">
+                <a:solidFill>
+                  <a:srgbClr val="000000"/>
+                </a:solidFill>
+                <a:latin typeface="Cascadia Mono" panose="020B0609020000020004" pitchFamily="49" charset="0"/>
+              </a:rPr>
+              <a:t>    </a:t>
+            </a:r>
             <a:endParaRPr lang="en-US" dirty="0"/>
           </a:p>
         </p:txBody>
@@ -6841,7 +8179,1020 @@
 </p:sld>
 </file>
 
-<file path=ppt/slides/slide24.xml><?xml version="1.0" encoding="utf-8"?>
+<file path=ppt/slides/slide25.xml><?xml version="1.0" encoding="utf-8"?>
+<p:sld xmlns:a="http://schemas.openxmlformats.org/drawingml/2006/main" xmlns:r="http://schemas.openxmlformats.org/officeDocument/2006/relationships" xmlns:p="http://schemas.openxmlformats.org/presentationml/2006/main">
+  <p:cSld>
+    <p:spTree>
+      <p:nvGrpSpPr>
+        <p:cNvPr id="1" name=""/>
+        <p:cNvGrpSpPr/>
+        <p:nvPr/>
+      </p:nvGrpSpPr>
+      <p:grpSpPr>
+        <a:xfrm>
+          <a:off x="0" y="0"/>
+          <a:ext cx="0" cy="0"/>
+          <a:chOff x="0" y="0"/>
+          <a:chExt cx="0" cy="0"/>
+        </a:xfrm>
+      </p:grpSpPr>
+      <p:sp>
+        <p:nvSpPr>
+          <p:cNvPr id="2" name="Title 1">
+            <a:extLst>
+              <a:ext uri="{FF2B5EF4-FFF2-40B4-BE49-F238E27FC236}">
+                <a16:creationId xmlns:a16="http://schemas.microsoft.com/office/drawing/2014/main" id="{6E2C40EB-36B8-ABFB-BBF0-7B54DD61EF03}"/>
+              </a:ext>
+            </a:extLst>
+          </p:cNvPr>
+          <p:cNvSpPr>
+            <a:spLocks noGrp="1"/>
+          </p:cNvSpPr>
+          <p:nvPr>
+            <p:ph type="title"/>
+          </p:nvPr>
+        </p:nvSpPr>
+        <p:spPr/>
+        <p:txBody>
+          <a:bodyPr/>
+          <a:lstStyle/>
+          <a:p>
+            <a:r>
+              <a:rPr lang="ru-RU" dirty="0" err="1"/>
+              <a:t>кастомных</a:t>
+            </a:r>
+            <a:r>
+              <a:rPr lang="ru-RU" dirty="0"/>
+              <a:t> выражений в EF</a:t>
+            </a:r>
+            <a:endParaRPr lang="en-US" dirty="0"/>
+          </a:p>
+        </p:txBody>
+      </p:sp>
+      <p:sp>
+        <p:nvSpPr>
+          <p:cNvPr id="3" name="Content Placeholder 2">
+            <a:extLst>
+              <a:ext uri="{FF2B5EF4-FFF2-40B4-BE49-F238E27FC236}">
+                <a16:creationId xmlns:a16="http://schemas.microsoft.com/office/drawing/2014/main" id="{06AC632A-88A5-2E2B-A06C-38B09E99D560}"/>
+              </a:ext>
+            </a:extLst>
+          </p:cNvPr>
+          <p:cNvSpPr>
+            <a:spLocks noGrp="1"/>
+          </p:cNvSpPr>
+          <p:nvPr>
+            <p:ph idx="1"/>
+          </p:nvPr>
+        </p:nvSpPr>
+        <p:spPr/>
+        <p:txBody>
+          <a:bodyPr>
+            <a:normAutofit fontScale="32500" lnSpcReduction="20000"/>
+          </a:bodyPr>
+          <a:lstStyle/>
+          <a:p>
+            <a:r>
+              <a:rPr lang="en-US" sz="2800" dirty="0">
+                <a:solidFill>
+                  <a:srgbClr val="0000FF"/>
+                </a:solidFill>
+                <a:latin typeface="Cascadia Mono" panose="020B0609020000020004" pitchFamily="49" charset="0"/>
+              </a:rPr>
+              <a:t>protected</a:t>
+            </a:r>
+            <a:r>
+              <a:rPr lang="en-US" sz="2800" dirty="0">
+                <a:solidFill>
+                  <a:srgbClr val="000000"/>
+                </a:solidFill>
+                <a:latin typeface="Cascadia Mono" panose="020B0609020000020004" pitchFamily="49" charset="0"/>
+              </a:rPr>
+              <a:t> </a:t>
+            </a:r>
+            <a:r>
+              <a:rPr lang="en-US" sz="2800" dirty="0">
+                <a:solidFill>
+                  <a:srgbClr val="0000FF"/>
+                </a:solidFill>
+                <a:latin typeface="Cascadia Mono" panose="020B0609020000020004" pitchFamily="49" charset="0"/>
+              </a:rPr>
+              <a:t>override</a:t>
+            </a:r>
+            <a:r>
+              <a:rPr lang="en-US" sz="2800" dirty="0">
+                <a:solidFill>
+                  <a:srgbClr val="000000"/>
+                </a:solidFill>
+                <a:latin typeface="Cascadia Mono" panose="020B0609020000020004" pitchFamily="49" charset="0"/>
+              </a:rPr>
+              <a:t> Expression </a:t>
+            </a:r>
+            <a:r>
+              <a:rPr lang="en-US" sz="2800" dirty="0" err="1">
+                <a:solidFill>
+                  <a:srgbClr val="000000"/>
+                </a:solidFill>
+                <a:latin typeface="Cascadia Mono" panose="020B0609020000020004" pitchFamily="49" charset="0"/>
+              </a:rPr>
+              <a:t>VisitMethodCall</a:t>
+            </a:r>
+            <a:r>
+              <a:rPr lang="en-US" sz="2800" dirty="0">
+                <a:solidFill>
+                  <a:srgbClr val="000000"/>
+                </a:solidFill>
+                <a:latin typeface="Cascadia Mono" panose="020B0609020000020004" pitchFamily="49" charset="0"/>
+              </a:rPr>
+              <a:t>(</a:t>
+            </a:r>
+            <a:r>
+              <a:rPr lang="en-US" sz="2800" dirty="0" err="1">
+                <a:solidFill>
+                  <a:srgbClr val="000000"/>
+                </a:solidFill>
+                <a:latin typeface="Cascadia Mono" panose="020B0609020000020004" pitchFamily="49" charset="0"/>
+              </a:rPr>
+              <a:t>MethodCallExpression</a:t>
+            </a:r>
+            <a:r>
+              <a:rPr lang="en-US" sz="2800" dirty="0">
+                <a:solidFill>
+                  <a:srgbClr val="000000"/>
+                </a:solidFill>
+                <a:latin typeface="Cascadia Mono" panose="020B0609020000020004" pitchFamily="49" charset="0"/>
+              </a:rPr>
+              <a:t> node)</a:t>
+            </a:r>
+          </a:p>
+          <a:p>
+            <a:r>
+              <a:rPr lang="en-US" sz="2800" dirty="0">
+                <a:solidFill>
+                  <a:srgbClr val="000000"/>
+                </a:solidFill>
+                <a:latin typeface="Cascadia Mono" panose="020B0609020000020004" pitchFamily="49" charset="0"/>
+              </a:rPr>
+              <a:t>    {</a:t>
+            </a:r>
+          </a:p>
+          <a:p>
+            <a:r>
+              <a:rPr lang="en-US" sz="2800" dirty="0">
+                <a:solidFill>
+                  <a:srgbClr val="000000"/>
+                </a:solidFill>
+                <a:latin typeface="Cascadia Mono" panose="020B0609020000020004" pitchFamily="49" charset="0"/>
+              </a:rPr>
+              <a:t>        </a:t>
+            </a:r>
+            <a:r>
+              <a:rPr lang="en-US" sz="2800" dirty="0">
+                <a:solidFill>
+                  <a:srgbClr val="0000FF"/>
+                </a:solidFill>
+                <a:latin typeface="Cascadia Mono" panose="020B0609020000020004" pitchFamily="49" charset="0"/>
+              </a:rPr>
+              <a:t>if</a:t>
+            </a:r>
+            <a:r>
+              <a:rPr lang="en-US" sz="2800" dirty="0">
+                <a:solidFill>
+                  <a:srgbClr val="000000"/>
+                </a:solidFill>
+                <a:latin typeface="Cascadia Mono" panose="020B0609020000020004" pitchFamily="49" charset="0"/>
+              </a:rPr>
+              <a:t> (</a:t>
+            </a:r>
+            <a:r>
+              <a:rPr lang="en-US" sz="2800" dirty="0" err="1">
+                <a:solidFill>
+                  <a:srgbClr val="000000"/>
+                </a:solidFill>
+                <a:latin typeface="Cascadia Mono" panose="020B0609020000020004" pitchFamily="49" charset="0"/>
+              </a:rPr>
+              <a:t>node.Method</a:t>
+            </a:r>
+            <a:r>
+              <a:rPr lang="en-US" sz="2800" dirty="0">
+                <a:solidFill>
+                  <a:srgbClr val="000000"/>
+                </a:solidFill>
+                <a:latin typeface="Cascadia Mono" panose="020B0609020000020004" pitchFamily="49" charset="0"/>
+              </a:rPr>
+              <a:t> == </a:t>
+            </a:r>
+            <a:r>
+              <a:rPr lang="en-US" sz="2800" dirty="0" err="1">
+                <a:solidFill>
+                  <a:srgbClr val="000000"/>
+                </a:solidFill>
+                <a:latin typeface="Cascadia Mono" panose="020B0609020000020004" pitchFamily="49" charset="0"/>
+              </a:rPr>
+              <a:t>AnyNull</a:t>
+            </a:r>
+            <a:r>
+              <a:rPr lang="en-US" sz="2800" dirty="0">
+                <a:solidFill>
+                  <a:srgbClr val="000000"/>
+                </a:solidFill>
+                <a:latin typeface="Cascadia Mono" panose="020B0609020000020004" pitchFamily="49" charset="0"/>
+              </a:rPr>
+              <a:t>)</a:t>
+            </a:r>
+          </a:p>
+          <a:p>
+            <a:r>
+              <a:rPr lang="en-US" sz="2800" dirty="0">
+                <a:solidFill>
+                  <a:srgbClr val="000000"/>
+                </a:solidFill>
+                <a:latin typeface="Cascadia Mono" panose="020B0609020000020004" pitchFamily="49" charset="0"/>
+              </a:rPr>
+              <a:t>        {</a:t>
+            </a:r>
+          </a:p>
+          <a:p>
+            <a:r>
+              <a:rPr lang="en-US" sz="2800" dirty="0">
+                <a:solidFill>
+                  <a:srgbClr val="000000"/>
+                </a:solidFill>
+                <a:latin typeface="Cascadia Mono" panose="020B0609020000020004" pitchFamily="49" charset="0"/>
+              </a:rPr>
+              <a:t>            </a:t>
+            </a:r>
+            <a:r>
+              <a:rPr lang="en-US" sz="2800" dirty="0">
+                <a:solidFill>
+                  <a:srgbClr val="0000FF"/>
+                </a:solidFill>
+                <a:latin typeface="Cascadia Mono" panose="020B0609020000020004" pitchFamily="49" charset="0"/>
+              </a:rPr>
+              <a:t>if</a:t>
+            </a:r>
+            <a:r>
+              <a:rPr lang="en-US" sz="2800" dirty="0">
+                <a:solidFill>
+                  <a:srgbClr val="000000"/>
+                </a:solidFill>
+                <a:latin typeface="Cascadia Mono" panose="020B0609020000020004" pitchFamily="49" charset="0"/>
+              </a:rPr>
+              <a:t> (!(</a:t>
+            </a:r>
+            <a:r>
+              <a:rPr lang="en-US" sz="2800" dirty="0" err="1">
+                <a:solidFill>
+                  <a:srgbClr val="000000"/>
+                </a:solidFill>
+                <a:latin typeface="Cascadia Mono" panose="020B0609020000020004" pitchFamily="49" charset="0"/>
+              </a:rPr>
+              <a:t>node.Arguments</a:t>
+            </a:r>
+            <a:r>
+              <a:rPr lang="en-US" sz="2800" dirty="0">
+                <a:solidFill>
+                  <a:srgbClr val="000000"/>
+                </a:solidFill>
+                <a:latin typeface="Cascadia Mono" panose="020B0609020000020004" pitchFamily="49" charset="0"/>
+              </a:rPr>
+              <a:t>[0] </a:t>
+            </a:r>
+            <a:r>
+              <a:rPr lang="en-US" sz="2800" dirty="0">
+                <a:solidFill>
+                  <a:srgbClr val="0000FF"/>
+                </a:solidFill>
+                <a:latin typeface="Cascadia Mono" panose="020B0609020000020004" pitchFamily="49" charset="0"/>
+              </a:rPr>
+              <a:t>is</a:t>
+            </a:r>
+            <a:r>
+              <a:rPr lang="en-US" sz="2800" dirty="0">
+                <a:solidFill>
+                  <a:srgbClr val="000000"/>
+                </a:solidFill>
+                <a:latin typeface="Cascadia Mono" panose="020B0609020000020004" pitchFamily="49" charset="0"/>
+              </a:rPr>
+              <a:t> </a:t>
+            </a:r>
+            <a:r>
+              <a:rPr lang="en-US" sz="2800" dirty="0" err="1">
+                <a:solidFill>
+                  <a:srgbClr val="000000"/>
+                </a:solidFill>
+                <a:latin typeface="Cascadia Mono" panose="020B0609020000020004" pitchFamily="49" charset="0"/>
+              </a:rPr>
+              <a:t>NewArrayExpression</a:t>
+            </a:r>
+            <a:r>
+              <a:rPr lang="en-US" sz="2800" dirty="0">
+                <a:solidFill>
+                  <a:srgbClr val="000000"/>
+                </a:solidFill>
+                <a:latin typeface="Cascadia Mono" panose="020B0609020000020004" pitchFamily="49" charset="0"/>
+              </a:rPr>
+              <a:t> array)) </a:t>
+            </a:r>
+            <a:r>
+              <a:rPr lang="en-US" sz="2800" dirty="0">
+                <a:solidFill>
+                  <a:srgbClr val="0000FF"/>
+                </a:solidFill>
+                <a:latin typeface="Cascadia Mono" panose="020B0609020000020004" pitchFamily="49" charset="0"/>
+              </a:rPr>
+              <a:t>throw</a:t>
+            </a:r>
+            <a:r>
+              <a:rPr lang="en-US" sz="2800" dirty="0">
+                <a:solidFill>
+                  <a:srgbClr val="000000"/>
+                </a:solidFill>
+                <a:latin typeface="Cascadia Mono" panose="020B0609020000020004" pitchFamily="49" charset="0"/>
+              </a:rPr>
+              <a:t> </a:t>
+            </a:r>
+            <a:r>
+              <a:rPr lang="en-US" sz="2800" dirty="0">
+                <a:solidFill>
+                  <a:srgbClr val="0000FF"/>
+                </a:solidFill>
+                <a:latin typeface="Cascadia Mono" panose="020B0609020000020004" pitchFamily="49" charset="0"/>
+              </a:rPr>
+              <a:t>new</a:t>
+            </a:r>
+            <a:r>
+              <a:rPr lang="en-US" sz="2800" dirty="0">
+                <a:solidFill>
+                  <a:srgbClr val="000000"/>
+                </a:solidFill>
+                <a:latin typeface="Cascadia Mono" panose="020B0609020000020004" pitchFamily="49" charset="0"/>
+              </a:rPr>
+              <a:t> </a:t>
+            </a:r>
+            <a:r>
+              <a:rPr lang="en-US" sz="2800" dirty="0" err="1">
+                <a:solidFill>
+                  <a:srgbClr val="000000"/>
+                </a:solidFill>
+                <a:latin typeface="Cascadia Mono" panose="020B0609020000020004" pitchFamily="49" charset="0"/>
+              </a:rPr>
+              <a:t>NotImplementedException</a:t>
+            </a:r>
+            <a:r>
+              <a:rPr lang="en-US" sz="2800" dirty="0">
+                <a:solidFill>
+                  <a:srgbClr val="000000"/>
+                </a:solidFill>
+                <a:latin typeface="Cascadia Mono" panose="020B0609020000020004" pitchFamily="49" charset="0"/>
+              </a:rPr>
+              <a:t>();</a:t>
+            </a:r>
+          </a:p>
+          <a:p>
+            <a:endParaRPr lang="en-US" sz="2800" dirty="0">
+              <a:solidFill>
+                <a:srgbClr val="000000"/>
+              </a:solidFill>
+              <a:latin typeface="Cascadia Mono" panose="020B0609020000020004" pitchFamily="49" charset="0"/>
+            </a:endParaRPr>
+          </a:p>
+          <a:p>
+            <a:r>
+              <a:rPr lang="en-US" sz="2800" dirty="0">
+                <a:solidFill>
+                  <a:srgbClr val="000000"/>
+                </a:solidFill>
+                <a:latin typeface="Cascadia Mono" panose="020B0609020000020004" pitchFamily="49" charset="0"/>
+              </a:rPr>
+              <a:t>            Expression? result = </a:t>
+            </a:r>
+            <a:r>
+              <a:rPr lang="en-US" sz="2800" dirty="0">
+                <a:solidFill>
+                  <a:srgbClr val="0000FF"/>
+                </a:solidFill>
+                <a:latin typeface="Cascadia Mono" panose="020B0609020000020004" pitchFamily="49" charset="0"/>
+              </a:rPr>
+              <a:t>null</a:t>
+            </a:r>
+            <a:r>
+              <a:rPr lang="en-US" sz="2800" dirty="0">
+                <a:solidFill>
+                  <a:srgbClr val="000000"/>
+                </a:solidFill>
+                <a:latin typeface="Cascadia Mono" panose="020B0609020000020004" pitchFamily="49" charset="0"/>
+              </a:rPr>
+              <a:t>;</a:t>
+            </a:r>
+          </a:p>
+          <a:p>
+            <a:r>
+              <a:rPr lang="en-US" sz="2800" dirty="0">
+                <a:solidFill>
+                  <a:srgbClr val="000000"/>
+                </a:solidFill>
+                <a:latin typeface="Cascadia Mono" panose="020B0609020000020004" pitchFamily="49" charset="0"/>
+              </a:rPr>
+              <a:t>            </a:t>
+            </a:r>
+            <a:r>
+              <a:rPr lang="en-US" sz="2800" dirty="0">
+                <a:solidFill>
+                  <a:srgbClr val="0000FF"/>
+                </a:solidFill>
+                <a:latin typeface="Cascadia Mono" panose="020B0609020000020004" pitchFamily="49" charset="0"/>
+              </a:rPr>
+              <a:t>foreach</a:t>
+            </a:r>
+            <a:r>
+              <a:rPr lang="en-US" sz="2800" dirty="0">
+                <a:solidFill>
+                  <a:srgbClr val="000000"/>
+                </a:solidFill>
+                <a:latin typeface="Cascadia Mono" panose="020B0609020000020004" pitchFamily="49" charset="0"/>
+              </a:rPr>
+              <a:t> (var expression </a:t>
+            </a:r>
+            <a:r>
+              <a:rPr lang="en-US" sz="2800" dirty="0">
+                <a:solidFill>
+                  <a:srgbClr val="0000FF"/>
+                </a:solidFill>
+                <a:latin typeface="Cascadia Mono" panose="020B0609020000020004" pitchFamily="49" charset="0"/>
+              </a:rPr>
+              <a:t>in</a:t>
+            </a:r>
+            <a:r>
+              <a:rPr lang="en-US" sz="2800" dirty="0">
+                <a:solidFill>
+                  <a:srgbClr val="000000"/>
+                </a:solidFill>
+                <a:latin typeface="Cascadia Mono" panose="020B0609020000020004" pitchFamily="49" charset="0"/>
+              </a:rPr>
+              <a:t> </a:t>
+            </a:r>
+            <a:r>
+              <a:rPr lang="en-US" sz="2800" dirty="0" err="1">
+                <a:solidFill>
+                  <a:srgbClr val="000000"/>
+                </a:solidFill>
+                <a:latin typeface="Cascadia Mono" panose="020B0609020000020004" pitchFamily="49" charset="0"/>
+              </a:rPr>
+              <a:t>array.Expressions</a:t>
+            </a:r>
+            <a:r>
+              <a:rPr lang="en-US" sz="2800" dirty="0">
+                <a:solidFill>
+                  <a:srgbClr val="000000"/>
+                </a:solidFill>
+                <a:latin typeface="Cascadia Mono" panose="020B0609020000020004" pitchFamily="49" charset="0"/>
+              </a:rPr>
+              <a:t>)</a:t>
+            </a:r>
+          </a:p>
+          <a:p>
+            <a:r>
+              <a:rPr lang="en-US" sz="2800" dirty="0">
+                <a:solidFill>
+                  <a:srgbClr val="000000"/>
+                </a:solidFill>
+                <a:latin typeface="Cascadia Mono" panose="020B0609020000020004" pitchFamily="49" charset="0"/>
+              </a:rPr>
+              <a:t>            {</a:t>
+            </a:r>
+          </a:p>
+          <a:p>
+            <a:r>
+              <a:rPr lang="en-US" sz="2800" dirty="0">
+                <a:solidFill>
+                  <a:srgbClr val="000000"/>
+                </a:solidFill>
+                <a:latin typeface="Cascadia Mono" panose="020B0609020000020004" pitchFamily="49" charset="0"/>
+              </a:rPr>
+              <a:t>                Expression&lt;</a:t>
+            </a:r>
+            <a:r>
+              <a:rPr lang="en-US" sz="2800" dirty="0" err="1">
+                <a:solidFill>
+                  <a:srgbClr val="000000"/>
+                </a:solidFill>
+                <a:latin typeface="Cascadia Mono" panose="020B0609020000020004" pitchFamily="49" charset="0"/>
+              </a:rPr>
+              <a:t>Func</a:t>
+            </a:r>
+            <a:r>
+              <a:rPr lang="en-US" sz="2800" dirty="0">
+                <a:solidFill>
+                  <a:srgbClr val="000000"/>
+                </a:solidFill>
+                <a:latin typeface="Cascadia Mono" panose="020B0609020000020004" pitchFamily="49" charset="0"/>
+              </a:rPr>
+              <a:t>&lt;</a:t>
+            </a:r>
+            <a:r>
+              <a:rPr lang="en-US" sz="2800" dirty="0">
+                <a:solidFill>
+                  <a:srgbClr val="0000FF"/>
+                </a:solidFill>
+                <a:latin typeface="Cascadia Mono" panose="020B0609020000020004" pitchFamily="49" charset="0"/>
+              </a:rPr>
+              <a:t>object</a:t>
+            </a:r>
+            <a:r>
+              <a:rPr lang="en-US" sz="2800" dirty="0">
+                <a:solidFill>
+                  <a:srgbClr val="000000"/>
+                </a:solidFill>
+                <a:latin typeface="Cascadia Mono" panose="020B0609020000020004" pitchFamily="49" charset="0"/>
+              </a:rPr>
+              <a:t>?, </a:t>
+            </a:r>
+            <a:r>
+              <a:rPr lang="en-US" sz="2800" dirty="0">
+                <a:solidFill>
+                  <a:srgbClr val="0000FF"/>
+                </a:solidFill>
+                <a:latin typeface="Cascadia Mono" panose="020B0609020000020004" pitchFamily="49" charset="0"/>
+              </a:rPr>
+              <a:t>bool</a:t>
+            </a:r>
+            <a:r>
+              <a:rPr lang="en-US" sz="2800" dirty="0">
+                <a:solidFill>
+                  <a:srgbClr val="000000"/>
+                </a:solidFill>
+                <a:latin typeface="Cascadia Mono" panose="020B0609020000020004" pitchFamily="49" charset="0"/>
+              </a:rPr>
+              <a:t>&gt;&gt; donor = x =&gt; x == </a:t>
+            </a:r>
+            <a:r>
+              <a:rPr lang="en-US" sz="2800" dirty="0">
+                <a:solidFill>
+                  <a:srgbClr val="0000FF"/>
+                </a:solidFill>
+                <a:latin typeface="Cascadia Mono" panose="020B0609020000020004" pitchFamily="49" charset="0"/>
+              </a:rPr>
+              <a:t>null</a:t>
+            </a:r>
+            <a:r>
+              <a:rPr lang="en-US" sz="2800" dirty="0">
+                <a:solidFill>
+                  <a:srgbClr val="000000"/>
+                </a:solidFill>
+                <a:latin typeface="Cascadia Mono" panose="020B0609020000020004" pitchFamily="49" charset="0"/>
+              </a:rPr>
+              <a:t>;</a:t>
+            </a:r>
+          </a:p>
+          <a:p>
+            <a:r>
+              <a:rPr lang="en-US" sz="2800" dirty="0">
+                <a:solidFill>
+                  <a:srgbClr val="000000"/>
+                </a:solidFill>
+                <a:latin typeface="Cascadia Mono" panose="020B0609020000020004" pitchFamily="49" charset="0"/>
+              </a:rPr>
+              <a:t>                </a:t>
+            </a:r>
+            <a:r>
+              <a:rPr lang="en-US" sz="2800" dirty="0">
+                <a:solidFill>
+                  <a:srgbClr val="0000FF"/>
+                </a:solidFill>
+                <a:latin typeface="Cascadia Mono" panose="020B0609020000020004" pitchFamily="49" charset="0"/>
+              </a:rPr>
+              <a:t>var</a:t>
+            </a:r>
+            <a:r>
+              <a:rPr lang="en-US" sz="2800" dirty="0">
+                <a:solidFill>
+                  <a:srgbClr val="000000"/>
+                </a:solidFill>
+                <a:latin typeface="Cascadia Mono" panose="020B0609020000020004" pitchFamily="49" charset="0"/>
+              </a:rPr>
+              <a:t> right = (</a:t>
+            </a:r>
+            <a:r>
+              <a:rPr lang="en-US" sz="2800" dirty="0" err="1">
+                <a:solidFill>
+                  <a:srgbClr val="000000"/>
+                </a:solidFill>
+                <a:latin typeface="Cascadia Mono" panose="020B0609020000020004" pitchFamily="49" charset="0"/>
+              </a:rPr>
+              <a:t>BinaryExpression</a:t>
+            </a:r>
+            <a:r>
+              <a:rPr lang="en-US" sz="2800" dirty="0">
+                <a:solidFill>
+                  <a:srgbClr val="000000"/>
+                </a:solidFill>
+                <a:latin typeface="Cascadia Mono" panose="020B0609020000020004" pitchFamily="49" charset="0"/>
+              </a:rPr>
+              <a:t>)</a:t>
+            </a:r>
+            <a:r>
+              <a:rPr lang="en-US" sz="2800" dirty="0" err="1">
+                <a:solidFill>
+                  <a:srgbClr val="000000"/>
+                </a:solidFill>
+                <a:latin typeface="Cascadia Mono" panose="020B0609020000020004" pitchFamily="49" charset="0"/>
+              </a:rPr>
+              <a:t>donor.Body.Replace</a:t>
+            </a:r>
+            <a:r>
+              <a:rPr lang="en-US" sz="2800" dirty="0">
+                <a:solidFill>
+                  <a:srgbClr val="000000"/>
+                </a:solidFill>
+                <a:latin typeface="Cascadia Mono" panose="020B0609020000020004" pitchFamily="49" charset="0"/>
+              </a:rPr>
+              <a:t>(</a:t>
+            </a:r>
+            <a:r>
+              <a:rPr lang="en-US" sz="2800" dirty="0" err="1">
+                <a:solidFill>
+                  <a:srgbClr val="000000"/>
+                </a:solidFill>
+                <a:latin typeface="Cascadia Mono" panose="020B0609020000020004" pitchFamily="49" charset="0"/>
+              </a:rPr>
+              <a:t>donor.Parameters</a:t>
+            </a:r>
+            <a:r>
+              <a:rPr lang="en-US" sz="2800" dirty="0">
+                <a:solidFill>
+                  <a:srgbClr val="000000"/>
+                </a:solidFill>
+                <a:latin typeface="Cascadia Mono" panose="020B0609020000020004" pitchFamily="49" charset="0"/>
+              </a:rPr>
+              <a:t>[0], Visit(expression)!);</a:t>
+            </a:r>
+          </a:p>
+          <a:p>
+            <a:endParaRPr lang="en-US" sz="2800" dirty="0">
+              <a:solidFill>
+                <a:srgbClr val="000000"/>
+              </a:solidFill>
+              <a:latin typeface="Cascadia Mono" panose="020B0609020000020004" pitchFamily="49" charset="0"/>
+            </a:endParaRPr>
+          </a:p>
+          <a:p>
+            <a:r>
+              <a:rPr lang="en-US" sz="2800" dirty="0">
+                <a:solidFill>
+                  <a:srgbClr val="000000"/>
+                </a:solidFill>
+                <a:latin typeface="Cascadia Mono" panose="020B0609020000020004" pitchFamily="49" charset="0"/>
+              </a:rPr>
+              <a:t>                result = result </a:t>
+            </a:r>
+            <a:r>
+              <a:rPr lang="en-US" sz="2800" dirty="0">
+                <a:solidFill>
+                  <a:srgbClr val="0000FF"/>
+                </a:solidFill>
+                <a:latin typeface="Cascadia Mono" panose="020B0609020000020004" pitchFamily="49" charset="0"/>
+              </a:rPr>
+              <a:t>is</a:t>
+            </a:r>
+            <a:r>
+              <a:rPr lang="en-US" sz="2800" dirty="0">
+                <a:solidFill>
+                  <a:srgbClr val="000000"/>
+                </a:solidFill>
+                <a:latin typeface="Cascadia Mono" panose="020B0609020000020004" pitchFamily="49" charset="0"/>
+              </a:rPr>
+              <a:t> { } left</a:t>
+            </a:r>
+          </a:p>
+          <a:p>
+            <a:r>
+              <a:rPr lang="en-US" sz="2800" dirty="0">
+                <a:solidFill>
+                  <a:srgbClr val="000000"/>
+                </a:solidFill>
+                <a:latin typeface="Cascadia Mono" panose="020B0609020000020004" pitchFamily="49" charset="0"/>
+              </a:rPr>
+              <a:t>                    ? </a:t>
+            </a:r>
+            <a:r>
+              <a:rPr lang="en-US" sz="2800" dirty="0" err="1">
+                <a:solidFill>
+                  <a:srgbClr val="000000"/>
+                </a:solidFill>
+                <a:latin typeface="Cascadia Mono" panose="020B0609020000020004" pitchFamily="49" charset="0"/>
+              </a:rPr>
+              <a:t>Expression.OrElse</a:t>
+            </a:r>
+            <a:r>
+              <a:rPr lang="en-US" sz="2800" dirty="0">
+                <a:solidFill>
+                  <a:srgbClr val="000000"/>
+                </a:solidFill>
+                <a:latin typeface="Cascadia Mono" panose="020B0609020000020004" pitchFamily="49" charset="0"/>
+              </a:rPr>
+              <a:t>(left, right)</a:t>
+            </a:r>
+          </a:p>
+          <a:p>
+            <a:r>
+              <a:rPr lang="en-US" sz="2800" dirty="0">
+                <a:solidFill>
+                  <a:srgbClr val="000000"/>
+                </a:solidFill>
+                <a:latin typeface="Cascadia Mono" panose="020B0609020000020004" pitchFamily="49" charset="0"/>
+              </a:rPr>
+              <a:t>                    : right;</a:t>
+            </a:r>
+          </a:p>
+          <a:p>
+            <a:r>
+              <a:rPr lang="en-US" sz="2800" dirty="0">
+                <a:solidFill>
+                  <a:srgbClr val="000000"/>
+                </a:solidFill>
+                <a:latin typeface="Cascadia Mono" panose="020B0609020000020004" pitchFamily="49" charset="0"/>
+              </a:rPr>
+              <a:t>            }</a:t>
+            </a:r>
+          </a:p>
+          <a:p>
+            <a:endParaRPr lang="en-US" sz="2800" dirty="0">
+              <a:solidFill>
+                <a:srgbClr val="000000"/>
+              </a:solidFill>
+              <a:latin typeface="Cascadia Mono" panose="020B0609020000020004" pitchFamily="49" charset="0"/>
+            </a:endParaRPr>
+          </a:p>
+          <a:p>
+            <a:r>
+              <a:rPr lang="en-US" sz="2800" dirty="0">
+                <a:solidFill>
+                  <a:srgbClr val="000000"/>
+                </a:solidFill>
+                <a:latin typeface="Cascadia Mono" panose="020B0609020000020004" pitchFamily="49" charset="0"/>
+              </a:rPr>
+              <a:t>            </a:t>
+            </a:r>
+            <a:r>
+              <a:rPr lang="en-US" sz="2800" dirty="0">
+                <a:solidFill>
+                  <a:srgbClr val="0000FF"/>
+                </a:solidFill>
+                <a:latin typeface="Cascadia Mono" panose="020B0609020000020004" pitchFamily="49" charset="0"/>
+              </a:rPr>
+              <a:t>return</a:t>
+            </a:r>
+            <a:r>
+              <a:rPr lang="en-US" sz="2800" dirty="0">
+                <a:solidFill>
+                  <a:srgbClr val="000000"/>
+                </a:solidFill>
+                <a:latin typeface="Cascadia Mono" panose="020B0609020000020004" pitchFamily="49" charset="0"/>
+              </a:rPr>
+              <a:t> result!;</a:t>
+            </a:r>
+          </a:p>
+          <a:p>
+            <a:r>
+              <a:rPr lang="en-US" sz="2800" dirty="0">
+                <a:solidFill>
+                  <a:srgbClr val="000000"/>
+                </a:solidFill>
+                <a:latin typeface="Cascadia Mono" panose="020B0609020000020004" pitchFamily="49" charset="0"/>
+              </a:rPr>
+              <a:t>        }        </a:t>
+            </a:r>
+            <a:endParaRPr lang="en-US" dirty="0"/>
+          </a:p>
+        </p:txBody>
+      </p:sp>
+    </p:spTree>
+    <p:extLst>
+      <p:ext uri="{BB962C8B-B14F-4D97-AF65-F5344CB8AC3E}">
+        <p14:creationId xmlns:p14="http://schemas.microsoft.com/office/powerpoint/2010/main" val="1569027459"/>
+      </p:ext>
+    </p:extLst>
+  </p:cSld>
+  <p:clrMapOvr>
+    <a:masterClrMapping/>
+  </p:clrMapOvr>
+</p:sld>
+</file>
+
+<file path=ppt/slides/slide26.xml><?xml version="1.0" encoding="utf-8"?>
+<p:sld xmlns:a="http://schemas.openxmlformats.org/drawingml/2006/main" xmlns:r="http://schemas.openxmlformats.org/officeDocument/2006/relationships" xmlns:p="http://schemas.openxmlformats.org/presentationml/2006/main">
+  <p:cSld>
+    <p:spTree>
+      <p:nvGrpSpPr>
+        <p:cNvPr id="1" name=""/>
+        <p:cNvGrpSpPr/>
+        <p:nvPr/>
+      </p:nvGrpSpPr>
+      <p:grpSpPr>
+        <a:xfrm>
+          <a:off x="0" y="0"/>
+          <a:ext cx="0" cy="0"/>
+          <a:chOff x="0" y="0"/>
+          <a:chExt cx="0" cy="0"/>
+        </a:xfrm>
+      </p:grpSpPr>
+      <p:sp>
+        <p:nvSpPr>
+          <p:cNvPr id="2" name="Title 1">
+            <a:extLst>
+              <a:ext uri="{FF2B5EF4-FFF2-40B4-BE49-F238E27FC236}">
+                <a16:creationId xmlns:a16="http://schemas.microsoft.com/office/drawing/2014/main" id="{34E9B430-999F-F139-4E2A-51ED9D0F8936}"/>
+              </a:ext>
+            </a:extLst>
+          </p:cNvPr>
+          <p:cNvSpPr>
+            <a:spLocks noGrp="1"/>
+          </p:cNvSpPr>
+          <p:nvPr>
+            <p:ph type="title"/>
+          </p:nvPr>
+        </p:nvSpPr>
+        <p:spPr/>
+        <p:txBody>
+          <a:bodyPr/>
+          <a:lstStyle/>
+          <a:p>
+            <a:r>
+              <a:rPr lang="ru-RU" dirty="0" err="1"/>
+              <a:t>кастомных</a:t>
+            </a:r>
+            <a:r>
+              <a:rPr lang="ru-RU" dirty="0"/>
+              <a:t> выражений в EF</a:t>
+            </a:r>
+            <a:endParaRPr lang="en-US" dirty="0"/>
+          </a:p>
+        </p:txBody>
+      </p:sp>
+      <p:sp>
+        <p:nvSpPr>
+          <p:cNvPr id="3" name="Content Placeholder 2">
+            <a:extLst>
+              <a:ext uri="{FF2B5EF4-FFF2-40B4-BE49-F238E27FC236}">
+                <a16:creationId xmlns:a16="http://schemas.microsoft.com/office/drawing/2014/main" id="{36C32F77-8F45-35CC-C7E6-FE215842CF50}"/>
+              </a:ext>
+            </a:extLst>
+          </p:cNvPr>
+          <p:cNvSpPr>
+            <a:spLocks noGrp="1"/>
+          </p:cNvSpPr>
+          <p:nvPr>
+            <p:ph idx="1"/>
+          </p:nvPr>
+        </p:nvSpPr>
+        <p:spPr/>
+        <p:txBody>
+          <a:bodyPr>
+            <a:normAutofit lnSpcReduction="10000"/>
+          </a:bodyPr>
+          <a:lstStyle/>
+          <a:p>
+            <a:pPr marL="0" indent="0">
+              <a:buNone/>
+            </a:pPr>
+            <a:r>
+              <a:rPr lang="en-US" dirty="0"/>
+              <a:t>if (</a:t>
+            </a:r>
+            <a:r>
+              <a:rPr lang="en-US" dirty="0" err="1"/>
+              <a:t>node.Method</a:t>
+            </a:r>
+            <a:r>
+              <a:rPr lang="en-US" dirty="0"/>
+              <a:t> == Eq)</a:t>
+            </a:r>
+          </a:p>
+          <a:p>
+            <a:pPr marL="0" indent="0">
+              <a:buNone/>
+            </a:pPr>
+            <a:r>
+              <a:rPr lang="en-US" dirty="0"/>
+              <a:t>{</a:t>
+            </a:r>
+          </a:p>
+          <a:p>
+            <a:pPr marL="0" indent="0">
+              <a:buNone/>
+            </a:pPr>
+            <a:r>
+              <a:rPr lang="en-US" dirty="0"/>
+              <a:t>            Expression&lt;</a:t>
+            </a:r>
+            <a:r>
+              <a:rPr lang="en-US" dirty="0" err="1"/>
+              <a:t>Func</a:t>
+            </a:r>
+            <a:r>
+              <a:rPr lang="en-US" dirty="0"/>
+              <a:t>&lt;object?, object?, bool&gt;&gt; e = (x1, x2) =&gt; x1 != null &amp;&amp; x2 != null &amp;&amp; x1 == x2;</a:t>
+            </a:r>
+          </a:p>
+          <a:p>
+            <a:endParaRPr lang="en-US" dirty="0"/>
+          </a:p>
+          <a:p>
+            <a:pPr marL="0" indent="0">
+              <a:buNone/>
+            </a:pPr>
+            <a:r>
+              <a:rPr lang="en-US" dirty="0"/>
+              <a:t>            return </a:t>
+            </a:r>
+            <a:r>
+              <a:rPr lang="en-US" dirty="0" err="1"/>
+              <a:t>e.Body</a:t>
+            </a:r>
+            <a:endParaRPr lang="en-US" dirty="0"/>
+          </a:p>
+          <a:p>
+            <a:pPr marL="0" indent="0">
+              <a:buNone/>
+            </a:pPr>
+            <a:r>
+              <a:rPr lang="en-US" dirty="0"/>
+              <a:t>                .Replace(</a:t>
+            </a:r>
+            <a:r>
+              <a:rPr lang="en-US" dirty="0" err="1"/>
+              <a:t>e.Parameters</a:t>
+            </a:r>
+            <a:r>
+              <a:rPr lang="en-US" dirty="0"/>
+              <a:t>[0], Visit(</a:t>
+            </a:r>
+            <a:r>
+              <a:rPr lang="en-US" dirty="0" err="1"/>
+              <a:t>node.Arguments</a:t>
+            </a:r>
+            <a:r>
+              <a:rPr lang="en-US" dirty="0"/>
+              <a:t>[0])!)</a:t>
+            </a:r>
+          </a:p>
+          <a:p>
+            <a:pPr marL="0" indent="0">
+              <a:buNone/>
+            </a:pPr>
+            <a:r>
+              <a:rPr lang="en-US" dirty="0"/>
+              <a:t>                .Replace(</a:t>
+            </a:r>
+            <a:r>
+              <a:rPr lang="en-US" dirty="0" err="1"/>
+              <a:t>e.Parameters</a:t>
+            </a:r>
+            <a:r>
+              <a:rPr lang="en-US" dirty="0"/>
+              <a:t>[1], Visit(</a:t>
+            </a:r>
+            <a:r>
+              <a:rPr lang="en-US" dirty="0" err="1"/>
+              <a:t>node.Arguments</a:t>
+            </a:r>
+            <a:r>
+              <a:rPr lang="en-US" dirty="0"/>
+              <a:t>[1])!);</a:t>
+            </a:r>
+          </a:p>
+          <a:p>
+            <a:pPr marL="0" indent="0">
+              <a:buNone/>
+            </a:pPr>
+            <a:r>
+              <a:rPr lang="en-US" dirty="0"/>
+              <a:t>}</a:t>
+            </a:r>
+          </a:p>
+          <a:p>
+            <a:endParaRPr lang="en-US" dirty="0"/>
+          </a:p>
+          <a:p>
+            <a:endParaRPr lang="en-US" dirty="0"/>
+          </a:p>
+        </p:txBody>
+      </p:sp>
+    </p:spTree>
+    <p:extLst>
+      <p:ext uri="{BB962C8B-B14F-4D97-AF65-F5344CB8AC3E}">
+        <p14:creationId xmlns:p14="http://schemas.microsoft.com/office/powerpoint/2010/main" val="2754855239"/>
+      </p:ext>
+    </p:extLst>
+  </p:cSld>
+  <p:clrMapOvr>
+    <a:masterClrMapping/>
+  </p:clrMapOvr>
+</p:sld>
+</file>
+
+<file path=ppt/slides/slide27.xml><?xml version="1.0" encoding="utf-8"?>
 <p:sld xmlns:a="http://schemas.openxmlformats.org/drawingml/2006/main" xmlns:r="http://schemas.openxmlformats.org/officeDocument/2006/relationships" xmlns:p="http://schemas.openxmlformats.org/presentationml/2006/main">
   <p:cSld>
     <p:spTree>
@@ -6905,10 +9256,144 @@
         </p:nvSpPr>
         <p:spPr/>
         <p:txBody>
-          <a:bodyPr/>
+          <a:bodyPr>
+            <a:normAutofit/>
+          </a:bodyPr>
           <a:lstStyle/>
           <a:p>
-            <a:endParaRPr lang="en-US"/>
+            <a:r>
+              <a:rPr lang="en-US" sz="1800" dirty="0" err="1">
+                <a:solidFill>
+                  <a:srgbClr val="000000"/>
+                </a:solidFill>
+                <a:latin typeface="Cascadia Mono" panose="020B0609020000020004" pitchFamily="49" charset="0"/>
+              </a:rPr>
+              <a:t>AssemblyLoadContext</a:t>
+            </a:r>
+            <a:r>
+              <a:rPr lang="en-US" sz="1800" dirty="0">
+                <a:solidFill>
+                  <a:srgbClr val="000000"/>
+                </a:solidFill>
+                <a:latin typeface="Cascadia Mono" panose="020B0609020000020004" pitchFamily="49" charset="0"/>
+              </a:rPr>
+              <a:t> _</a:t>
+            </a:r>
+            <a:r>
+              <a:rPr lang="en-US" sz="1800" dirty="0" err="1">
+                <a:solidFill>
+                  <a:srgbClr val="000000"/>
+                </a:solidFill>
+                <a:latin typeface="Cascadia Mono" panose="020B0609020000020004" pitchFamily="49" charset="0"/>
+              </a:rPr>
+              <a:t>assemblyLoadContext</a:t>
+            </a:r>
+            <a:r>
+              <a:rPr lang="en-US" sz="1800" dirty="0">
+                <a:solidFill>
+                  <a:srgbClr val="000000"/>
+                </a:solidFill>
+                <a:latin typeface="Cascadia Mono" panose="020B0609020000020004" pitchFamily="49" charset="0"/>
+              </a:rPr>
+              <a:t>;</a:t>
+            </a:r>
+          </a:p>
+          <a:p>
+            <a:r>
+              <a:rPr lang="en-US" sz="1800" dirty="0">
+                <a:solidFill>
+                  <a:srgbClr val="0000FF"/>
+                </a:solidFill>
+                <a:latin typeface="Cascadia Mono" panose="020B0609020000020004" pitchFamily="49" charset="0"/>
+              </a:rPr>
+              <a:t>var</a:t>
+            </a:r>
+            <a:r>
+              <a:rPr lang="en-US" sz="1800" dirty="0">
+                <a:solidFill>
+                  <a:srgbClr val="000000"/>
+                </a:solidFill>
+                <a:latin typeface="Cascadia Mono" panose="020B0609020000020004" pitchFamily="49" charset="0"/>
+              </a:rPr>
+              <a:t> assembly = _</a:t>
+            </a:r>
+            <a:r>
+              <a:rPr lang="en-US" sz="1800" dirty="0" err="1">
+                <a:solidFill>
+                  <a:srgbClr val="000000"/>
+                </a:solidFill>
+                <a:latin typeface="Cascadia Mono" panose="020B0609020000020004" pitchFamily="49" charset="0"/>
+              </a:rPr>
+              <a:t>assemblyLoadContext.LoadFromStream</a:t>
+            </a:r>
+            <a:r>
+              <a:rPr lang="en-US" sz="1800" dirty="0">
+                <a:solidFill>
+                  <a:srgbClr val="000000"/>
+                </a:solidFill>
+                <a:latin typeface="Cascadia Mono" panose="020B0609020000020004" pitchFamily="49" charset="0"/>
+              </a:rPr>
+              <a:t>(</a:t>
+            </a:r>
+            <a:r>
+              <a:rPr lang="en-US" sz="1800" dirty="0" err="1">
+                <a:solidFill>
+                  <a:srgbClr val="000000"/>
+                </a:solidFill>
+                <a:latin typeface="Cascadia Mono" panose="020B0609020000020004" pitchFamily="49" charset="0"/>
+              </a:rPr>
+              <a:t>ms</a:t>
+            </a:r>
+            <a:r>
+              <a:rPr lang="en-US" sz="1800" dirty="0">
+                <a:solidFill>
+                  <a:srgbClr val="000000"/>
+                </a:solidFill>
+                <a:latin typeface="Cascadia Mono" panose="020B0609020000020004" pitchFamily="49" charset="0"/>
+              </a:rPr>
+              <a:t>);</a:t>
+            </a:r>
+          </a:p>
+          <a:p>
+            <a:r>
+              <a:rPr lang="en-US" sz="1800" dirty="0">
+                <a:solidFill>
+                  <a:srgbClr val="000000"/>
+                </a:solidFill>
+                <a:latin typeface="Cascadia Mono" panose="020B0609020000020004" pitchFamily="49" charset="0"/>
+              </a:rPr>
+              <a:t>…</a:t>
+            </a:r>
+          </a:p>
+          <a:p>
+            <a:r>
+              <a:rPr lang="en-US" sz="1800" dirty="0">
+                <a:solidFill>
+                  <a:srgbClr val="000000"/>
+                </a:solidFill>
+                <a:latin typeface="Cascadia Mono" panose="020B0609020000020004" pitchFamily="49" charset="0"/>
+              </a:rPr>
+              <a:t>_</a:t>
+            </a:r>
+            <a:r>
+              <a:rPr lang="en-US" sz="1800" dirty="0" err="1">
+                <a:solidFill>
+                  <a:srgbClr val="000000"/>
+                </a:solidFill>
+                <a:latin typeface="Cascadia Mono" panose="020B0609020000020004" pitchFamily="49" charset="0"/>
+              </a:rPr>
+              <a:t>assemblyLoadContext.Unload</a:t>
+            </a:r>
+            <a:r>
+              <a:rPr lang="en-US" sz="1800" dirty="0">
+                <a:solidFill>
+                  <a:srgbClr val="000000"/>
+                </a:solidFill>
+                <a:latin typeface="Cascadia Mono" panose="020B0609020000020004" pitchFamily="49" charset="0"/>
+              </a:rPr>
+              <a:t>();</a:t>
+            </a:r>
+            <a:endParaRPr lang="en-US" dirty="0"/>
           </a:p>
         </p:txBody>
       </p:sp>
@@ -6925,7 +9410,7 @@
 </p:sld>
 </file>
 
-<file path=ppt/slides/slide25.xml><?xml version="1.0" encoding="utf-8"?>
+<file path=ppt/slides/slide28.xml><?xml version="1.0" encoding="utf-8"?>
 <p:sld xmlns:a="http://schemas.openxmlformats.org/drawingml/2006/main" xmlns:r="http://schemas.openxmlformats.org/officeDocument/2006/relationships" xmlns:p="http://schemas.openxmlformats.org/presentationml/2006/main">
   <p:cSld>
     <p:spTree>
@@ -7021,7 +9506,7 @@
 </p:sld>
 </file>
 
-<file path=ppt/slides/slide26.xml><?xml version="1.0" encoding="utf-8"?>
+<file path=ppt/slides/slide29.xml><?xml version="1.0" encoding="utf-8"?>
 <p:sld xmlns:a="http://schemas.openxmlformats.org/drawingml/2006/main" xmlns:r="http://schemas.openxmlformats.org/officeDocument/2006/relationships" xmlns:p="http://schemas.openxmlformats.org/presentationml/2006/main">
   <p:cSld>
     <p:spTree>
@@ -7108,582 +9593,6 @@
     <p:extLst>
       <p:ext uri="{BB962C8B-B14F-4D97-AF65-F5344CB8AC3E}">
         <p14:creationId xmlns:p14="http://schemas.microsoft.com/office/powerpoint/2010/main" val="2353125690"/>
-      </p:ext>
-    </p:extLst>
-  </p:cSld>
-  <p:clrMapOvr>
-    <a:masterClrMapping/>
-  </p:clrMapOvr>
-</p:sld>
-</file>
-
-<file path=ppt/slides/slide27.xml><?xml version="1.0" encoding="utf-8"?>
-<p:sld xmlns:a="http://schemas.openxmlformats.org/drawingml/2006/main" xmlns:r="http://schemas.openxmlformats.org/officeDocument/2006/relationships" xmlns:p="http://schemas.openxmlformats.org/presentationml/2006/main">
-  <p:cSld>
-    <p:spTree>
-      <p:nvGrpSpPr>
-        <p:cNvPr id="1" name=""/>
-        <p:cNvGrpSpPr/>
-        <p:nvPr/>
-      </p:nvGrpSpPr>
-      <p:grpSpPr>
-        <a:xfrm>
-          <a:off x="0" y="0"/>
-          <a:ext cx="0" cy="0"/>
-          <a:chOff x="0" y="0"/>
-          <a:chExt cx="0" cy="0"/>
-        </a:xfrm>
-      </p:grpSpPr>
-      <p:sp>
-        <p:nvSpPr>
-          <p:cNvPr id="2" name="Title 1">
-            <a:extLst>
-              <a:ext uri="{FF2B5EF4-FFF2-40B4-BE49-F238E27FC236}">
-                <a16:creationId xmlns:a16="http://schemas.microsoft.com/office/drawing/2014/main" id="{2E6BF028-B6DA-EE01-2F67-001CB33585BE}"/>
-              </a:ext>
-            </a:extLst>
-          </p:cNvPr>
-          <p:cNvSpPr>
-            <a:spLocks noGrp="1"/>
-          </p:cNvSpPr>
-          <p:nvPr>
-            <p:ph type="title"/>
-          </p:nvPr>
-        </p:nvSpPr>
-        <p:spPr/>
-        <p:txBody>
-          <a:bodyPr/>
-          <a:lstStyle/>
-          <a:p>
-            <a:endParaRPr lang="en-US"/>
-          </a:p>
-        </p:txBody>
-      </p:sp>
-      <p:sp>
-        <p:nvSpPr>
-          <p:cNvPr id="3" name="Content Placeholder 2">
-            <a:extLst>
-              <a:ext uri="{FF2B5EF4-FFF2-40B4-BE49-F238E27FC236}">
-                <a16:creationId xmlns:a16="http://schemas.microsoft.com/office/drawing/2014/main" id="{F5480172-3704-781A-10D6-A9745B8E7C7C}"/>
-              </a:ext>
-            </a:extLst>
-          </p:cNvPr>
-          <p:cNvSpPr>
-            <a:spLocks noGrp="1"/>
-          </p:cNvSpPr>
-          <p:nvPr>
-            <p:ph idx="1"/>
-          </p:nvPr>
-        </p:nvSpPr>
-        <p:spPr/>
-        <p:txBody>
-          <a:bodyPr/>
-          <a:lstStyle/>
-          <a:p>
-            <a:endParaRPr lang="en-US"/>
-          </a:p>
-        </p:txBody>
-      </p:sp>
-    </p:spTree>
-    <p:extLst>
-      <p:ext uri="{BB962C8B-B14F-4D97-AF65-F5344CB8AC3E}">
-        <p14:creationId xmlns:p14="http://schemas.microsoft.com/office/powerpoint/2010/main" val="3753576653"/>
-      </p:ext>
-    </p:extLst>
-  </p:cSld>
-  <p:clrMapOvr>
-    <a:masterClrMapping/>
-  </p:clrMapOvr>
-</p:sld>
-</file>
-
-<file path=ppt/slides/slide28.xml><?xml version="1.0" encoding="utf-8"?>
-<p:sld xmlns:a="http://schemas.openxmlformats.org/drawingml/2006/main" xmlns:r="http://schemas.openxmlformats.org/officeDocument/2006/relationships" xmlns:p="http://schemas.openxmlformats.org/presentationml/2006/main">
-  <p:cSld>
-    <p:spTree>
-      <p:nvGrpSpPr>
-        <p:cNvPr id="1" name=""/>
-        <p:cNvGrpSpPr/>
-        <p:nvPr/>
-      </p:nvGrpSpPr>
-      <p:grpSpPr>
-        <a:xfrm>
-          <a:off x="0" y="0"/>
-          <a:ext cx="0" cy="0"/>
-          <a:chOff x="0" y="0"/>
-          <a:chExt cx="0" cy="0"/>
-        </a:xfrm>
-      </p:grpSpPr>
-      <p:sp>
-        <p:nvSpPr>
-          <p:cNvPr id="2" name="Title 1">
-            <a:extLst>
-              <a:ext uri="{FF2B5EF4-FFF2-40B4-BE49-F238E27FC236}">
-                <a16:creationId xmlns:a16="http://schemas.microsoft.com/office/drawing/2014/main" id="{0970D969-2523-B2E6-D341-50DD324EBABD}"/>
-              </a:ext>
-            </a:extLst>
-          </p:cNvPr>
-          <p:cNvSpPr>
-            <a:spLocks noGrp="1"/>
-          </p:cNvSpPr>
-          <p:nvPr>
-            <p:ph type="title"/>
-          </p:nvPr>
-        </p:nvSpPr>
-        <p:spPr/>
-        <p:txBody>
-          <a:bodyPr/>
-          <a:lstStyle/>
-          <a:p>
-            <a:r>
-              <a:rPr lang="ru-RU" dirty="0"/>
-              <a:t>Утечки</a:t>
-            </a:r>
-            <a:endParaRPr lang="en-US" dirty="0"/>
-          </a:p>
-        </p:txBody>
-      </p:sp>
-      <p:sp>
-        <p:nvSpPr>
-          <p:cNvPr id="3" name="Content Placeholder 2">
-            <a:extLst>
-              <a:ext uri="{FF2B5EF4-FFF2-40B4-BE49-F238E27FC236}">
-                <a16:creationId xmlns:a16="http://schemas.microsoft.com/office/drawing/2014/main" id="{30562315-8C83-81F7-6600-53DA8090F434}"/>
-              </a:ext>
-            </a:extLst>
-          </p:cNvPr>
-          <p:cNvSpPr>
-            <a:spLocks noGrp="1"/>
-          </p:cNvSpPr>
-          <p:nvPr>
-            <p:ph idx="1"/>
-          </p:nvPr>
-        </p:nvSpPr>
-        <p:spPr/>
-        <p:txBody>
-          <a:bodyPr>
-            <a:normAutofit fontScale="85000" lnSpcReduction="20000"/>
-          </a:bodyPr>
-          <a:lstStyle/>
-          <a:p>
-            <a:r>
-              <a:rPr lang="ru-RU" dirty="0"/>
-              <a:t>При генерации </a:t>
-            </a:r>
-            <a:r>
-              <a:rPr lang="en-US" dirty="0"/>
-              <a:t>expression </a:t>
-            </a:r>
-            <a:r>
-              <a:rPr lang="ru-RU" dirty="0"/>
-              <a:t>возможно получить утечки в самом неожиданном месте. Например, по результатам</a:t>
-            </a:r>
-          </a:p>
-          <a:p>
-            <a:r>
-              <a:rPr lang="en-US" dirty="0"/>
-              <a:t>var options = </a:t>
-            </a:r>
-            <a:r>
-              <a:rPr lang="en-US" dirty="0" err="1"/>
-              <a:t>ScriptOptions.Default</a:t>
-            </a:r>
-            <a:endParaRPr lang="en-US" dirty="0"/>
-          </a:p>
-          <a:p>
-            <a:r>
-              <a:rPr lang="en-US" dirty="0"/>
-              <a:t>             .</a:t>
-            </a:r>
-            <a:r>
-              <a:rPr lang="en-US" dirty="0" err="1"/>
-              <a:t>WithReferences</a:t>
-            </a:r>
-            <a:r>
-              <a:rPr lang="en-US" dirty="0"/>
-              <a:t>(</a:t>
-            </a:r>
-            <a:r>
-              <a:rPr lang="en-US" dirty="0" err="1"/>
-              <a:t>GetType</a:t>
-            </a:r>
-            <a:r>
-              <a:rPr lang="en-US" dirty="0"/>
-              <a:t>().Assembly)</a:t>
-            </a:r>
-          </a:p>
-          <a:p>
-            <a:r>
-              <a:rPr lang="en-US" dirty="0"/>
-              <a:t>             .</a:t>
-            </a:r>
-            <a:r>
-              <a:rPr lang="en-US" dirty="0" err="1"/>
-              <a:t>WithImports</a:t>
-            </a:r>
-            <a:r>
-              <a:rPr lang="en-US" dirty="0"/>
-              <a:t>(</a:t>
-            </a:r>
-          </a:p>
-          <a:p>
-            <a:r>
-              <a:rPr lang="en-US" dirty="0"/>
-              <a:t>                 "System",</a:t>
-            </a:r>
-          </a:p>
-          <a:p>
-            <a:r>
-              <a:rPr lang="en-US" dirty="0"/>
-              <a:t>                 "</a:t>
-            </a:r>
-            <a:r>
-              <a:rPr lang="en-US" dirty="0" err="1"/>
-              <a:t>System.Linq</a:t>
-            </a:r>
-            <a:r>
-              <a:rPr lang="en-US" dirty="0"/>
-              <a:t>",</a:t>
-            </a:r>
-          </a:p>
-          <a:p>
-            <a:r>
-              <a:rPr lang="en-US" dirty="0"/>
-              <a:t>                 "</a:t>
-            </a:r>
-            <a:r>
-              <a:rPr lang="en-US" dirty="0" err="1"/>
-              <a:t>System.Linq.Expressions</a:t>
-            </a:r>
-            <a:r>
-              <a:rPr lang="en-US" dirty="0"/>
-              <a:t>",</a:t>
-            </a:r>
-          </a:p>
-          <a:p>
-            <a:r>
-              <a:rPr lang="en-US" dirty="0"/>
-              <a:t>                 "</a:t>
-            </a:r>
-            <a:r>
-              <a:rPr lang="en-US" dirty="0" err="1"/>
-              <a:t>ASE.MD.UnifiedSchedule.QueryingCore</a:t>
-            </a:r>
-            <a:r>
-              <a:rPr lang="en-US" dirty="0"/>
-              <a:t>",</a:t>
-            </a:r>
-          </a:p>
-          <a:p>
-            <a:r>
-              <a:rPr lang="en-US" dirty="0"/>
-              <a:t>                 "ASE.MD.UnifiedSchedule.QueryingCore.Core.CustomFunctionExtensions",</a:t>
-            </a:r>
-          </a:p>
-          <a:p>
-            <a:r>
-              <a:rPr lang="en-US" dirty="0"/>
-              <a:t>                 </a:t>
-            </a:r>
-            <a:r>
-              <a:rPr lang="en-US" dirty="0" err="1"/>
-              <a:t>GetType</a:t>
-            </a:r>
-            <a:r>
-              <a:rPr lang="en-US" dirty="0"/>
-              <a:t>().Namespace);</a:t>
-            </a:r>
-          </a:p>
-          <a:p>
-            <a:endParaRPr lang="en-US" dirty="0"/>
-          </a:p>
-        </p:txBody>
-      </p:sp>
-    </p:spTree>
-    <p:extLst>
-      <p:ext uri="{BB962C8B-B14F-4D97-AF65-F5344CB8AC3E}">
-        <p14:creationId xmlns:p14="http://schemas.microsoft.com/office/powerpoint/2010/main" val="1095055817"/>
-      </p:ext>
-    </p:extLst>
-  </p:cSld>
-  <p:clrMapOvr>
-    <a:masterClrMapping/>
-  </p:clrMapOvr>
-</p:sld>
-</file>
-
-<file path=ppt/slides/slide29.xml><?xml version="1.0" encoding="utf-8"?>
-<p:sld xmlns:a="http://schemas.openxmlformats.org/drawingml/2006/main" xmlns:r="http://schemas.openxmlformats.org/officeDocument/2006/relationships" xmlns:p="http://schemas.openxmlformats.org/presentationml/2006/main">
-  <p:cSld>
-    <p:spTree>
-      <p:nvGrpSpPr>
-        <p:cNvPr id="1" name=""/>
-        <p:cNvGrpSpPr/>
-        <p:nvPr/>
-      </p:nvGrpSpPr>
-      <p:grpSpPr>
-        <a:xfrm>
-          <a:off x="0" y="0"/>
-          <a:ext cx="0" cy="0"/>
-          <a:chOff x="0" y="0"/>
-          <a:chExt cx="0" cy="0"/>
-        </a:xfrm>
-      </p:grpSpPr>
-      <p:sp>
-        <p:nvSpPr>
-          <p:cNvPr id="2" name="Title 1">
-            <a:extLst>
-              <a:ext uri="{FF2B5EF4-FFF2-40B4-BE49-F238E27FC236}">
-                <a16:creationId xmlns:a16="http://schemas.microsoft.com/office/drawing/2014/main" id="{5BDF4C02-B7BF-F22C-A2E1-B2F9FE38D3FE}"/>
-              </a:ext>
-            </a:extLst>
-          </p:cNvPr>
-          <p:cNvSpPr>
-            <a:spLocks noGrp="1"/>
-          </p:cNvSpPr>
-          <p:nvPr>
-            <p:ph type="title"/>
-          </p:nvPr>
-        </p:nvSpPr>
-        <p:spPr/>
-        <p:txBody>
-          <a:bodyPr/>
-          <a:lstStyle/>
-          <a:p>
-            <a:endParaRPr lang="en-US"/>
-          </a:p>
-        </p:txBody>
-      </p:sp>
-      <p:sp>
-        <p:nvSpPr>
-          <p:cNvPr id="3" name="Content Placeholder 2">
-            <a:extLst>
-              <a:ext uri="{FF2B5EF4-FFF2-40B4-BE49-F238E27FC236}">
-                <a16:creationId xmlns:a16="http://schemas.microsoft.com/office/drawing/2014/main" id="{97F724C3-AEEA-9E5E-929A-3845A116BEFA}"/>
-              </a:ext>
-            </a:extLst>
-          </p:cNvPr>
-          <p:cNvSpPr>
-            <a:spLocks noGrp="1"/>
-          </p:cNvSpPr>
-          <p:nvPr>
-            <p:ph idx="1"/>
-          </p:nvPr>
-        </p:nvSpPr>
-        <p:spPr/>
-        <p:txBody>
-          <a:bodyPr>
-            <a:normAutofit fontScale="47500" lnSpcReduction="20000"/>
-          </a:bodyPr>
-          <a:lstStyle/>
-          <a:p>
-            <a:r>
-              <a:rPr lang="en-US" dirty="0"/>
-              <a:t>var options = </a:t>
-            </a:r>
-            <a:r>
-              <a:rPr lang="en-US" dirty="0" err="1"/>
-              <a:t>ScriptOptions.Default</a:t>
-            </a:r>
-            <a:endParaRPr lang="en-US" dirty="0"/>
-          </a:p>
-          <a:p>
-            <a:r>
-              <a:rPr lang="en-US" dirty="0"/>
-              <a:t>            .</a:t>
-            </a:r>
-            <a:r>
-              <a:rPr lang="en-US" dirty="0" err="1"/>
-              <a:t>WithReferences</a:t>
-            </a:r>
-            <a:r>
-              <a:rPr lang="en-US" dirty="0"/>
-              <a:t>(_</a:t>
-            </a:r>
-            <a:r>
-              <a:rPr lang="en-US" dirty="0" err="1"/>
-              <a:t>factory.GetType</a:t>
-            </a:r>
-            <a:r>
-              <a:rPr lang="en-US" dirty="0"/>
-              <a:t>().Assembly)</a:t>
-            </a:r>
-          </a:p>
-          <a:p>
-            <a:r>
-              <a:rPr lang="en-US" dirty="0"/>
-              <a:t>            .</a:t>
-            </a:r>
-            <a:r>
-              <a:rPr lang="en-US" dirty="0" err="1"/>
-              <a:t>WithImports</a:t>
-            </a:r>
-            <a:r>
-              <a:rPr lang="en-US" dirty="0"/>
-              <a:t>(new[]</a:t>
-            </a:r>
-          </a:p>
-          <a:p>
-            <a:r>
-              <a:rPr lang="en-US" dirty="0"/>
-              <a:t>            {</a:t>
-            </a:r>
-          </a:p>
-          <a:p>
-            <a:r>
-              <a:rPr lang="en-US" dirty="0"/>
-              <a:t>                "System",</a:t>
-            </a:r>
-          </a:p>
-          <a:p>
-            <a:r>
-              <a:rPr lang="en-US" dirty="0"/>
-              <a:t>                "</a:t>
-            </a:r>
-            <a:r>
-              <a:rPr lang="en-US" dirty="0" err="1"/>
-              <a:t>System.Linq</a:t>
-            </a:r>
-            <a:r>
-              <a:rPr lang="en-US" dirty="0"/>
-              <a:t>",</a:t>
-            </a:r>
-          </a:p>
-          <a:p>
-            <a:r>
-              <a:rPr lang="en-US" dirty="0"/>
-              <a:t>                "</a:t>
-            </a:r>
-            <a:r>
-              <a:rPr lang="en-US" dirty="0" err="1"/>
-              <a:t>System.Linq.Expressions</a:t>
-            </a:r>
-            <a:r>
-              <a:rPr lang="en-US" dirty="0"/>
-              <a:t>",</a:t>
-            </a:r>
-          </a:p>
-          <a:p>
-            <a:r>
-              <a:rPr lang="en-US" dirty="0"/>
-              <a:t>                "ASE.MD.UnifiedSchedule.QueryingCore.Core.ModelBuilderExtensions",</a:t>
-            </a:r>
-          </a:p>
-          <a:p>
-            <a:r>
-              <a:rPr lang="en-US" dirty="0"/>
-              <a:t>                "ASE.MD.UnifiedSchedule.QueryingCore.Core.CustomFunctionExtensions", _</a:t>
-            </a:r>
-            <a:r>
-              <a:rPr lang="en-US" dirty="0" err="1"/>
-              <a:t>factory.GetType</a:t>
-            </a:r>
-            <a:r>
-              <a:rPr lang="en-US" dirty="0"/>
-              <a:t>().Namespace</a:t>
-            </a:r>
-          </a:p>
-          <a:p>
-            <a:r>
-              <a:rPr lang="en-US" dirty="0"/>
-              <a:t>            });</a:t>
-            </a:r>
-          </a:p>
-          <a:p>
-            <a:endParaRPr lang="en-US" dirty="0"/>
-          </a:p>
-          <a:p>
-            <a:r>
-              <a:rPr lang="en-US" dirty="0"/>
-              <a:t>            var result = await </a:t>
-            </a:r>
-            <a:r>
-              <a:rPr lang="en-US" dirty="0" err="1"/>
-              <a:t>CSharpScript.EvaluateAsync</a:t>
-            </a:r>
-            <a:r>
-              <a:rPr lang="en-US" dirty="0"/>
-              <a:t>&lt;Expression&lt;</a:t>
-            </a:r>
-            <a:r>
-              <a:rPr lang="en-US" dirty="0" err="1"/>
-              <a:t>Func</a:t>
-            </a:r>
-            <a:r>
-              <a:rPr lang="en-US" dirty="0"/>
-              <a:t>&lt;</a:t>
-            </a:r>
-            <a:r>
-              <a:rPr lang="en-US" dirty="0" err="1"/>
-              <a:t>TMain</a:t>
-            </a:r>
-            <a:r>
-              <a:rPr lang="en-US" dirty="0"/>
-              <a:t>, object&gt;&gt;&gt;(</a:t>
-            </a:r>
-          </a:p>
-          <a:p>
-            <a:r>
-              <a:rPr lang="en-US" dirty="0"/>
-              <a:t>                code: expression,</a:t>
-            </a:r>
-          </a:p>
-          <a:p>
-            <a:r>
-              <a:rPr lang="en-US" dirty="0"/>
-              <a:t>                options: options,</a:t>
-            </a:r>
-          </a:p>
-          <a:p>
-            <a:r>
-              <a:rPr lang="en-US" dirty="0"/>
-              <a:t>                </a:t>
-            </a:r>
-            <a:r>
-              <a:rPr lang="en-US" dirty="0" err="1"/>
-              <a:t>globals</a:t>
-            </a:r>
-            <a:r>
-              <a:rPr lang="en-US" dirty="0"/>
-              <a:t>: </a:t>
-            </a:r>
-            <a:r>
-              <a:rPr lang="en-US" dirty="0" err="1"/>
-              <a:t>ctx</a:t>
-            </a:r>
-            <a:r>
-              <a:rPr lang="en-US" dirty="0"/>
-              <a:t>,</a:t>
-            </a:r>
-          </a:p>
-          <a:p>
-            <a:r>
-              <a:rPr lang="en-US" dirty="0"/>
-              <a:t>                </a:t>
-            </a:r>
-            <a:r>
-              <a:rPr lang="en-US" dirty="0" err="1"/>
-              <a:t>cancellationToken</a:t>
-            </a:r>
-            <a:r>
-              <a:rPr lang="en-US" dirty="0"/>
-              <a:t>: </a:t>
-            </a:r>
-            <a:r>
-              <a:rPr lang="en-US" dirty="0" err="1"/>
-              <a:t>cancellationToken</a:t>
-            </a:r>
-            <a:r>
-              <a:rPr lang="en-US" dirty="0"/>
-              <a:t>);</a:t>
-            </a:r>
-          </a:p>
-        </p:txBody>
-      </p:sp>
-    </p:spTree>
-    <p:extLst>
-      <p:ext uri="{BB962C8B-B14F-4D97-AF65-F5344CB8AC3E}">
-        <p14:creationId xmlns:p14="http://schemas.microsoft.com/office/powerpoint/2010/main" val="4105692573"/>
       </p:ext>
     </p:extLst>
   </p:cSld>
@@ -7780,7 +9689,9 @@
         </p:nvSpPr>
         <p:spPr/>
         <p:txBody>
-          <a:bodyPr/>
+          <a:bodyPr>
+            <a:normAutofit/>
+          </a:bodyPr>
           <a:lstStyle/>
           <a:p>
             <a:r>
@@ -7802,27 +9713,63 @@
               </a:rPr>
               <a:t>.</a:t>
             </a:r>
+          </a:p>
+          <a:p>
+            <a:endParaRPr lang="en-US" dirty="0">
+              <a:latin typeface="-apple-system"/>
+            </a:endParaRPr>
+          </a:p>
+          <a:p>
+            <a:endParaRPr lang="en-US" dirty="0">
+              <a:latin typeface="-apple-system"/>
+            </a:endParaRPr>
+          </a:p>
+          <a:p>
+            <a:endParaRPr lang="en-US" dirty="0">
+              <a:latin typeface="-apple-system"/>
+            </a:endParaRPr>
+          </a:p>
+          <a:p>
             <a:endParaRPr lang="ru-RU" dirty="0">
               <a:latin typeface="-apple-system"/>
             </a:endParaRPr>
           </a:p>
           <a:p>
-            <a:endParaRPr lang="ru-RU" dirty="0">
-              <a:latin typeface="-apple-system"/>
-            </a:endParaRPr>
-          </a:p>
-          <a:p>
             <a:r>
               <a:rPr lang="en-US" dirty="0">
                 <a:latin typeface="-apple-system"/>
               </a:rPr>
-              <a:t>col(start) &lt; col(end) </a:t>
+              <a:t>col(</a:t>
+            </a:r>
+            <a:r>
+              <a:rPr lang="en-US" dirty="0" err="1">
+                <a:latin typeface="-apple-system"/>
+              </a:rPr>
+              <a:t>startPlan</a:t>
+            </a:r>
+            <a:r>
+              <a:rPr lang="en-US" dirty="0">
+                <a:latin typeface="-apple-system"/>
+              </a:rPr>
+              <a:t>) &lt; col(</a:t>
+            </a:r>
+            <a:r>
+              <a:rPr lang="en-US" dirty="0" err="1">
+                <a:latin typeface="-apple-system"/>
+              </a:rPr>
+              <a:t>endPlan</a:t>
+            </a:r>
+            <a:r>
+              <a:rPr lang="en-US" dirty="0">
+                <a:latin typeface="-apple-system"/>
+              </a:rPr>
+              <a:t>) </a:t>
             </a:r>
             <a:r>
               <a:rPr lang="ru-RU" dirty="0">
                 <a:latin typeface="-apple-system"/>
               </a:rPr>
-              <a:t> или </a:t>
+              <a:t>или </a:t>
             </a:r>
             <a:r>
               <a:rPr lang="en-US" dirty="0">
@@ -7858,6 +9805,626 @@
           </a:p>
         </p:txBody>
       </p:sp>
+      <p:graphicFrame>
+        <p:nvGraphicFramePr>
+          <p:cNvPr id="4" name="Table 4">
+            <a:extLst>
+              <a:ext uri="{FF2B5EF4-FFF2-40B4-BE49-F238E27FC236}">
+                <a16:creationId xmlns:a16="http://schemas.microsoft.com/office/drawing/2014/main" id="{49094EB8-5F68-FA0E-88C8-3417E1A0E8DD}"/>
+              </a:ext>
+            </a:extLst>
+          </p:cNvPr>
+          <p:cNvGraphicFramePr>
+            <a:graphicFrameLocks noGrp="1"/>
+          </p:cNvGraphicFramePr>
+          <p:nvPr>
+            <p:extLst>
+              <p:ext uri="{D42A27DB-BD31-4B8C-83A1-F6EECF244321}">
+                <p14:modId xmlns:p14="http://schemas.microsoft.com/office/powerpoint/2010/main" val="913947029"/>
+              </p:ext>
+            </p:extLst>
+          </p:nvPr>
+        </p:nvGraphicFramePr>
+        <p:xfrm>
+          <a:off x="1148860" y="3204309"/>
+          <a:ext cx="9362832" cy="1478280"/>
+        </p:xfrm>
+        <a:graphic>
+          <a:graphicData uri="http://schemas.openxmlformats.org/drawingml/2006/table">
+            <a:tbl>
+              <a:tblPr firstRow="1" bandRow="1">
+                <a:tableStyleId>{5C22544A-7EE6-4342-B048-85BDC9FD1C3A}</a:tableStyleId>
+              </a:tblPr>
+              <a:tblGrid>
+                <a:gridCol w="1560472">
+                  <a:extLst>
+                    <a:ext uri="{9D8B030D-6E8A-4147-A177-3AD203B41FA5}">
+                      <a16:colId xmlns:a16="http://schemas.microsoft.com/office/drawing/2014/main" val="4193781102"/>
+                    </a:ext>
+                  </a:extLst>
+                </a:gridCol>
+                <a:gridCol w="1560472">
+                  <a:extLst>
+                    <a:ext uri="{9D8B030D-6E8A-4147-A177-3AD203B41FA5}">
+                      <a16:colId xmlns:a16="http://schemas.microsoft.com/office/drawing/2014/main" val="3659545867"/>
+                    </a:ext>
+                  </a:extLst>
+                </a:gridCol>
+                <a:gridCol w="1560472">
+                  <a:extLst>
+                    <a:ext uri="{9D8B030D-6E8A-4147-A177-3AD203B41FA5}">
+                      <a16:colId xmlns:a16="http://schemas.microsoft.com/office/drawing/2014/main" val="2364439038"/>
+                    </a:ext>
+                  </a:extLst>
+                </a:gridCol>
+                <a:gridCol w="1560472">
+                  <a:extLst>
+                    <a:ext uri="{9D8B030D-6E8A-4147-A177-3AD203B41FA5}">
+                      <a16:colId xmlns:a16="http://schemas.microsoft.com/office/drawing/2014/main" val="2797316012"/>
+                    </a:ext>
+                  </a:extLst>
+                </a:gridCol>
+                <a:gridCol w="1560472">
+                  <a:extLst>
+                    <a:ext uri="{9D8B030D-6E8A-4147-A177-3AD203B41FA5}">
+                      <a16:colId xmlns:a16="http://schemas.microsoft.com/office/drawing/2014/main" val="3135404697"/>
+                    </a:ext>
+                  </a:extLst>
+                </a:gridCol>
+                <a:gridCol w="1560472">
+                  <a:extLst>
+                    <a:ext uri="{9D8B030D-6E8A-4147-A177-3AD203B41FA5}">
+                      <a16:colId xmlns:a16="http://schemas.microsoft.com/office/drawing/2014/main" val="606209233"/>
+                    </a:ext>
+                  </a:extLst>
+                </a:gridCol>
+              </a:tblGrid>
+              <a:tr h="246445">
+                <a:tc>
+                  <a:txBody>
+                    <a:bodyPr/>
+                    <a:lstStyle/>
+                    <a:p>
+                      <a:r>
+                        <a:rPr lang="en-US" dirty="0"/>
+                        <a:t>Name</a:t>
+                      </a:r>
+                    </a:p>
+                  </a:txBody>
+                  <a:tcPr/>
+                </a:tc>
+                <a:tc>
+                  <a:txBody>
+                    <a:bodyPr/>
+                    <a:lstStyle/>
+                    <a:p>
+                      <a:r>
+                        <a:rPr lang="en-US" dirty="0" err="1">
+                          <a:latin typeface="-apple-system"/>
+                        </a:rPr>
+                        <a:t>startPlan</a:t>
+                      </a:r>
+                      <a:endParaRPr lang="en-US" dirty="0"/>
+                    </a:p>
+                  </a:txBody>
+                  <a:tcPr/>
+                </a:tc>
+                <a:tc>
+                  <a:txBody>
+                    <a:bodyPr/>
+                    <a:lstStyle/>
+                    <a:p>
+                      <a:r>
+                        <a:rPr lang="en-US" dirty="0" err="1">
+                          <a:latin typeface="-apple-system"/>
+                        </a:rPr>
+                        <a:t>endPlan</a:t>
+                      </a:r>
+                      <a:endParaRPr lang="en-US" dirty="0"/>
+                    </a:p>
+                  </a:txBody>
+                  <a:tcPr/>
+                </a:tc>
+                <a:tc>
+                  <a:txBody>
+                    <a:bodyPr/>
+                    <a:lstStyle/>
+                    <a:p>
+                      <a:r>
+                        <a:rPr lang="en-US" dirty="0" err="1">
+                          <a:latin typeface="-apple-system"/>
+                        </a:rPr>
+                        <a:t>startFact</a:t>
+                      </a:r>
+                      <a:endParaRPr lang="en-US" dirty="0"/>
+                    </a:p>
+                  </a:txBody>
+                  <a:tcPr/>
+                </a:tc>
+                <a:tc>
+                  <a:txBody>
+                    <a:bodyPr/>
+                    <a:lstStyle/>
+                    <a:p>
+                      <a:r>
+                        <a:rPr lang="en-US" dirty="0" err="1">
+                          <a:latin typeface="-apple-system"/>
+                        </a:rPr>
+                        <a:t>endFact</a:t>
+                      </a:r>
+                      <a:endParaRPr lang="en-US" dirty="0"/>
+                    </a:p>
+                  </a:txBody>
+                  <a:tcPr/>
+                </a:tc>
+                <a:tc>
+                  <a:txBody>
+                    <a:bodyPr/>
+                    <a:lstStyle/>
+                    <a:p>
+                      <a:r>
+                        <a:rPr lang="en-US" dirty="0" err="1">
+                          <a:latin typeface="-apple-system"/>
+                        </a:rPr>
+                        <a:t>durationFact</a:t>
+                      </a:r>
+                      <a:endParaRPr lang="en-US" dirty="0"/>
+                    </a:p>
+                  </a:txBody>
+                  <a:tcPr/>
+                </a:tc>
+                <a:extLst>
+                  <a:ext uri="{0D108BD9-81ED-4DB2-BD59-A6C34878D82A}">
+                    <a16:rowId xmlns:a16="http://schemas.microsoft.com/office/drawing/2014/main" val="4163756277"/>
+                  </a:ext>
+                </a:extLst>
+              </a:tr>
+              <a:tr h="370840">
+                <a:tc>
+                  <a:txBody>
+                    <a:bodyPr/>
+                    <a:lstStyle/>
+                    <a:p>
+                      <a:r>
+                        <a:rPr lang="en-US" dirty="0"/>
+                        <a:t>Some 1</a:t>
+                      </a:r>
+                    </a:p>
+                  </a:txBody>
+                  <a:tcPr/>
+                </a:tc>
+                <a:tc>
+                  <a:txBody>
+                    <a:bodyPr/>
+                    <a:lstStyle/>
+                    <a:p>
+                      <a:r>
+                        <a:rPr lang="en-US" dirty="0"/>
+                        <a:t>2020.12.07</a:t>
+                      </a:r>
+                    </a:p>
+                  </a:txBody>
+                  <a:tcPr/>
+                </a:tc>
+                <a:tc>
+                  <a:txBody>
+                    <a:bodyPr/>
+                    <a:lstStyle/>
+                    <a:p>
+                      <a:pPr marL="0" marR="0" lvl="0" indent="0" algn="l" defTabSz="914400" rtl="0" eaLnBrk="1" fontAlgn="auto" latinLnBrk="0" hangingPunct="1">
+                        <a:lnSpc>
+                          <a:spcPct val="100000"/>
+                        </a:lnSpc>
+                        <a:spcBef>
+                          <a:spcPts val="0"/>
+                        </a:spcBef>
+                        <a:spcAft>
+                          <a:spcPts val="0"/>
+                        </a:spcAft>
+                        <a:buClrTx/>
+                        <a:buSzTx/>
+                        <a:buFontTx/>
+                        <a:buNone/>
+                        <a:tabLst/>
+                        <a:defRPr/>
+                      </a:pPr>
+                      <a:r>
+                        <a:rPr lang="en-US" dirty="0"/>
+                        <a:t>2020.12.09</a:t>
+                      </a:r>
+                    </a:p>
+                  </a:txBody>
+                  <a:tcPr/>
+                </a:tc>
+                <a:tc>
+                  <a:txBody>
+                    <a:bodyPr/>
+                    <a:lstStyle/>
+                    <a:p>
+                      <a:pPr marL="0" marR="0" lvl="0" indent="0" algn="l" defTabSz="914400" rtl="0" eaLnBrk="1" fontAlgn="auto" latinLnBrk="0" hangingPunct="1">
+                        <a:lnSpc>
+                          <a:spcPct val="100000"/>
+                        </a:lnSpc>
+                        <a:spcBef>
+                          <a:spcPts val="0"/>
+                        </a:spcBef>
+                        <a:spcAft>
+                          <a:spcPts val="0"/>
+                        </a:spcAft>
+                        <a:buClrTx/>
+                        <a:buSzTx/>
+                        <a:buFontTx/>
+                        <a:buNone/>
+                        <a:tabLst/>
+                        <a:defRPr/>
+                      </a:pPr>
+                      <a:r>
+                        <a:rPr lang="en-US" dirty="0"/>
+                        <a:t>2020.12.08</a:t>
+                      </a:r>
+                    </a:p>
+                  </a:txBody>
+                  <a:tcPr/>
+                </a:tc>
+                <a:tc>
+                  <a:txBody>
+                    <a:bodyPr/>
+                    <a:lstStyle/>
+                    <a:p>
+                      <a:pPr marL="0" marR="0" lvl="0" indent="0" algn="l" defTabSz="914400" rtl="0" eaLnBrk="1" fontAlgn="auto" latinLnBrk="0" hangingPunct="1">
+                        <a:lnSpc>
+                          <a:spcPct val="100000"/>
+                        </a:lnSpc>
+                        <a:spcBef>
+                          <a:spcPts val="0"/>
+                        </a:spcBef>
+                        <a:spcAft>
+                          <a:spcPts val="0"/>
+                        </a:spcAft>
+                        <a:buClrTx/>
+                        <a:buSzTx/>
+                        <a:buFontTx/>
+                        <a:buNone/>
+                        <a:tabLst/>
+                        <a:defRPr/>
+                      </a:pPr>
+                      <a:r>
+                        <a:rPr lang="en-US" dirty="0"/>
+                        <a:t>2020.12.10</a:t>
+                      </a:r>
+                    </a:p>
+                  </a:txBody>
+                  <a:tcPr/>
+                </a:tc>
+                <a:tc>
+                  <a:txBody>
+                    <a:bodyPr/>
+                    <a:lstStyle/>
+                    <a:p>
+                      <a:r>
+                        <a:rPr lang="en-US" dirty="0"/>
+                        <a:t>2</a:t>
+                      </a:r>
+                    </a:p>
+                  </a:txBody>
+                  <a:tcPr/>
+                </a:tc>
+                <a:extLst>
+                  <a:ext uri="{0D108BD9-81ED-4DB2-BD59-A6C34878D82A}">
+                    <a16:rowId xmlns:a16="http://schemas.microsoft.com/office/drawing/2014/main" val="1047190598"/>
+                  </a:ext>
+                </a:extLst>
+              </a:tr>
+              <a:tr h="370840">
+                <a:tc>
+                  <a:txBody>
+                    <a:bodyPr/>
+                    <a:lstStyle/>
+                    <a:p>
+                      <a:r>
+                        <a:rPr lang="en-US" dirty="0"/>
+                        <a:t>Another 2</a:t>
+                      </a:r>
+                    </a:p>
+                  </a:txBody>
+                  <a:tcPr/>
+                </a:tc>
+                <a:tc>
+                  <a:txBody>
+                    <a:bodyPr/>
+                    <a:lstStyle/>
+                    <a:p>
+                      <a:pPr marL="0" marR="0" lvl="0" indent="0" algn="l" defTabSz="914400" rtl="0" eaLnBrk="1" fontAlgn="auto" latinLnBrk="0" hangingPunct="1">
+                        <a:lnSpc>
+                          <a:spcPct val="100000"/>
+                        </a:lnSpc>
+                        <a:spcBef>
+                          <a:spcPts val="0"/>
+                        </a:spcBef>
+                        <a:spcAft>
+                          <a:spcPts val="0"/>
+                        </a:spcAft>
+                        <a:buClrTx/>
+                        <a:buSzTx/>
+                        <a:buFontTx/>
+                        <a:buNone/>
+                        <a:tabLst/>
+                        <a:defRPr/>
+                      </a:pPr>
+                      <a:r>
+                        <a:rPr lang="en-US" dirty="0"/>
+                        <a:t>2021.01.02</a:t>
+                      </a:r>
+                    </a:p>
+                  </a:txBody>
+                  <a:tcPr/>
+                </a:tc>
+                <a:tc>
+                  <a:txBody>
+                    <a:bodyPr/>
+                    <a:lstStyle/>
+                    <a:p>
+                      <a:pPr marL="0" marR="0" lvl="0" indent="0" algn="l" defTabSz="914400" rtl="0" eaLnBrk="1" fontAlgn="auto" latinLnBrk="0" hangingPunct="1">
+                        <a:lnSpc>
+                          <a:spcPct val="100000"/>
+                        </a:lnSpc>
+                        <a:spcBef>
+                          <a:spcPts val="0"/>
+                        </a:spcBef>
+                        <a:spcAft>
+                          <a:spcPts val="0"/>
+                        </a:spcAft>
+                        <a:buClrTx/>
+                        <a:buSzTx/>
+                        <a:buFontTx/>
+                        <a:buNone/>
+                        <a:tabLst/>
+                        <a:defRPr/>
+                      </a:pPr>
+                      <a:r>
+                        <a:rPr lang="en-US" dirty="0"/>
+                        <a:t>2020.01.14</a:t>
+                      </a:r>
+                    </a:p>
+                  </a:txBody>
+                  <a:tcPr/>
+                </a:tc>
+                <a:tc>
+                  <a:txBody>
+                    <a:bodyPr/>
+                    <a:lstStyle/>
+                    <a:p>
+                      <a:pPr marL="0" marR="0" lvl="0" indent="0" algn="l" defTabSz="914400" rtl="0" eaLnBrk="1" fontAlgn="auto" latinLnBrk="0" hangingPunct="1">
+                        <a:lnSpc>
+                          <a:spcPct val="100000"/>
+                        </a:lnSpc>
+                        <a:spcBef>
+                          <a:spcPts val="0"/>
+                        </a:spcBef>
+                        <a:spcAft>
+                          <a:spcPts val="0"/>
+                        </a:spcAft>
+                        <a:buClrTx/>
+                        <a:buSzTx/>
+                        <a:buFontTx/>
+                        <a:buNone/>
+                        <a:tabLst/>
+                        <a:defRPr/>
+                      </a:pPr>
+                      <a:r>
+                        <a:rPr lang="en-US" dirty="0"/>
+                        <a:t>2021.01.07</a:t>
+                      </a:r>
+                    </a:p>
+                  </a:txBody>
+                  <a:tcPr/>
+                </a:tc>
+                <a:tc>
+                  <a:txBody>
+                    <a:bodyPr/>
+                    <a:lstStyle/>
+                    <a:p>
+                      <a:pPr marL="0" marR="0" lvl="0" indent="0" algn="l" defTabSz="914400" rtl="0" eaLnBrk="1" fontAlgn="auto" latinLnBrk="0" hangingPunct="1">
+                        <a:lnSpc>
+                          <a:spcPct val="100000"/>
+                        </a:lnSpc>
+                        <a:spcBef>
+                          <a:spcPts val="0"/>
+                        </a:spcBef>
+                        <a:spcAft>
+                          <a:spcPts val="0"/>
+                        </a:spcAft>
+                        <a:buClrTx/>
+                        <a:buSzTx/>
+                        <a:buFontTx/>
+                        <a:buNone/>
+                        <a:tabLst/>
+                        <a:defRPr/>
+                      </a:pPr>
+                      <a:r>
+                        <a:rPr lang="en-US" dirty="0"/>
+                        <a:t>2020.01.19</a:t>
+                      </a:r>
+                    </a:p>
+                  </a:txBody>
+                  <a:tcPr/>
+                </a:tc>
+                <a:tc>
+                  <a:txBody>
+                    <a:bodyPr/>
+                    <a:lstStyle/>
+                    <a:p>
+                      <a:r>
+                        <a:rPr lang="en-US" dirty="0"/>
+                        <a:t>12</a:t>
+                      </a:r>
+                    </a:p>
+                  </a:txBody>
+                  <a:tcPr/>
+                </a:tc>
+                <a:extLst>
+                  <a:ext uri="{0D108BD9-81ED-4DB2-BD59-A6C34878D82A}">
+                    <a16:rowId xmlns:a16="http://schemas.microsoft.com/office/drawing/2014/main" val="306256415"/>
+                  </a:ext>
+                </a:extLst>
+              </a:tr>
+              <a:tr h="370840">
+                <a:tc>
+                  <a:txBody>
+                    <a:bodyPr/>
+                    <a:lstStyle/>
+                    <a:p>
+                      <a:r>
+                        <a:rPr lang="en-US" dirty="0"/>
+                        <a:t>And yet new 3</a:t>
+                      </a:r>
+                    </a:p>
+                  </a:txBody>
+                  <a:tcPr/>
+                </a:tc>
+                <a:tc>
+                  <a:txBody>
+                    <a:bodyPr/>
+                    <a:lstStyle/>
+                    <a:p>
+                      <a:pPr marL="0" marR="0" lvl="0" indent="0" algn="l" defTabSz="914400" rtl="0" eaLnBrk="1" fontAlgn="auto" latinLnBrk="0" hangingPunct="1">
+                        <a:lnSpc>
+                          <a:spcPct val="100000"/>
+                        </a:lnSpc>
+                        <a:spcBef>
+                          <a:spcPts val="0"/>
+                        </a:spcBef>
+                        <a:spcAft>
+                          <a:spcPts val="0"/>
+                        </a:spcAft>
+                        <a:buClrTx/>
+                        <a:buSzTx/>
+                        <a:buFontTx/>
+                        <a:buNone/>
+                        <a:tabLst/>
+                        <a:defRPr/>
+                      </a:pPr>
+                      <a:r>
+                        <a:rPr lang="en-US" dirty="0"/>
+                        <a:t>2022.06.03</a:t>
+                      </a:r>
+                    </a:p>
+                  </a:txBody>
+                  <a:tcPr/>
+                </a:tc>
+                <a:tc>
+                  <a:txBody>
+                    <a:bodyPr/>
+                    <a:lstStyle/>
+                    <a:p>
+                      <a:pPr marL="0" marR="0" lvl="0" indent="0" algn="l" defTabSz="914400" rtl="0" eaLnBrk="1" fontAlgn="auto" latinLnBrk="0" hangingPunct="1">
+                        <a:lnSpc>
+                          <a:spcPct val="100000"/>
+                        </a:lnSpc>
+                        <a:spcBef>
+                          <a:spcPts val="0"/>
+                        </a:spcBef>
+                        <a:spcAft>
+                          <a:spcPts val="0"/>
+                        </a:spcAft>
+                        <a:buClrTx/>
+                        <a:buSzTx/>
+                        <a:buFontTx/>
+                        <a:buNone/>
+                        <a:tabLst/>
+                        <a:defRPr/>
+                      </a:pPr>
+                      <a:r>
+                        <a:rPr lang="en-US" dirty="0"/>
+                        <a:t>2022.07.07</a:t>
+                      </a:r>
+                    </a:p>
+                  </a:txBody>
+                  <a:tcPr/>
+                </a:tc>
+                <a:tc>
+                  <a:txBody>
+                    <a:bodyPr/>
+                    <a:lstStyle/>
+                    <a:p>
+                      <a:pPr marL="0" marR="0" lvl="0" indent="0" algn="l" defTabSz="914400" rtl="0" eaLnBrk="1" fontAlgn="auto" latinLnBrk="0" hangingPunct="1">
+                        <a:lnSpc>
+                          <a:spcPct val="100000"/>
+                        </a:lnSpc>
+                        <a:spcBef>
+                          <a:spcPts val="0"/>
+                        </a:spcBef>
+                        <a:spcAft>
+                          <a:spcPts val="0"/>
+                        </a:spcAft>
+                        <a:buClrTx/>
+                        <a:buSzTx/>
+                        <a:buFontTx/>
+                        <a:buNone/>
+                        <a:tabLst/>
+                        <a:defRPr/>
+                      </a:pPr>
+                      <a:r>
+                        <a:rPr lang="en-US" dirty="0"/>
+                        <a:t>2022.06.03</a:t>
+                      </a:r>
+                    </a:p>
+                  </a:txBody>
+                  <a:tcPr/>
+                </a:tc>
+                <a:tc>
+                  <a:txBody>
+                    <a:bodyPr/>
+                    <a:lstStyle/>
+                    <a:p>
+                      <a:pPr marL="0" marR="0" lvl="0" indent="0" algn="l" defTabSz="914400" rtl="0" eaLnBrk="1" fontAlgn="auto" latinLnBrk="0" hangingPunct="1">
+                        <a:lnSpc>
+                          <a:spcPct val="100000"/>
+                        </a:lnSpc>
+                        <a:spcBef>
+                          <a:spcPts val="0"/>
+                        </a:spcBef>
+                        <a:spcAft>
+                          <a:spcPts val="0"/>
+                        </a:spcAft>
+                        <a:buClrTx/>
+                        <a:buSzTx/>
+                        <a:buFontTx/>
+                        <a:buNone/>
+                        <a:tabLst/>
+                        <a:defRPr/>
+                      </a:pPr>
+                      <a:r>
+                        <a:rPr lang="en-US" dirty="0"/>
+                        <a:t>2022.07.07</a:t>
+                      </a:r>
+                    </a:p>
+                  </a:txBody>
+                  <a:tcPr/>
+                </a:tc>
+                <a:tc>
+                  <a:txBody>
+                    <a:bodyPr/>
+                    <a:lstStyle/>
+                    <a:p>
+                      <a:r>
+                        <a:rPr lang="en-US" dirty="0"/>
+                        <a:t>33</a:t>
+                      </a:r>
+                    </a:p>
+                  </a:txBody>
+                  <a:tcPr/>
+                </a:tc>
+                <a:extLst>
+                  <a:ext uri="{0D108BD9-81ED-4DB2-BD59-A6C34878D82A}">
+                    <a16:rowId xmlns:a16="http://schemas.microsoft.com/office/drawing/2014/main" val="3032599136"/>
+                  </a:ext>
+                </a:extLst>
+              </a:tr>
+            </a:tbl>
+          </a:graphicData>
+        </a:graphic>
+      </p:graphicFrame>
     </p:spTree>
     <p:extLst>
       <p:ext uri="{BB962C8B-B14F-4D97-AF65-F5344CB8AC3E}">
@@ -7872,6 +10439,502 @@
 </file>
 
 <file path=ppt/slides/slide30.xml><?xml version="1.0" encoding="utf-8"?>
+<p:sld xmlns:a="http://schemas.openxmlformats.org/drawingml/2006/main" xmlns:r="http://schemas.openxmlformats.org/officeDocument/2006/relationships" xmlns:p="http://schemas.openxmlformats.org/presentationml/2006/main">
+  <p:cSld>
+    <p:spTree>
+      <p:nvGrpSpPr>
+        <p:cNvPr id="1" name=""/>
+        <p:cNvGrpSpPr/>
+        <p:nvPr/>
+      </p:nvGrpSpPr>
+      <p:grpSpPr>
+        <a:xfrm>
+          <a:off x="0" y="0"/>
+          <a:ext cx="0" cy="0"/>
+          <a:chOff x="0" y="0"/>
+          <a:chExt cx="0" cy="0"/>
+        </a:xfrm>
+      </p:grpSpPr>
+      <p:sp>
+        <p:nvSpPr>
+          <p:cNvPr id="2" name="Title 1">
+            <a:extLst>
+              <a:ext uri="{FF2B5EF4-FFF2-40B4-BE49-F238E27FC236}">
+                <a16:creationId xmlns:a16="http://schemas.microsoft.com/office/drawing/2014/main" id="{0970D969-2523-B2E6-D341-50DD324EBABD}"/>
+              </a:ext>
+            </a:extLst>
+          </p:cNvPr>
+          <p:cNvSpPr>
+            <a:spLocks noGrp="1"/>
+          </p:cNvSpPr>
+          <p:nvPr>
+            <p:ph type="title"/>
+          </p:nvPr>
+        </p:nvSpPr>
+        <p:spPr/>
+        <p:txBody>
+          <a:bodyPr/>
+          <a:lstStyle/>
+          <a:p>
+            <a:r>
+              <a:rPr lang="ru-RU" dirty="0"/>
+              <a:t>Утечки</a:t>
+            </a:r>
+            <a:endParaRPr lang="en-US" dirty="0"/>
+          </a:p>
+        </p:txBody>
+      </p:sp>
+      <p:sp>
+        <p:nvSpPr>
+          <p:cNvPr id="3" name="Content Placeholder 2">
+            <a:extLst>
+              <a:ext uri="{FF2B5EF4-FFF2-40B4-BE49-F238E27FC236}">
+                <a16:creationId xmlns:a16="http://schemas.microsoft.com/office/drawing/2014/main" id="{30562315-8C83-81F7-6600-53DA8090F434}"/>
+              </a:ext>
+            </a:extLst>
+          </p:cNvPr>
+          <p:cNvSpPr>
+            <a:spLocks noGrp="1"/>
+          </p:cNvSpPr>
+          <p:nvPr>
+            <p:ph idx="1"/>
+          </p:nvPr>
+        </p:nvSpPr>
+        <p:spPr/>
+        <p:txBody>
+          <a:bodyPr>
+            <a:normAutofit fontScale="85000" lnSpcReduction="20000"/>
+          </a:bodyPr>
+          <a:lstStyle/>
+          <a:p>
+            <a:r>
+              <a:rPr lang="ru-RU" dirty="0"/>
+              <a:t>При генерации </a:t>
+            </a:r>
+            <a:r>
+              <a:rPr lang="en-US" dirty="0"/>
+              <a:t>expression </a:t>
+            </a:r>
+            <a:r>
+              <a:rPr lang="ru-RU" dirty="0"/>
+              <a:t>возможно получить утечки в самом неожиданном месте. Например, по результатам</a:t>
+            </a:r>
+          </a:p>
+          <a:p>
+            <a:r>
+              <a:rPr lang="en-US" dirty="0"/>
+              <a:t>var options = </a:t>
+            </a:r>
+            <a:r>
+              <a:rPr lang="en-US" dirty="0" err="1"/>
+              <a:t>ScriptOptions.Default</a:t>
+            </a:r>
+            <a:endParaRPr lang="en-US" dirty="0"/>
+          </a:p>
+          <a:p>
+            <a:r>
+              <a:rPr lang="en-US" dirty="0"/>
+              <a:t>             .</a:t>
+            </a:r>
+            <a:r>
+              <a:rPr lang="en-US" dirty="0" err="1"/>
+              <a:t>WithReferences</a:t>
+            </a:r>
+            <a:r>
+              <a:rPr lang="en-US" dirty="0"/>
+              <a:t>(</a:t>
+            </a:r>
+            <a:r>
+              <a:rPr lang="en-US" dirty="0" err="1"/>
+              <a:t>GetType</a:t>
+            </a:r>
+            <a:r>
+              <a:rPr lang="en-US" dirty="0"/>
+              <a:t>().Assembly)</a:t>
+            </a:r>
+          </a:p>
+          <a:p>
+            <a:r>
+              <a:rPr lang="en-US" dirty="0"/>
+              <a:t>             .</a:t>
+            </a:r>
+            <a:r>
+              <a:rPr lang="en-US" dirty="0" err="1"/>
+              <a:t>WithImports</a:t>
+            </a:r>
+            <a:r>
+              <a:rPr lang="en-US" dirty="0"/>
+              <a:t>(</a:t>
+            </a:r>
+          </a:p>
+          <a:p>
+            <a:r>
+              <a:rPr lang="en-US" dirty="0"/>
+              <a:t>                 "System",</a:t>
+            </a:r>
+          </a:p>
+          <a:p>
+            <a:r>
+              <a:rPr lang="en-US" dirty="0"/>
+              <a:t>                 "</a:t>
+            </a:r>
+            <a:r>
+              <a:rPr lang="en-US" dirty="0" err="1"/>
+              <a:t>System.Linq</a:t>
+            </a:r>
+            <a:r>
+              <a:rPr lang="en-US" dirty="0"/>
+              <a:t>",</a:t>
+            </a:r>
+          </a:p>
+          <a:p>
+            <a:r>
+              <a:rPr lang="en-US" dirty="0"/>
+              <a:t>                 "</a:t>
+            </a:r>
+            <a:r>
+              <a:rPr lang="en-US" dirty="0" err="1"/>
+              <a:t>System.Linq.Expressions</a:t>
+            </a:r>
+            <a:r>
+              <a:rPr lang="en-US" dirty="0"/>
+              <a:t>",</a:t>
+            </a:r>
+          </a:p>
+          <a:p>
+            <a:r>
+              <a:rPr lang="en-US" dirty="0"/>
+              <a:t>                 "</a:t>
+            </a:r>
+            <a:r>
+              <a:rPr lang="en-US" dirty="0" err="1"/>
+              <a:t>ASE.MD.UnifiedSchedule.QueryingCore</a:t>
+            </a:r>
+            <a:r>
+              <a:rPr lang="en-US" dirty="0"/>
+              <a:t>",</a:t>
+            </a:r>
+          </a:p>
+          <a:p>
+            <a:r>
+              <a:rPr lang="en-US" dirty="0"/>
+              <a:t>                 "ASE.MD.UnifiedSchedule.QueryingCore.Core.CustomFunctionExtensions",</a:t>
+            </a:r>
+          </a:p>
+          <a:p>
+            <a:r>
+              <a:rPr lang="en-US" dirty="0"/>
+              <a:t>                 </a:t>
+            </a:r>
+            <a:r>
+              <a:rPr lang="en-US" dirty="0" err="1"/>
+              <a:t>GetType</a:t>
+            </a:r>
+            <a:r>
+              <a:rPr lang="en-US" dirty="0"/>
+              <a:t>().Namespace);</a:t>
+            </a:r>
+          </a:p>
+          <a:p>
+            <a:endParaRPr lang="en-US" dirty="0"/>
+          </a:p>
+        </p:txBody>
+      </p:sp>
+    </p:spTree>
+    <p:extLst>
+      <p:ext uri="{BB962C8B-B14F-4D97-AF65-F5344CB8AC3E}">
+        <p14:creationId xmlns:p14="http://schemas.microsoft.com/office/powerpoint/2010/main" val="1095055817"/>
+      </p:ext>
+    </p:extLst>
+  </p:cSld>
+  <p:clrMapOvr>
+    <a:masterClrMapping/>
+  </p:clrMapOvr>
+</p:sld>
+</file>
+
+<file path=ppt/slides/slide31.xml><?xml version="1.0" encoding="utf-8"?>
+<p:sld xmlns:a="http://schemas.openxmlformats.org/drawingml/2006/main" xmlns:r="http://schemas.openxmlformats.org/officeDocument/2006/relationships" xmlns:p="http://schemas.openxmlformats.org/presentationml/2006/main">
+  <p:cSld>
+    <p:spTree>
+      <p:nvGrpSpPr>
+        <p:cNvPr id="1" name=""/>
+        <p:cNvGrpSpPr/>
+        <p:nvPr/>
+      </p:nvGrpSpPr>
+      <p:grpSpPr>
+        <a:xfrm>
+          <a:off x="0" y="0"/>
+          <a:ext cx="0" cy="0"/>
+          <a:chOff x="0" y="0"/>
+          <a:chExt cx="0" cy="0"/>
+        </a:xfrm>
+      </p:grpSpPr>
+      <p:sp>
+        <p:nvSpPr>
+          <p:cNvPr id="2" name="Title 1">
+            <a:extLst>
+              <a:ext uri="{FF2B5EF4-FFF2-40B4-BE49-F238E27FC236}">
+                <a16:creationId xmlns:a16="http://schemas.microsoft.com/office/drawing/2014/main" id="{5BDF4C02-B7BF-F22C-A2E1-B2F9FE38D3FE}"/>
+              </a:ext>
+            </a:extLst>
+          </p:cNvPr>
+          <p:cNvSpPr>
+            <a:spLocks noGrp="1"/>
+          </p:cNvSpPr>
+          <p:nvPr>
+            <p:ph type="title"/>
+          </p:nvPr>
+        </p:nvSpPr>
+        <p:spPr/>
+        <p:txBody>
+          <a:bodyPr/>
+          <a:lstStyle/>
+          <a:p>
+            <a:endParaRPr lang="en-US"/>
+          </a:p>
+        </p:txBody>
+      </p:sp>
+      <p:sp>
+        <p:nvSpPr>
+          <p:cNvPr id="3" name="Content Placeholder 2">
+            <a:extLst>
+              <a:ext uri="{FF2B5EF4-FFF2-40B4-BE49-F238E27FC236}">
+                <a16:creationId xmlns:a16="http://schemas.microsoft.com/office/drawing/2014/main" id="{97F724C3-AEEA-9E5E-929A-3845A116BEFA}"/>
+              </a:ext>
+            </a:extLst>
+          </p:cNvPr>
+          <p:cNvSpPr>
+            <a:spLocks noGrp="1"/>
+          </p:cNvSpPr>
+          <p:nvPr>
+            <p:ph idx="1"/>
+          </p:nvPr>
+        </p:nvSpPr>
+        <p:spPr/>
+        <p:txBody>
+          <a:bodyPr>
+            <a:normAutofit fontScale="47500" lnSpcReduction="20000"/>
+          </a:bodyPr>
+          <a:lstStyle/>
+          <a:p>
+            <a:r>
+              <a:rPr lang="en-US" dirty="0"/>
+              <a:t>var options = </a:t>
+            </a:r>
+            <a:r>
+              <a:rPr lang="en-US" dirty="0" err="1"/>
+              <a:t>ScriptOptions.Default</a:t>
+            </a:r>
+            <a:endParaRPr lang="en-US" dirty="0"/>
+          </a:p>
+          <a:p>
+            <a:r>
+              <a:rPr lang="en-US" dirty="0"/>
+              <a:t>            .</a:t>
+            </a:r>
+            <a:r>
+              <a:rPr lang="en-US" dirty="0" err="1"/>
+              <a:t>WithReferences</a:t>
+            </a:r>
+            <a:r>
+              <a:rPr lang="en-US" dirty="0"/>
+              <a:t>(_</a:t>
+            </a:r>
+            <a:r>
+              <a:rPr lang="en-US" dirty="0" err="1"/>
+              <a:t>factory.GetType</a:t>
+            </a:r>
+            <a:r>
+              <a:rPr lang="en-US" dirty="0"/>
+              <a:t>().Assembly)</a:t>
+            </a:r>
+          </a:p>
+          <a:p>
+            <a:r>
+              <a:rPr lang="en-US" dirty="0"/>
+              <a:t>            .</a:t>
+            </a:r>
+            <a:r>
+              <a:rPr lang="en-US" dirty="0" err="1"/>
+              <a:t>WithImports</a:t>
+            </a:r>
+            <a:r>
+              <a:rPr lang="en-US" dirty="0"/>
+              <a:t>(new[]</a:t>
+            </a:r>
+          </a:p>
+          <a:p>
+            <a:r>
+              <a:rPr lang="en-US" dirty="0"/>
+              <a:t>            {</a:t>
+            </a:r>
+          </a:p>
+          <a:p>
+            <a:r>
+              <a:rPr lang="en-US" dirty="0"/>
+              <a:t>                "System",</a:t>
+            </a:r>
+          </a:p>
+          <a:p>
+            <a:r>
+              <a:rPr lang="en-US" dirty="0"/>
+              <a:t>                "</a:t>
+            </a:r>
+            <a:r>
+              <a:rPr lang="en-US" dirty="0" err="1"/>
+              <a:t>System.Linq</a:t>
+            </a:r>
+            <a:r>
+              <a:rPr lang="en-US" dirty="0"/>
+              <a:t>",</a:t>
+            </a:r>
+          </a:p>
+          <a:p>
+            <a:r>
+              <a:rPr lang="en-US" dirty="0"/>
+              <a:t>                "</a:t>
+            </a:r>
+            <a:r>
+              <a:rPr lang="en-US" dirty="0" err="1"/>
+              <a:t>System.Linq.Expressions</a:t>
+            </a:r>
+            <a:r>
+              <a:rPr lang="en-US" dirty="0"/>
+              <a:t>",</a:t>
+            </a:r>
+          </a:p>
+          <a:p>
+            <a:r>
+              <a:rPr lang="en-US" dirty="0"/>
+              <a:t>                "ASE.MD.UnifiedSchedule.QueryingCore.Core.ModelBuilderExtensions",</a:t>
+            </a:r>
+          </a:p>
+          <a:p>
+            <a:r>
+              <a:rPr lang="en-US" dirty="0"/>
+              <a:t>                "ASE.MD.UnifiedSchedule.QueryingCore.Core.CustomFunctionExtensions", _</a:t>
+            </a:r>
+            <a:r>
+              <a:rPr lang="en-US" dirty="0" err="1"/>
+              <a:t>factory.GetType</a:t>
+            </a:r>
+            <a:r>
+              <a:rPr lang="en-US" dirty="0"/>
+              <a:t>().Namespace</a:t>
+            </a:r>
+          </a:p>
+          <a:p>
+            <a:r>
+              <a:rPr lang="en-US" dirty="0"/>
+              <a:t>            });</a:t>
+            </a:r>
+          </a:p>
+          <a:p>
+            <a:endParaRPr lang="en-US" dirty="0"/>
+          </a:p>
+          <a:p>
+            <a:r>
+              <a:rPr lang="en-US" dirty="0"/>
+              <a:t>            var result = await </a:t>
+            </a:r>
+            <a:r>
+              <a:rPr lang="en-US" dirty="0" err="1"/>
+              <a:t>CSharpScript.EvaluateAsync</a:t>
+            </a:r>
+            <a:r>
+              <a:rPr lang="en-US" dirty="0"/>
+              <a:t>&lt;Expression&lt;</a:t>
+            </a:r>
+            <a:r>
+              <a:rPr lang="en-US" dirty="0" err="1"/>
+              <a:t>Func</a:t>
+            </a:r>
+            <a:r>
+              <a:rPr lang="en-US" dirty="0"/>
+              <a:t>&lt;</a:t>
+            </a:r>
+            <a:r>
+              <a:rPr lang="en-US" dirty="0" err="1"/>
+              <a:t>TMain</a:t>
+            </a:r>
+            <a:r>
+              <a:rPr lang="en-US" dirty="0"/>
+              <a:t>, object&gt;&gt;&gt;(</a:t>
+            </a:r>
+          </a:p>
+          <a:p>
+            <a:r>
+              <a:rPr lang="en-US" dirty="0"/>
+              <a:t>                code: expression,</a:t>
+            </a:r>
+          </a:p>
+          <a:p>
+            <a:r>
+              <a:rPr lang="en-US" dirty="0"/>
+              <a:t>                options: options,</a:t>
+            </a:r>
+          </a:p>
+          <a:p>
+            <a:r>
+              <a:rPr lang="en-US" dirty="0"/>
+              <a:t>                </a:t>
+            </a:r>
+            <a:r>
+              <a:rPr lang="en-US" dirty="0" err="1"/>
+              <a:t>globals</a:t>
+            </a:r>
+            <a:r>
+              <a:rPr lang="en-US" dirty="0"/>
+              <a:t>: </a:t>
+            </a:r>
+            <a:r>
+              <a:rPr lang="en-US" dirty="0" err="1"/>
+              <a:t>ctx</a:t>
+            </a:r>
+            <a:r>
+              <a:rPr lang="en-US" dirty="0"/>
+              <a:t>,</a:t>
+            </a:r>
+          </a:p>
+          <a:p>
+            <a:r>
+              <a:rPr lang="en-US" dirty="0"/>
+              <a:t>                </a:t>
+            </a:r>
+            <a:r>
+              <a:rPr lang="en-US" dirty="0" err="1"/>
+              <a:t>cancellationToken</a:t>
+            </a:r>
+            <a:r>
+              <a:rPr lang="en-US" dirty="0"/>
+              <a:t>: </a:t>
+            </a:r>
+            <a:r>
+              <a:rPr lang="en-US" dirty="0" err="1"/>
+              <a:t>cancellationToken</a:t>
+            </a:r>
+            <a:r>
+              <a:rPr lang="en-US" dirty="0"/>
+              <a:t>);</a:t>
+            </a:r>
+          </a:p>
+        </p:txBody>
+      </p:sp>
+    </p:spTree>
+    <p:extLst>
+      <p:ext uri="{BB962C8B-B14F-4D97-AF65-F5344CB8AC3E}">
+        <p14:creationId xmlns:p14="http://schemas.microsoft.com/office/powerpoint/2010/main" val="4105692573"/>
+      </p:ext>
+    </p:extLst>
+  </p:cSld>
+  <p:clrMapOvr>
+    <a:masterClrMapping/>
+  </p:clrMapOvr>
+</p:sld>
+</file>
+
+<file path=ppt/slides/slide32.xml><?xml version="1.0" encoding="utf-8"?>
 <p:sld xmlns:a="http://schemas.openxmlformats.org/drawingml/2006/main" xmlns:r="http://schemas.openxmlformats.org/officeDocument/2006/relationships" xmlns:p="http://schemas.openxmlformats.org/presentationml/2006/main">
   <p:cSld>
     <p:spTree>
@@ -8137,7 +11200,7 @@
 </p:sld>
 </file>
 
-<file path=ppt/slides/slide31.xml><?xml version="1.0" encoding="utf-8"?>
+<file path=ppt/slides/slide33.xml><?xml version="1.0" encoding="utf-8"?>
 <p:sld xmlns:a="http://schemas.openxmlformats.org/drawingml/2006/main" xmlns:r="http://schemas.openxmlformats.org/officeDocument/2006/relationships" xmlns:p="http://schemas.openxmlformats.org/presentationml/2006/main">
   <p:cSld>
     <p:spTree>
@@ -8639,6 +11702,948 @@
 <file path=ppt/slides/slide6.xml><?xml version="1.0" encoding="utf-8"?>
 <p:sld xmlns:a="http://schemas.openxmlformats.org/drawingml/2006/main" xmlns:r="http://schemas.openxmlformats.org/officeDocument/2006/relationships" xmlns:p="http://schemas.openxmlformats.org/presentationml/2006/main">
   <p:cSld>
+    <p:bg>
+      <p:bgPr>
+        <a:noFill/>
+        <a:effectLst/>
+      </p:bgPr>
+    </p:bg>
+    <p:spTree>
+      <p:nvGrpSpPr>
+        <p:cNvPr id="1" name=""/>
+        <p:cNvGrpSpPr/>
+        <p:nvPr/>
+      </p:nvGrpSpPr>
+      <p:grpSpPr>
+        <a:xfrm>
+          <a:off x="0" y="0"/>
+          <a:ext cx="0" cy="0"/>
+          <a:chOff x="0" y="0"/>
+          <a:chExt cx="0" cy="0"/>
+        </a:xfrm>
+      </p:grpSpPr>
+      <p:sp>
+        <p:nvSpPr>
+          <p:cNvPr id="2" name="Title 1">
+            <a:extLst>
+              <a:ext uri="{FF2B5EF4-FFF2-40B4-BE49-F238E27FC236}">
+                <a16:creationId xmlns:a16="http://schemas.microsoft.com/office/drawing/2014/main" id="{B913565F-9124-0E03-359E-A4E308F40248}"/>
+              </a:ext>
+            </a:extLst>
+          </p:cNvPr>
+          <p:cNvSpPr>
+            <a:spLocks noGrp="1"/>
+          </p:cNvSpPr>
+          <p:nvPr>
+            <p:ph type="title"/>
+          </p:nvPr>
+        </p:nvSpPr>
+        <p:spPr/>
+        <p:txBody>
+          <a:bodyPr/>
+          <a:lstStyle/>
+          <a:p>
+            <a:r>
+              <a:rPr lang="en-US" dirty="0"/>
+              <a:t>How to</a:t>
+            </a:r>
+          </a:p>
+        </p:txBody>
+      </p:sp>
+      <p:sp>
+        <p:nvSpPr>
+          <p:cNvPr id="4" name="Rectangle 2">
+            <a:extLst>
+              <a:ext uri="{FF2B5EF4-FFF2-40B4-BE49-F238E27FC236}">
+                <a16:creationId xmlns:a16="http://schemas.microsoft.com/office/drawing/2014/main" id="{236AB961-1BC2-666D-8E6F-74C563C1FC1B}"/>
+              </a:ext>
+            </a:extLst>
+          </p:cNvPr>
+          <p:cNvSpPr>
+            <a:spLocks noGrp="1" noChangeArrowheads="1"/>
+          </p:cNvSpPr>
+          <p:nvPr>
+            <p:ph idx="1"/>
+          </p:nvPr>
+        </p:nvSpPr>
+        <p:spPr bwMode="auto">
+          <a:xfrm>
+            <a:off x="838200" y="2708635"/>
+            <a:ext cx="8655896" cy="2585323"/>
+          </a:xfrm>
+          <a:prstGeom prst="rect">
+            <a:avLst/>
+          </a:prstGeom>
+          <a:noFill/>
+          <a:ln>
+            <a:noFill/>
+          </a:ln>
+          <a:effectLst/>
+          <a:extLst>
+            <a:ext uri="{909E8E84-426E-40DD-AFC4-6F175D3DCCD1}">
+              <a14:hiddenFill xmlns:a14="http://schemas.microsoft.com/office/drawing/2010/main">
+                <a:solidFill>
+                  <a:schemeClr val="accent1"/>
+                </a:solidFill>
+              </a14:hiddenFill>
+            </a:ext>
+            <a:ext uri="{91240B29-F687-4F45-9708-019B960494DF}">
+              <a14:hiddenLine xmlns:a14="http://schemas.microsoft.com/office/drawing/2010/main" w="9525">
+                <a:solidFill>
+                  <a:schemeClr val="tx1"/>
+                </a:solidFill>
+                <a:miter lim="800000"/>
+                <a:headEnd/>
+                <a:tailEnd/>
+              </a14:hiddenLine>
+            </a:ext>
+            <a:ext uri="{AF507438-7753-43E0-B8FC-AC1667EBCBE1}">
+              <a14:hiddenEffects xmlns:a14="http://schemas.microsoft.com/office/drawing/2010/main">
+                <a:effectLst>
+                  <a:outerShdw dist="35921" dir="2700000" algn="ctr" rotWithShape="0">
+                    <a:schemeClr val="bg2"/>
+                  </a:outerShdw>
+                </a:effectLst>
+              </a14:hiddenEffects>
+            </a:ext>
+          </a:extLst>
+        </p:spPr>
+        <p:txBody>
+          <a:bodyPr vert="horz" wrap="none" lIns="0" tIns="0" rIns="0" bIns="0" numCol="1" anchor="ctr" anchorCtr="0" compatLnSpc="1">
+            <a:prstTxWarp prst="textNoShape">
+              <a:avLst/>
+            </a:prstTxWarp>
+            <a:spAutoFit/>
+          </a:bodyPr>
+          <a:lstStyle>
+            <a:lvl1pPr eaLnBrk="0" fontAlgn="base" hangingPunct="0">
+              <a:spcBef>
+                <a:spcPct val="0"/>
+              </a:spcBef>
+              <a:spcAft>
+                <a:spcPct val="0"/>
+              </a:spcAft>
+              <a:defRPr>
+                <a:solidFill>
+                  <a:schemeClr val="tx1"/>
+                </a:solidFill>
+                <a:latin typeface="Arial" panose="020B0604020202020204" pitchFamily="34" charset="0"/>
+              </a:defRPr>
+            </a:lvl1pPr>
+            <a:lvl2pPr eaLnBrk="0" fontAlgn="base" hangingPunct="0">
+              <a:spcBef>
+                <a:spcPct val="0"/>
+              </a:spcBef>
+              <a:spcAft>
+                <a:spcPct val="0"/>
+              </a:spcAft>
+              <a:defRPr>
+                <a:solidFill>
+                  <a:schemeClr val="tx1"/>
+                </a:solidFill>
+                <a:latin typeface="Arial" panose="020B0604020202020204" pitchFamily="34" charset="0"/>
+              </a:defRPr>
+            </a:lvl2pPr>
+            <a:lvl3pPr eaLnBrk="0" fontAlgn="base" hangingPunct="0">
+              <a:spcBef>
+                <a:spcPct val="0"/>
+              </a:spcBef>
+              <a:spcAft>
+                <a:spcPct val="0"/>
+              </a:spcAft>
+              <a:defRPr>
+                <a:solidFill>
+                  <a:schemeClr val="tx1"/>
+                </a:solidFill>
+                <a:latin typeface="Arial" panose="020B0604020202020204" pitchFamily="34" charset="0"/>
+              </a:defRPr>
+            </a:lvl3pPr>
+            <a:lvl4pPr eaLnBrk="0" fontAlgn="base" hangingPunct="0">
+              <a:spcBef>
+                <a:spcPct val="0"/>
+              </a:spcBef>
+              <a:spcAft>
+                <a:spcPct val="0"/>
+              </a:spcAft>
+              <a:defRPr>
+                <a:solidFill>
+                  <a:schemeClr val="tx1"/>
+                </a:solidFill>
+                <a:latin typeface="Arial" panose="020B0604020202020204" pitchFamily="34" charset="0"/>
+              </a:defRPr>
+            </a:lvl4pPr>
+            <a:lvl5pPr eaLnBrk="0" fontAlgn="base" hangingPunct="0">
+              <a:spcBef>
+                <a:spcPct val="0"/>
+              </a:spcBef>
+              <a:spcAft>
+                <a:spcPct val="0"/>
+              </a:spcAft>
+              <a:defRPr>
+                <a:solidFill>
+                  <a:schemeClr val="tx1"/>
+                </a:solidFill>
+                <a:latin typeface="Arial" panose="020B0604020202020204" pitchFamily="34" charset="0"/>
+              </a:defRPr>
+            </a:lvl5pPr>
+            <a:lvl6pPr eaLnBrk="0" fontAlgn="base" hangingPunct="0">
+              <a:spcBef>
+                <a:spcPct val="0"/>
+              </a:spcBef>
+              <a:spcAft>
+                <a:spcPct val="0"/>
+              </a:spcAft>
+              <a:defRPr>
+                <a:solidFill>
+                  <a:schemeClr val="tx1"/>
+                </a:solidFill>
+                <a:latin typeface="Arial" panose="020B0604020202020204" pitchFamily="34" charset="0"/>
+              </a:defRPr>
+            </a:lvl6pPr>
+            <a:lvl7pPr eaLnBrk="0" fontAlgn="base" hangingPunct="0">
+              <a:spcBef>
+                <a:spcPct val="0"/>
+              </a:spcBef>
+              <a:spcAft>
+                <a:spcPct val="0"/>
+              </a:spcAft>
+              <a:defRPr>
+                <a:solidFill>
+                  <a:schemeClr val="tx1"/>
+                </a:solidFill>
+                <a:latin typeface="Arial" panose="020B0604020202020204" pitchFamily="34" charset="0"/>
+              </a:defRPr>
+            </a:lvl7pPr>
+            <a:lvl8pPr eaLnBrk="0" fontAlgn="base" hangingPunct="0">
+              <a:spcBef>
+                <a:spcPct val="0"/>
+              </a:spcBef>
+              <a:spcAft>
+                <a:spcPct val="0"/>
+              </a:spcAft>
+              <a:defRPr>
+                <a:solidFill>
+                  <a:schemeClr val="tx1"/>
+                </a:solidFill>
+                <a:latin typeface="Arial" panose="020B0604020202020204" pitchFamily="34" charset="0"/>
+              </a:defRPr>
+            </a:lvl8pPr>
+            <a:lvl9pPr eaLnBrk="0" fontAlgn="base" hangingPunct="0">
+              <a:spcBef>
+                <a:spcPct val="0"/>
+              </a:spcBef>
+              <a:spcAft>
+                <a:spcPct val="0"/>
+              </a:spcAft>
+              <a:defRPr>
+                <a:solidFill>
+                  <a:schemeClr val="tx1"/>
+                </a:solidFill>
+                <a:latin typeface="Arial" panose="020B0604020202020204" pitchFamily="34" charset="0"/>
+              </a:defRPr>
+            </a:lvl9pPr>
+          </a:lstStyle>
+          <a:p>
+            <a:pPr marL="0" marR="0" lvl="0" indent="0" algn="l" defTabSz="914400" rtl="0" eaLnBrk="0" fontAlgn="base" latinLnBrk="0" hangingPunct="0">
+              <a:lnSpc>
+                <a:spcPct val="100000"/>
+              </a:lnSpc>
+              <a:spcBef>
+                <a:spcPct val="0"/>
+              </a:spcBef>
+              <a:spcAft>
+                <a:spcPct val="0"/>
+              </a:spcAft>
+              <a:buClrTx/>
+              <a:buSzTx/>
+              <a:buFontTx/>
+              <a:buNone/>
+              <a:tabLst/>
+            </a:pPr>
+            <a:r>
+              <a:rPr lang="en-US" altLang="en-US" sz="1600" b="1" dirty="0">
+                <a:solidFill>
+                  <a:srgbClr val="006699"/>
+                </a:solidFill>
+                <a:latin typeface="Monaco"/>
+              </a:rPr>
+              <a:t>Example: </a:t>
+            </a:r>
+            <a:r>
+              <a:rPr kumimoji="0" lang="en-US" altLang="en-US" sz="1600" b="1" i="0" u="none" strike="noStrike" cap="none" normalizeH="0" baseline="0" dirty="0">
+                <a:ln>
+                  <a:noFill/>
+                </a:ln>
+                <a:solidFill>
+                  <a:srgbClr val="006699"/>
+                </a:solidFill>
+                <a:effectLst/>
+                <a:latin typeface="Monaco"/>
+              </a:rPr>
+              <a:t>var </a:t>
+            </a:r>
+            <a:r>
+              <a:rPr kumimoji="0" lang="en-US" altLang="en-US" sz="1600" b="1" i="0" u="none" strike="noStrike" cap="none" normalizeH="0" baseline="0" dirty="0" err="1">
+                <a:ln>
+                  <a:noFill/>
+                </a:ln>
+                <a:effectLst/>
+                <a:latin typeface="Monaco"/>
+              </a:rPr>
+              <a:t>adultCustomers</a:t>
+            </a:r>
+            <a:r>
+              <a:rPr kumimoji="0" lang="en-US" altLang="en-US" sz="1600" b="1" i="0" u="none" strike="noStrike" cap="none" normalizeH="0" baseline="0" dirty="0">
+                <a:ln>
+                  <a:noFill/>
+                </a:ln>
+                <a:solidFill>
+                  <a:srgbClr val="006699"/>
+                </a:solidFill>
+                <a:effectLst/>
+                <a:latin typeface="Monaco"/>
+              </a:rPr>
+              <a:t> = </a:t>
+            </a:r>
+            <a:r>
+              <a:rPr kumimoji="0" lang="en-US" altLang="en-US" sz="1600" b="1" i="0" u="none" strike="noStrike" cap="none" normalizeH="0" baseline="0" dirty="0" err="1">
+                <a:ln>
+                  <a:noFill/>
+                </a:ln>
+                <a:effectLst/>
+                <a:latin typeface="Monaco"/>
+              </a:rPr>
+              <a:t>db.Customers</a:t>
+            </a:r>
+            <a:endParaRPr kumimoji="0" lang="en-US" altLang="en-US" sz="1600" b="1" i="0" u="none" strike="noStrike" cap="none" normalizeH="0" baseline="0" dirty="0">
+              <a:ln>
+                <a:noFill/>
+              </a:ln>
+              <a:effectLst/>
+              <a:latin typeface="Monaco"/>
+            </a:endParaRPr>
+          </a:p>
+          <a:p>
+            <a:pPr marL="0" marR="0" lvl="0" indent="0" algn="l" defTabSz="914400" rtl="0" eaLnBrk="0" fontAlgn="base" latinLnBrk="0" hangingPunct="0">
+              <a:lnSpc>
+                <a:spcPct val="100000"/>
+              </a:lnSpc>
+              <a:spcBef>
+                <a:spcPct val="0"/>
+              </a:spcBef>
+              <a:spcAft>
+                <a:spcPct val="0"/>
+              </a:spcAft>
+              <a:buClrTx/>
+              <a:buSzTx/>
+              <a:buFontTx/>
+              <a:buNone/>
+              <a:tabLst/>
+            </a:pPr>
+            <a:r>
+              <a:rPr kumimoji="0" lang="en-US" altLang="en-US" sz="1600" b="1" i="0" u="none" strike="noStrike" cap="none" normalizeH="0" baseline="0" dirty="0">
+                <a:ln>
+                  <a:noFill/>
+                </a:ln>
+                <a:effectLst/>
+                <a:latin typeface="Monaco"/>
+              </a:rPr>
+              <a:t>                          .Where(c =&gt; </a:t>
+            </a:r>
+            <a:r>
+              <a:rPr kumimoji="0" lang="en-US" altLang="en-US" sz="1600" b="1" i="0" u="none" strike="noStrike" cap="none" normalizeH="0" baseline="0" dirty="0" err="1">
+                <a:ln>
+                  <a:noFill/>
+                </a:ln>
+                <a:effectLst/>
+                <a:latin typeface="Monaco"/>
+              </a:rPr>
+              <a:t>c.DateOfBirth</a:t>
+            </a:r>
+            <a:r>
+              <a:rPr kumimoji="0" lang="en-US" altLang="en-US" sz="1600" b="1" i="0" u="none" strike="noStrike" cap="none" normalizeH="0" baseline="0" dirty="0">
+                <a:ln>
+                  <a:noFill/>
+                </a:ln>
+                <a:effectLst/>
+                <a:latin typeface="Monaco"/>
+              </a:rPr>
+              <a:t> &lt; </a:t>
+            </a:r>
+            <a:r>
+              <a:rPr kumimoji="0" lang="en-US" altLang="en-US" sz="1600" b="1" i="0" u="none" strike="noStrike" cap="none" normalizeH="0" baseline="0" dirty="0" err="1">
+                <a:ln>
+                  <a:noFill/>
+                </a:ln>
+                <a:effectLst/>
+                <a:latin typeface="Monaco"/>
+              </a:rPr>
+              <a:t>DateTime.Now.AddYears</a:t>
+            </a:r>
+            <a:r>
+              <a:rPr kumimoji="0" lang="en-US" altLang="en-US" sz="1600" b="1" i="0" u="none" strike="noStrike" cap="none" normalizeH="0" baseline="0" dirty="0">
+                <a:ln>
+                  <a:noFill/>
+                </a:ln>
+                <a:effectLst/>
+                <a:latin typeface="Monaco"/>
+              </a:rPr>
+              <a:t>(-18));</a:t>
+            </a:r>
+            <a:endParaRPr kumimoji="0" lang="en-US" altLang="en-US" sz="1600" b="1" i="0" u="none" strike="noStrike" cap="none" normalizeH="0" baseline="0" dirty="0">
+              <a:ln>
+                <a:noFill/>
+              </a:ln>
+              <a:solidFill>
+                <a:srgbClr val="006699"/>
+              </a:solidFill>
+              <a:effectLst/>
+              <a:latin typeface="Monaco"/>
+            </a:endParaRPr>
+          </a:p>
+          <a:p>
+            <a:pPr marL="0" marR="0" lvl="0" indent="0" algn="l" defTabSz="914400" rtl="0" eaLnBrk="0" fontAlgn="base" latinLnBrk="0" hangingPunct="0">
+              <a:lnSpc>
+                <a:spcPct val="100000"/>
+              </a:lnSpc>
+              <a:spcBef>
+                <a:spcPct val="0"/>
+              </a:spcBef>
+              <a:spcAft>
+                <a:spcPct val="0"/>
+              </a:spcAft>
+              <a:buClrTx/>
+              <a:buSzTx/>
+              <a:buFontTx/>
+              <a:buNone/>
+              <a:tabLst/>
+            </a:pPr>
+            <a:endParaRPr kumimoji="0" lang="en-US" altLang="en-US" sz="1600" b="1" i="0" u="none" strike="noStrike" cap="none" normalizeH="0" baseline="0" dirty="0">
+              <a:ln>
+                <a:noFill/>
+              </a:ln>
+              <a:solidFill>
+                <a:srgbClr val="006699"/>
+              </a:solidFill>
+              <a:effectLst/>
+              <a:latin typeface="Monaco"/>
+            </a:endParaRPr>
+          </a:p>
+          <a:p>
+            <a:pPr marL="0" marR="0" lvl="0" indent="0" algn="l" defTabSz="914400" rtl="0" eaLnBrk="0" fontAlgn="base" latinLnBrk="0" hangingPunct="0">
+              <a:lnSpc>
+                <a:spcPct val="100000"/>
+              </a:lnSpc>
+              <a:spcBef>
+                <a:spcPct val="0"/>
+              </a:spcBef>
+              <a:spcAft>
+                <a:spcPct val="0"/>
+              </a:spcAft>
+              <a:buClrTx/>
+              <a:buSzTx/>
+              <a:buFontTx/>
+              <a:buNone/>
+              <a:tabLst/>
+            </a:pPr>
+            <a:endParaRPr kumimoji="0" lang="en-US" altLang="en-US" sz="1600" b="1" i="0" u="none" strike="noStrike" cap="none" normalizeH="0" baseline="0" dirty="0">
+              <a:ln>
+                <a:noFill/>
+              </a:ln>
+              <a:solidFill>
+                <a:srgbClr val="006699"/>
+              </a:solidFill>
+              <a:effectLst/>
+              <a:latin typeface="Monaco"/>
+            </a:endParaRPr>
+          </a:p>
+          <a:p>
+            <a:pPr marL="0" marR="0" lvl="0" indent="0" algn="l" defTabSz="914400" rtl="0" eaLnBrk="0" fontAlgn="base" latinLnBrk="0" hangingPunct="0">
+              <a:lnSpc>
+                <a:spcPct val="100000"/>
+              </a:lnSpc>
+              <a:spcBef>
+                <a:spcPct val="0"/>
+              </a:spcBef>
+              <a:spcAft>
+                <a:spcPct val="0"/>
+              </a:spcAft>
+              <a:buClrTx/>
+              <a:buSzTx/>
+              <a:buFontTx/>
+              <a:buNone/>
+              <a:tabLst/>
+            </a:pPr>
+            <a:r>
+              <a:rPr kumimoji="0" lang="en-US" altLang="en-US" sz="1600" b="1" i="0" u="none" strike="noStrike" cap="none" normalizeH="0" baseline="0" dirty="0">
+                <a:ln>
+                  <a:noFill/>
+                </a:ln>
+                <a:solidFill>
+                  <a:srgbClr val="006699"/>
+                </a:solidFill>
+                <a:effectLst/>
+                <a:latin typeface="Monaco"/>
+              </a:rPr>
+              <a:t>var</a:t>
+            </a:r>
+            <a:r>
+              <a:rPr kumimoji="0" lang="en-US" altLang="en-US" sz="1600" b="0" i="0" u="none" strike="noStrike" cap="none" normalizeH="0" baseline="0" dirty="0">
+                <a:ln>
+                  <a:noFill/>
+                </a:ln>
+                <a:solidFill>
+                  <a:srgbClr val="606666"/>
+                </a:solidFill>
+                <a:effectLst/>
+                <a:latin typeface="Monaco"/>
+              </a:rPr>
+              <a:t> </a:t>
+            </a:r>
+            <a:r>
+              <a:rPr kumimoji="0" lang="en-US" altLang="en-US" sz="1600" b="0" i="0" u="none" strike="noStrike" cap="none" normalizeH="0" baseline="0" dirty="0" err="1">
+                <a:ln>
+                  <a:noFill/>
+                </a:ln>
+                <a:solidFill>
+                  <a:srgbClr val="000000"/>
+                </a:solidFill>
+                <a:effectLst/>
+                <a:latin typeface="Monaco"/>
+              </a:rPr>
+              <a:t>filterExpression</a:t>
+            </a:r>
+            <a:r>
+              <a:rPr kumimoji="0" lang="en-US" altLang="en-US" sz="1600" b="0" i="0" u="none" strike="noStrike" cap="none" normalizeH="0" baseline="0" dirty="0">
+                <a:ln>
+                  <a:noFill/>
+                </a:ln>
+                <a:solidFill>
+                  <a:srgbClr val="000000"/>
+                </a:solidFill>
+                <a:effectLst/>
+                <a:latin typeface="Monaco"/>
+              </a:rPr>
+              <a:t> = </a:t>
+            </a:r>
+            <a:r>
+              <a:rPr kumimoji="0" lang="en-US" altLang="en-US" sz="1600" b="1" i="0" u="none" strike="noStrike" cap="none" normalizeH="0" baseline="0" dirty="0">
+                <a:ln>
+                  <a:noFill/>
+                </a:ln>
+                <a:solidFill>
+                  <a:srgbClr val="006699"/>
+                </a:solidFill>
+                <a:effectLst/>
+                <a:latin typeface="Monaco"/>
+              </a:rPr>
+              <a:t>await</a:t>
+            </a:r>
+            <a:r>
+              <a:rPr kumimoji="0" lang="en-US" altLang="en-US" sz="1600" b="0" i="0" u="none" strike="noStrike" cap="none" normalizeH="0" baseline="0" dirty="0">
+                <a:ln>
+                  <a:noFill/>
+                </a:ln>
+                <a:solidFill>
+                  <a:srgbClr val="606666"/>
+                </a:solidFill>
+                <a:effectLst/>
+                <a:latin typeface="Monaco"/>
+              </a:rPr>
+              <a:t> </a:t>
+            </a:r>
+            <a:r>
+              <a:rPr kumimoji="0" lang="en-US" altLang="en-US" sz="1600" b="0" i="0" u="none" strike="noStrike" cap="none" normalizeH="0" baseline="0" dirty="0" err="1">
+                <a:ln>
+                  <a:noFill/>
+                </a:ln>
+                <a:solidFill>
+                  <a:srgbClr val="000000"/>
+                </a:solidFill>
+                <a:effectLst/>
+                <a:latin typeface="Monaco"/>
+              </a:rPr>
+              <a:t>CSharpScript.EvaluateAsync</a:t>
+            </a:r>
+            <a:r>
+              <a:rPr kumimoji="0" lang="en-US" altLang="en-US" sz="1600" b="0" i="0" u="none" strike="noStrike" cap="none" normalizeH="0" baseline="0" dirty="0">
+                <a:ln>
+                  <a:noFill/>
+                </a:ln>
+                <a:solidFill>
+                  <a:srgbClr val="000000"/>
+                </a:solidFill>
+                <a:effectLst/>
+                <a:latin typeface="Monaco"/>
+              </a:rPr>
+              <a:t>&lt;</a:t>
+            </a:r>
+            <a:r>
+              <a:rPr kumimoji="0" lang="en-US" altLang="en-US" sz="1600" b="0" i="0" u="none" strike="noStrike" cap="none" normalizeH="0" baseline="0" dirty="0" err="1">
+                <a:ln>
+                  <a:noFill/>
+                </a:ln>
+                <a:solidFill>
+                  <a:srgbClr val="000000"/>
+                </a:solidFill>
+                <a:effectLst/>
+                <a:latin typeface="Monaco"/>
+              </a:rPr>
+              <a:t>Func</a:t>
+            </a:r>
+            <a:r>
+              <a:rPr kumimoji="0" lang="en-US" altLang="en-US" sz="1600" b="0" i="0" u="none" strike="noStrike" cap="none" normalizeH="0" baseline="0" dirty="0">
+                <a:ln>
+                  <a:noFill/>
+                </a:ln>
+                <a:solidFill>
+                  <a:srgbClr val="000000"/>
+                </a:solidFill>
+                <a:effectLst/>
+                <a:latin typeface="Monaco"/>
+              </a:rPr>
+              <a:t>&lt;Customer, </a:t>
+            </a:r>
+            <a:r>
+              <a:rPr kumimoji="0" lang="en-US" altLang="en-US" sz="1600" b="1" i="0" u="none" strike="noStrike" cap="none" normalizeH="0" baseline="0" dirty="0">
+                <a:ln>
+                  <a:noFill/>
+                </a:ln>
+                <a:solidFill>
+                  <a:srgbClr val="006699"/>
+                </a:solidFill>
+                <a:effectLst/>
+                <a:latin typeface="Monaco"/>
+              </a:rPr>
+              <a:t>bool</a:t>
+            </a:r>
+            <a:r>
+              <a:rPr kumimoji="0" lang="en-US" altLang="en-US" sz="1600" b="0" i="0" u="none" strike="noStrike" cap="none" normalizeH="0" baseline="0" dirty="0">
+                <a:ln>
+                  <a:noFill/>
+                </a:ln>
+                <a:solidFill>
+                  <a:srgbClr val="000000"/>
+                </a:solidFill>
+                <a:effectLst/>
+                <a:latin typeface="Monaco"/>
+              </a:rPr>
+              <a:t>&gt;&gt;(</a:t>
+            </a:r>
+            <a:r>
+              <a:rPr kumimoji="0" lang="en-US" altLang="en-US" sz="1600" b="0" i="0" u="none" strike="noStrike" cap="none" normalizeH="0" baseline="0" dirty="0" err="1">
+                <a:ln>
+                  <a:noFill/>
+                </a:ln>
+                <a:solidFill>
+                  <a:srgbClr val="000000"/>
+                </a:solidFill>
+                <a:effectLst/>
+                <a:latin typeface="Monaco"/>
+              </a:rPr>
+              <a:t>filterLambda</a:t>
+            </a:r>
+            <a:r>
+              <a:rPr kumimoji="0" lang="en-US" altLang="en-US" sz="1600" b="0" i="0" u="none" strike="noStrike" cap="none" normalizeH="0" baseline="0" dirty="0">
+                <a:ln>
+                  <a:noFill/>
+                </a:ln>
+                <a:solidFill>
+                  <a:srgbClr val="000000"/>
+                </a:solidFill>
+                <a:effectLst/>
+                <a:latin typeface="Monaco"/>
+              </a:rPr>
+              <a:t>, options);</a:t>
+            </a:r>
+            <a:endParaRPr kumimoji="0" lang="ru-RU" altLang="en-US" sz="1600" b="0" i="0" u="none" strike="noStrike" cap="none" normalizeH="0" baseline="0" dirty="0">
+              <a:ln>
+                <a:noFill/>
+              </a:ln>
+              <a:solidFill>
+                <a:srgbClr val="000000"/>
+              </a:solidFill>
+              <a:effectLst/>
+              <a:latin typeface="Monaco"/>
+            </a:endParaRPr>
+          </a:p>
+          <a:p>
+            <a:pPr marL="0" marR="0" lvl="0" indent="0" algn="l" defTabSz="914400" rtl="0" eaLnBrk="0" fontAlgn="base" latinLnBrk="0" hangingPunct="0">
+              <a:lnSpc>
+                <a:spcPct val="100000"/>
+              </a:lnSpc>
+              <a:spcBef>
+                <a:spcPct val="0"/>
+              </a:spcBef>
+              <a:spcAft>
+                <a:spcPct val="0"/>
+              </a:spcAft>
+              <a:buClrTx/>
+              <a:buSzTx/>
+              <a:buFontTx/>
+              <a:buNone/>
+              <a:tabLst/>
+            </a:pPr>
+            <a:endParaRPr lang="ru-RU" altLang="en-US" sz="1600" dirty="0">
+              <a:solidFill>
+                <a:srgbClr val="000000"/>
+              </a:solidFill>
+              <a:latin typeface="Monaco"/>
+            </a:endParaRPr>
+          </a:p>
+          <a:p>
+            <a:pPr marL="0" marR="0" lvl="0" indent="0" algn="l" defTabSz="914400" rtl="0" eaLnBrk="0" fontAlgn="base" latinLnBrk="0" hangingPunct="0">
+              <a:lnSpc>
+                <a:spcPct val="100000"/>
+              </a:lnSpc>
+              <a:spcBef>
+                <a:spcPct val="0"/>
+              </a:spcBef>
+              <a:spcAft>
+                <a:spcPct val="0"/>
+              </a:spcAft>
+              <a:buClrTx/>
+              <a:buSzTx/>
+              <a:buFontTx/>
+              <a:buNone/>
+              <a:tabLst/>
+            </a:pPr>
+            <a:r>
+              <a:rPr lang="en-US" altLang="en-US" sz="1600" dirty="0" err="1">
+                <a:solidFill>
+                  <a:srgbClr val="000000"/>
+                </a:solidFill>
+                <a:latin typeface="Monaco"/>
+              </a:rPr>
+              <a:t>IEnumerable</a:t>
+            </a:r>
+            <a:r>
+              <a:rPr lang="en-US" altLang="en-US" sz="1600" dirty="0">
+                <a:solidFill>
+                  <a:srgbClr val="000000"/>
+                </a:solidFill>
+                <a:latin typeface="Monaco"/>
+              </a:rPr>
+              <a:t>&lt;Customer&gt; </a:t>
+            </a:r>
+            <a:r>
+              <a:rPr lang="en-US" altLang="en-US" sz="1600" dirty="0" err="1">
+                <a:solidFill>
+                  <a:srgbClr val="000000"/>
+                </a:solidFill>
+                <a:latin typeface="Monaco"/>
+              </a:rPr>
+              <a:t>SearchCustomers</a:t>
+            </a:r>
+            <a:r>
+              <a:rPr lang="en-US" altLang="en-US" sz="1600" dirty="0">
+                <a:solidFill>
+                  <a:srgbClr val="000000"/>
+                </a:solidFill>
+                <a:latin typeface="Monaco"/>
+              </a:rPr>
+              <a:t>(string </a:t>
+            </a:r>
+            <a:r>
+              <a:rPr lang="en-US" altLang="en-US" sz="1600" dirty="0" err="1">
+                <a:solidFill>
+                  <a:srgbClr val="000000"/>
+                </a:solidFill>
+                <a:latin typeface="Monaco"/>
+              </a:rPr>
+              <a:t>filterLambda</a:t>
+            </a:r>
+            <a:r>
+              <a:rPr lang="en-US" altLang="en-US" sz="1600" dirty="0">
+                <a:solidFill>
+                  <a:srgbClr val="000000"/>
+                </a:solidFill>
+                <a:latin typeface="Monaco"/>
+              </a:rPr>
+              <a:t>)</a:t>
+            </a:r>
+          </a:p>
+          <a:p>
+            <a:pPr marL="0" marR="0" lvl="0" indent="0" algn="l" defTabSz="914400" rtl="0" eaLnBrk="0" fontAlgn="base" latinLnBrk="0" hangingPunct="0">
+              <a:lnSpc>
+                <a:spcPct val="100000"/>
+              </a:lnSpc>
+              <a:spcBef>
+                <a:spcPct val="0"/>
+              </a:spcBef>
+              <a:spcAft>
+                <a:spcPct val="0"/>
+              </a:spcAft>
+              <a:buClrTx/>
+              <a:buSzTx/>
+              <a:buFontTx/>
+              <a:buNone/>
+              <a:tabLst/>
+            </a:pPr>
+            <a:r>
+              <a:rPr lang="en-US" altLang="en-US" sz="1600" dirty="0">
+                <a:solidFill>
+                  <a:srgbClr val="000000"/>
+                </a:solidFill>
+                <a:latin typeface="Monaco"/>
+              </a:rPr>
+              <a:t>{</a:t>
+            </a:r>
+          </a:p>
+          <a:p>
+            <a:pPr marL="0" marR="0" lvl="0" indent="0" algn="l" defTabSz="914400" rtl="0" eaLnBrk="0" fontAlgn="base" latinLnBrk="0" hangingPunct="0">
+              <a:lnSpc>
+                <a:spcPct val="100000"/>
+              </a:lnSpc>
+              <a:spcBef>
+                <a:spcPct val="0"/>
+              </a:spcBef>
+              <a:spcAft>
+                <a:spcPct val="0"/>
+              </a:spcAft>
+              <a:buClrTx/>
+              <a:buSzTx/>
+              <a:buFontTx/>
+              <a:buNone/>
+              <a:tabLst/>
+            </a:pPr>
+            <a:r>
+              <a:rPr lang="en-US" altLang="en-US" sz="1600" dirty="0">
+                <a:solidFill>
+                  <a:srgbClr val="000000"/>
+                </a:solidFill>
+                <a:latin typeface="Monaco"/>
+              </a:rPr>
+              <a:t>   return </a:t>
+            </a:r>
+            <a:r>
+              <a:rPr lang="en-US" altLang="en-US" sz="1600" dirty="0" err="1">
+                <a:solidFill>
+                  <a:srgbClr val="000000"/>
+                </a:solidFill>
+                <a:latin typeface="Monaco"/>
+              </a:rPr>
+              <a:t>db.Customers.Where</a:t>
+            </a:r>
+            <a:r>
+              <a:rPr lang="en-US" altLang="en-US" sz="1600" dirty="0">
+                <a:solidFill>
+                  <a:srgbClr val="000000"/>
+                </a:solidFill>
+                <a:latin typeface="Monaco"/>
+              </a:rPr>
+              <a:t>( &lt;somehow turn </a:t>
+            </a:r>
+            <a:r>
+              <a:rPr lang="en-US" altLang="en-US" sz="1600" dirty="0" err="1">
+                <a:solidFill>
+                  <a:srgbClr val="000000"/>
+                </a:solidFill>
+                <a:latin typeface="Monaco"/>
+              </a:rPr>
+              <a:t>filterLambda</a:t>
+            </a:r>
+            <a:r>
+              <a:rPr lang="en-US" altLang="en-US" sz="1600" dirty="0">
+                <a:solidFill>
+                  <a:srgbClr val="000000"/>
+                </a:solidFill>
+                <a:latin typeface="Monaco"/>
+              </a:rPr>
+              <a:t> into a lambda&gt; );</a:t>
+            </a:r>
+          </a:p>
+          <a:p>
+            <a:pPr marL="0" marR="0" lvl="0" indent="0" algn="l" defTabSz="914400" rtl="0" eaLnBrk="0" fontAlgn="base" latinLnBrk="0" hangingPunct="0">
+              <a:lnSpc>
+                <a:spcPct val="100000"/>
+              </a:lnSpc>
+              <a:spcBef>
+                <a:spcPct val="0"/>
+              </a:spcBef>
+              <a:spcAft>
+                <a:spcPct val="0"/>
+              </a:spcAft>
+              <a:buClrTx/>
+              <a:buSzTx/>
+              <a:buFontTx/>
+              <a:buNone/>
+              <a:tabLst/>
+            </a:pPr>
+            <a:r>
+              <a:rPr lang="en-US" altLang="en-US" sz="1600" dirty="0">
+                <a:solidFill>
+                  <a:srgbClr val="000000"/>
+                </a:solidFill>
+                <a:latin typeface="Monaco"/>
+              </a:rPr>
+              <a:t>}</a:t>
+            </a:r>
+            <a:endParaRPr lang="ru-RU" altLang="en-US" sz="1600" dirty="0">
+              <a:solidFill>
+                <a:srgbClr val="000000"/>
+              </a:solidFill>
+              <a:latin typeface="Monaco"/>
+            </a:endParaRPr>
+          </a:p>
+          <a:p>
+            <a:pPr marL="0" marR="0" lvl="0" indent="0" algn="l" defTabSz="914400" rtl="0" eaLnBrk="0" fontAlgn="base" latinLnBrk="0" hangingPunct="0">
+              <a:lnSpc>
+                <a:spcPct val="100000"/>
+              </a:lnSpc>
+              <a:spcBef>
+                <a:spcPct val="0"/>
+              </a:spcBef>
+              <a:spcAft>
+                <a:spcPct val="0"/>
+              </a:spcAft>
+              <a:buClrTx/>
+              <a:buSzTx/>
+              <a:buFontTx/>
+              <a:buNone/>
+              <a:tabLst/>
+            </a:pPr>
+            <a:r>
+              <a:rPr kumimoji="0" lang="en-US" altLang="en-US" sz="800" b="0" i="0" u="none" strike="noStrike" cap="none" normalizeH="0" baseline="0" dirty="0">
+                <a:ln>
+                  <a:noFill/>
+                </a:ln>
+                <a:solidFill>
+                  <a:schemeClr val="tx1"/>
+                </a:solidFill>
+                <a:effectLst/>
+              </a:rPr>
+              <a:t> </a:t>
+            </a:r>
+            <a:endParaRPr kumimoji="0" lang="en-US" altLang="en-US" sz="1800" b="0" i="0" u="none" strike="noStrike" cap="none" normalizeH="0" baseline="0" dirty="0">
+              <a:ln>
+                <a:noFill/>
+              </a:ln>
+              <a:solidFill>
+                <a:schemeClr val="tx1"/>
+              </a:solidFill>
+              <a:effectLst/>
+              <a:latin typeface="Arial" panose="020B0604020202020204" pitchFamily="34" charset="0"/>
+            </a:endParaRPr>
+          </a:p>
+        </p:txBody>
+      </p:sp>
+    </p:spTree>
+    <p:extLst>
+      <p:ext uri="{BB962C8B-B14F-4D97-AF65-F5344CB8AC3E}">
+        <p14:creationId xmlns:p14="http://schemas.microsoft.com/office/powerpoint/2010/main" val="3874414396"/>
+      </p:ext>
+    </p:extLst>
+  </p:cSld>
+  <p:clrMapOvr>
+    <a:masterClrMapping/>
+  </p:clrMapOvr>
+</p:sld>
+</file>
+
+<file path=ppt/slides/slide7.xml><?xml version="1.0" encoding="utf-8"?>
+<p:sld xmlns:a="http://schemas.openxmlformats.org/drawingml/2006/main" xmlns:r="http://schemas.openxmlformats.org/officeDocument/2006/relationships" xmlns:p="http://schemas.openxmlformats.org/presentationml/2006/main">
+  <p:cSld>
     <p:spTree>
       <p:nvGrpSpPr>
         <p:cNvPr id="1" name=""/>
@@ -8735,7 +12740,7 @@
 </p:sld>
 </file>
 
-<file path=ppt/slides/slide7.xml><?xml version="1.0" encoding="utf-8"?>
+<file path=ppt/slides/slide8.xml><?xml version="1.0" encoding="utf-8"?>
 <p:sld xmlns:a="http://schemas.openxmlformats.org/drawingml/2006/main" xmlns:r="http://schemas.openxmlformats.org/officeDocument/2006/relationships" xmlns:p="http://schemas.openxmlformats.org/presentationml/2006/main">
   <p:cSld>
     <p:spTree>
@@ -8845,7 +12850,7 @@
 </p:sld>
 </file>
 
-<file path=ppt/slides/slide8.xml><?xml version="1.0" encoding="utf-8"?>
+<file path=ppt/slides/slide9.xml><?xml version="1.0" encoding="utf-8"?>
 <p:sld xmlns:a="http://schemas.openxmlformats.org/drawingml/2006/main" xmlns:r="http://schemas.openxmlformats.org/officeDocument/2006/relationships" xmlns:p="http://schemas.openxmlformats.org/presentationml/2006/main">
   <p:cSld>
     <p:spTree>
@@ -8940,25 +12945,7 @@
                 </a:solidFill>
                 <a:latin typeface="Cascadia Mono" panose="020B0609020000020004" pitchFamily="49" charset="0"/>
               </a:rPr>
-              <a:t> </a:t>
-            </a:r>
-            <a:r>
-              <a:rPr lang="en-US" sz="1800" dirty="0" err="1">
-                <a:solidFill>
-                  <a:srgbClr val="000000"/>
-                </a:solidFill>
-                <a:latin typeface="Cascadia Mono" panose="020B0609020000020004" pitchFamily="49" charset="0"/>
-              </a:rPr>
-              <a:t>querie</a:t>
-            </a:r>
-            <a:r>
-              <a:rPr lang="en-US" sz="1800" dirty="0">
-                <a:solidFill>
-                  <a:srgbClr val="000000"/>
-                </a:solidFill>
-                <a:latin typeface="Cascadia Mono" panose="020B0609020000020004" pitchFamily="49" charset="0"/>
-              </a:rPr>
-              <a:t> = </a:t>
+              <a:t> query = </a:t>
             </a:r>
             <a:r>
               <a:rPr lang="en-US" sz="1800" dirty="0" err="1">
@@ -9112,7 +13099,7 @@
                 </a:solidFill>
                 <a:latin typeface="Cascadia Mono" panose="020B0609020000020004" pitchFamily="49" charset="0"/>
               </a:rPr>
-              <a:t>querieExceptionRaiser</a:t>
+              <a:t>queryExceptionRaiser</a:t>
             </a:r>
             <a:r>
               <a:rPr lang="en-US" sz="1800" dirty="0">
@@ -9130,7 +13117,7 @@
                 </a:solidFill>
                 <a:latin typeface="Cascadia Mono" panose="020B0609020000020004" pitchFamily="49" charset="0"/>
               </a:rPr>
-              <a:t>querie.Where</a:t>
+              <a:t>query.Where</a:t>
             </a:r>
             <a:r>
               <a:rPr lang="en-US" sz="1800" dirty="0">
@@ -9276,7 +13263,7 @@
                 </a:solidFill>
                 <a:latin typeface="Cascadia Mono" panose="020B0609020000020004" pitchFamily="49" charset="0"/>
               </a:rPr>
-              <a:t>querieExceptionRaiser.ToList</a:t>
+              <a:t>queryExceptionRaiser.ToList</a:t>
             </a:r>
             <a:r>
               <a:rPr lang="en-US" sz="1800" dirty="0">
@@ -9701,90 +13688,6 @@
     <p:extLst>
       <p:ext uri="{BB962C8B-B14F-4D97-AF65-F5344CB8AC3E}">
         <p14:creationId xmlns:p14="http://schemas.microsoft.com/office/powerpoint/2010/main" val="3285103803"/>
-      </p:ext>
-    </p:extLst>
-  </p:cSld>
-  <p:clrMapOvr>
-    <a:masterClrMapping/>
-  </p:clrMapOvr>
-</p:sld>
-</file>
-
-<file path=ppt/slides/slide9.xml><?xml version="1.0" encoding="utf-8"?>
-<p:sld xmlns:a="http://schemas.openxmlformats.org/drawingml/2006/main" xmlns:r="http://schemas.openxmlformats.org/officeDocument/2006/relationships" xmlns:p="http://schemas.openxmlformats.org/presentationml/2006/main">
-  <p:cSld>
-    <p:spTree>
-      <p:nvGrpSpPr>
-        <p:cNvPr id="1" name=""/>
-        <p:cNvGrpSpPr/>
-        <p:nvPr/>
-      </p:nvGrpSpPr>
-      <p:grpSpPr>
-        <a:xfrm>
-          <a:off x="0" y="0"/>
-          <a:ext cx="0" cy="0"/>
-          <a:chOff x="0" y="0"/>
-          <a:chExt cx="0" cy="0"/>
-        </a:xfrm>
-      </p:grpSpPr>
-      <p:sp>
-        <p:nvSpPr>
-          <p:cNvPr id="2" name="Title 1">
-            <a:extLst>
-              <a:ext uri="{FF2B5EF4-FFF2-40B4-BE49-F238E27FC236}">
-                <a16:creationId xmlns:a16="http://schemas.microsoft.com/office/drawing/2014/main" id="{6034650D-3CFA-19E1-8E36-8860725C7B0D}"/>
-              </a:ext>
-            </a:extLst>
-          </p:cNvPr>
-          <p:cNvSpPr>
-            <a:spLocks noGrp="1"/>
-          </p:cNvSpPr>
-          <p:nvPr>
-            <p:ph type="title"/>
-          </p:nvPr>
-        </p:nvSpPr>
-        <p:spPr/>
-        <p:txBody>
-          <a:bodyPr/>
-          <a:lstStyle/>
-          <a:p>
-            <a:r>
-              <a:rPr lang="ru-RU" dirty="0"/>
-              <a:t>Пример, выражения такое и такое</a:t>
-            </a:r>
-            <a:endParaRPr lang="en-US" dirty="0"/>
-          </a:p>
-        </p:txBody>
-      </p:sp>
-      <p:sp>
-        <p:nvSpPr>
-          <p:cNvPr id="3" name="Content Placeholder 2">
-            <a:extLst>
-              <a:ext uri="{FF2B5EF4-FFF2-40B4-BE49-F238E27FC236}">
-                <a16:creationId xmlns:a16="http://schemas.microsoft.com/office/drawing/2014/main" id="{BC3C5C74-2C32-DCE4-0744-80C36D5D165E}"/>
-              </a:ext>
-            </a:extLst>
-          </p:cNvPr>
-          <p:cNvSpPr>
-            <a:spLocks noGrp="1"/>
-          </p:cNvSpPr>
-          <p:nvPr>
-            <p:ph idx="1"/>
-          </p:nvPr>
-        </p:nvSpPr>
-        <p:spPr/>
-        <p:txBody>
-          <a:bodyPr/>
-          <a:lstStyle/>
-          <a:p>
-            <a:endParaRPr lang="en-US" dirty="0"/>
-          </a:p>
-        </p:txBody>
-      </p:sp>
-    </p:spTree>
-    <p:extLst>
-      <p:ext uri="{BB962C8B-B14F-4D97-AF65-F5344CB8AC3E}">
-        <p14:creationId xmlns:p14="http://schemas.microsoft.com/office/powerpoint/2010/main" val="2489473424"/>
       </p:ext>
     </p:extLst>
   </p:cSld>
